--- a/Python程式設計入門指南.pptx
+++ b/Python程式設計入門指南.pptx
@@ -8,15 +8,17 @@
     <p:sldId id="256" r:id="rId2"/>
     <p:sldId id="267" r:id="rId3"/>
     <p:sldId id="257" r:id="rId4"/>
-    <p:sldId id="258" r:id="rId5"/>
-    <p:sldId id="259" r:id="rId6"/>
-    <p:sldId id="260" r:id="rId7"/>
-    <p:sldId id="262" r:id="rId8"/>
-    <p:sldId id="261" r:id="rId9"/>
-    <p:sldId id="263" r:id="rId10"/>
-    <p:sldId id="264" r:id="rId11"/>
-    <p:sldId id="265" r:id="rId12"/>
-    <p:sldId id="266" r:id="rId13"/>
+    <p:sldId id="268" r:id="rId5"/>
+    <p:sldId id="269" r:id="rId6"/>
+    <p:sldId id="258" r:id="rId7"/>
+    <p:sldId id="259" r:id="rId8"/>
+    <p:sldId id="260" r:id="rId9"/>
+    <p:sldId id="262" r:id="rId10"/>
+    <p:sldId id="261" r:id="rId11"/>
+    <p:sldId id="263" r:id="rId12"/>
+    <p:sldId id="264" r:id="rId13"/>
+    <p:sldId id="265" r:id="rId14"/>
+    <p:sldId id="266" r:id="rId15"/>
   </p:sldIdLst>
   <p:sldSz cx="12192000" cy="6858000"/>
   <p:notesSz cx="6858000" cy="9144000"/>
@@ -115,6 +117,22 @@
       </a:defRPr>
     </a:lvl9pPr>
   </p:defaultTextStyle>
+  <p:extLst>
+    <p:ext uri="{EFAFB233-063F-42B5-8137-9DF3F51BA10A}">
+      <p15:sldGuideLst xmlns:p15="http://schemas.microsoft.com/office/powerpoint/2012/main">
+        <p15:guide id="1" orient="horz" pos="2160">
+          <p15:clr>
+            <a:srgbClr val="A4A3A4"/>
+          </p15:clr>
+        </p15:guide>
+        <p15:guide id="2" pos="3840">
+          <p15:clr>
+            <a:srgbClr val="A4A3A4"/>
+          </p15:clr>
+        </p15:guide>
+      </p15:sldGuideLst>
+    </p:ext>
+  </p:extLst>
 </p:presentation>
 </file>
 
@@ -3111,7 +3129,7 @@
           <a:p>
             <a:r>
               <a:rPr lang="en-US" altLang="zh-TW" dirty="0" smtClean="0"/>
-              <a:t>1-2</a:t>
+              <a:t>1-1</a:t>
             </a:r>
             <a:endParaRPr lang="zh-TW" altLang="en-US" dirty="0"/>
           </a:p>
@@ -3132,31 +3150,47 @@
           <a:bodyPr/>
           <a:lstStyle/>
           <a:p>
-            <a:pPr>
+            <a:pPr marL="0" indent="0">
               <a:buNone/>
             </a:pPr>
             <a:r>
               <a:rPr lang="en-US" altLang="zh-TW" dirty="0" smtClean="0"/>
-              <a:t>print(“w”)</a:t>
-            </a:r>
-          </a:p>
-          <a:p>
-            <a:pPr>
+              <a:t>print(“welcome to Python”)</a:t>
+            </a:r>
+          </a:p>
+          <a:p>
+            <a:pPr marL="0" indent="0">
               <a:buNone/>
             </a:pPr>
             <a:r>
+              <a:rPr lang="en-US" altLang="zh-TW" dirty="0"/>
+              <a:t>p</a:t>
+            </a:r>
+            <a:r>
               <a:rPr lang="en-US" altLang="zh-TW" dirty="0" smtClean="0"/>
-              <a:t>print(“</a:t>
+              <a:t>rint (“Python is Fun”)</a:t>
             </a:r>
             <a:endParaRPr lang="zh-TW" altLang="en-US" dirty="0"/>
           </a:p>
         </p:txBody>
       </p:sp>
     </p:spTree>
+    <p:extLst>
+      <p:ext uri="{BB962C8B-B14F-4D97-AF65-F5344CB8AC3E}">
+        <p14:creationId xmlns:p14="http://schemas.microsoft.com/office/powerpoint/2010/main" val="1978236047"/>
+      </p:ext>
+    </p:extLst>
   </p:cSld>
   <p:clrMapOvr>
     <a:masterClrMapping/>
   </p:clrMapOvr>
+  <p:timing>
+    <p:tnLst>
+      <p:par>
+        <p:cTn id="1" dur="indefinite" restart="never" nodeType="tmRoot"/>
+      </p:par>
+    </p:tnLst>
+  </p:timing>
 </p:sld>
 </file>
 
@@ -3194,7 +3228,7 @@
           <a:p>
             <a:r>
               <a:rPr lang="zh-TW" altLang="en-US" dirty="0" smtClean="0"/>
-              <a:t>數學計算</a:t>
+              <a:t>特殊字元</a:t>
             </a:r>
             <a:endParaRPr lang="zh-TW" altLang="en-US" dirty="0"/>
           </a:p>
@@ -3218,27 +3252,35 @@
           <a:lstStyle/>
           <a:p>
             <a:r>
+              <a:rPr lang="zh-TW" altLang="en-US" sz="3200" dirty="0" smtClean="0"/>
+              <a:t>使用於函數</a:t>
+            </a:r>
+            <a:r>
               <a:rPr lang="en-US" altLang="zh-TW" sz="3200" dirty="0" smtClean="0"/>
-              <a:t>+</a:t>
-            </a:r>
-          </a:p>
-          <a:p>
+              <a:t>:()</a:t>
+            </a:r>
+          </a:p>
+          <a:p>
+            <a:r>
+              <a:rPr lang="zh-TW" altLang="en-US" sz="3200" dirty="0" smtClean="0"/>
+              <a:t>註解</a:t>
+            </a:r>
             <a:r>
               <a:rPr lang="en-US" altLang="zh-TW" sz="3200" dirty="0" smtClean="0"/>
-              <a:t>-</a:t>
-            </a:r>
-          </a:p>
-          <a:p>
+              <a:t>:#</a:t>
+            </a:r>
+          </a:p>
+          <a:p>
+            <a:r>
+              <a:rPr lang="zh-TW" altLang="en-US" sz="3200" dirty="0" smtClean="0"/>
+              <a:t>字串</a:t>
+            </a:r>
             <a:r>
               <a:rPr lang="en-US" altLang="zh-TW" sz="3200" dirty="0" smtClean="0"/>
-              <a:t>*</a:t>
-            </a:r>
-          </a:p>
-          <a:p>
-            <a:r>
-              <a:rPr lang="en-US" altLang="zh-TW" sz="3200" dirty="0" smtClean="0"/>
-              <a:t>/</a:t>
-            </a:r>
+              <a:t>:”</a:t>
+            </a:r>
+          </a:p>
+          <a:p>
             <a:endParaRPr lang="zh-TW" altLang="en-US" sz="3200" dirty="0"/>
           </a:p>
         </p:txBody>
@@ -3283,6 +3325,180 @@
           <a:bodyPr/>
           <a:lstStyle/>
           <a:p>
+            <a:r>
+              <a:rPr lang="en-US" altLang="zh-TW" dirty="0" smtClean="0"/>
+              <a:t>1-2</a:t>
+            </a:r>
+            <a:endParaRPr lang="zh-TW" altLang="en-US" dirty="0"/>
+          </a:p>
+        </p:txBody>
+      </p:sp>
+      <p:sp>
+        <p:nvSpPr>
+          <p:cNvPr id="3" name="內容版面配置區 2"/>
+          <p:cNvSpPr>
+            <a:spLocks noGrp="1"/>
+          </p:cNvSpPr>
+          <p:nvPr>
+            <p:ph idx="1"/>
+          </p:nvPr>
+        </p:nvSpPr>
+        <p:spPr/>
+        <p:txBody>
+          <a:bodyPr/>
+          <a:lstStyle/>
+          <a:p>
+            <a:pPr>
+              <a:buNone/>
+            </a:pPr>
+            <a:r>
+              <a:rPr lang="en-US" altLang="zh-TW" dirty="0" smtClean="0"/>
+              <a:t>print(“w”)</a:t>
+            </a:r>
+          </a:p>
+          <a:p>
+            <a:pPr>
+              <a:buNone/>
+            </a:pPr>
+            <a:r>
+              <a:rPr lang="en-US" altLang="zh-TW" dirty="0" smtClean="0"/>
+              <a:t>print(“</a:t>
+            </a:r>
+            <a:endParaRPr lang="zh-TW" altLang="en-US" dirty="0"/>
+          </a:p>
+        </p:txBody>
+      </p:sp>
+    </p:spTree>
+  </p:cSld>
+  <p:clrMapOvr>
+    <a:masterClrMapping/>
+  </p:clrMapOvr>
+</p:sld>
+</file>
+
+<file path=ppt/slides/slide13.xml><?xml version="1.0" encoding="utf-8"?>
+<p:sld xmlns:a="http://schemas.openxmlformats.org/drawingml/2006/main" xmlns:r="http://schemas.openxmlformats.org/officeDocument/2006/relationships" xmlns:p="http://schemas.openxmlformats.org/presentationml/2006/main">
+  <p:cSld>
+    <p:spTree>
+      <p:nvGrpSpPr>
+        <p:cNvPr id="1" name=""/>
+        <p:cNvGrpSpPr/>
+        <p:nvPr/>
+      </p:nvGrpSpPr>
+      <p:grpSpPr>
+        <a:xfrm>
+          <a:off x="0" y="0"/>
+          <a:ext cx="0" cy="0"/>
+          <a:chOff x="0" y="0"/>
+          <a:chExt cx="0" cy="0"/>
+        </a:xfrm>
+      </p:grpSpPr>
+      <p:sp>
+        <p:nvSpPr>
+          <p:cNvPr id="2" name="標題 1"/>
+          <p:cNvSpPr>
+            <a:spLocks noGrp="1"/>
+          </p:cNvSpPr>
+          <p:nvPr>
+            <p:ph type="title"/>
+          </p:nvPr>
+        </p:nvSpPr>
+        <p:spPr/>
+        <p:txBody>
+          <a:bodyPr/>
+          <a:lstStyle/>
+          <a:p>
+            <a:r>
+              <a:rPr lang="zh-TW" altLang="en-US" dirty="0" smtClean="0"/>
+              <a:t>數學計算</a:t>
+            </a:r>
+            <a:endParaRPr lang="zh-TW" altLang="en-US" dirty="0"/>
+          </a:p>
+        </p:txBody>
+      </p:sp>
+      <p:sp>
+        <p:nvSpPr>
+          <p:cNvPr id="3" name="內容版面配置區 2"/>
+          <p:cNvSpPr>
+            <a:spLocks noGrp="1"/>
+          </p:cNvSpPr>
+          <p:nvPr>
+            <p:ph idx="1"/>
+          </p:nvPr>
+        </p:nvSpPr>
+        <p:spPr/>
+        <p:txBody>
+          <a:bodyPr>
+            <a:normAutofit/>
+          </a:bodyPr>
+          <a:lstStyle/>
+          <a:p>
+            <a:r>
+              <a:rPr lang="en-US" altLang="zh-TW" sz="3200" dirty="0" smtClean="0"/>
+              <a:t>+</a:t>
+            </a:r>
+          </a:p>
+          <a:p>
+            <a:r>
+              <a:rPr lang="en-US" altLang="zh-TW" sz="3200" dirty="0" smtClean="0"/>
+              <a:t>-</a:t>
+            </a:r>
+          </a:p>
+          <a:p>
+            <a:r>
+              <a:rPr lang="en-US" altLang="zh-TW" sz="3200" dirty="0" smtClean="0"/>
+              <a:t>*</a:t>
+            </a:r>
+          </a:p>
+          <a:p>
+            <a:r>
+              <a:rPr lang="en-US" altLang="zh-TW" sz="3200" dirty="0" smtClean="0"/>
+              <a:t>/</a:t>
+            </a:r>
+            <a:endParaRPr lang="zh-TW" altLang="en-US" sz="3200" dirty="0"/>
+          </a:p>
+        </p:txBody>
+      </p:sp>
+    </p:spTree>
+  </p:cSld>
+  <p:clrMapOvr>
+    <a:masterClrMapping/>
+  </p:clrMapOvr>
+</p:sld>
+</file>
+
+<file path=ppt/slides/slide14.xml><?xml version="1.0" encoding="utf-8"?>
+<p:sld xmlns:a="http://schemas.openxmlformats.org/drawingml/2006/main" xmlns:r="http://schemas.openxmlformats.org/officeDocument/2006/relationships" xmlns:p="http://schemas.openxmlformats.org/presentationml/2006/main">
+  <p:cSld>
+    <p:spTree>
+      <p:nvGrpSpPr>
+        <p:cNvPr id="1" name=""/>
+        <p:cNvGrpSpPr/>
+        <p:nvPr/>
+      </p:nvGrpSpPr>
+      <p:grpSpPr>
+        <a:xfrm>
+          <a:off x="0" y="0"/>
+          <a:ext cx="0" cy="0"/>
+          <a:chOff x="0" y="0"/>
+          <a:chExt cx="0" cy="0"/>
+        </a:xfrm>
+      </p:grpSpPr>
+      <p:sp>
+        <p:nvSpPr>
+          <p:cNvPr id="2" name="標題 1"/>
+          <p:cNvSpPr>
+            <a:spLocks noGrp="1"/>
+          </p:cNvSpPr>
+          <p:nvPr>
+            <p:ph type="title"/>
+          </p:nvPr>
+        </p:nvSpPr>
+        <p:spPr/>
+        <p:txBody>
+          <a:bodyPr/>
+          <a:lstStyle/>
+          <a:p>
             <a:endParaRPr lang="zh-TW" altLang="en-US"/>
           </a:p>
         </p:txBody>
@@ -3353,10 +3569,6 @@
               </a:rPr>
               <a:t>課程目的</a:t>
             </a:r>
-            <a:endParaRPr lang="zh-TW" altLang="en-US" dirty="0">
-              <a:latin typeface="Noto Sans CJK TC Regular" pitchFamily="34" charset="-120"/>
-              <a:ea typeface="Noto Sans CJK TC Regular" pitchFamily="34" charset="-120"/>
-            </a:endParaRPr>
           </a:p>
         </p:txBody>
       </p:sp>
@@ -3420,7 +3632,28 @@
                 <a:latin typeface="Noto Sans CJK TC Regular" pitchFamily="34" charset="-120"/>
                 <a:ea typeface="Noto Sans CJK TC Regular" pitchFamily="34" charset="-120"/>
               </a:rPr>
-              <a:t>、工具、開源庫</a:t>
+              <a:t>、工具</a:t>
+            </a:r>
+            <a:r>
+              <a:rPr lang="zh-TW" altLang="en-US" sz="3200" dirty="0" smtClean="0">
+                <a:latin typeface="Noto Sans CJK TC Regular" pitchFamily="34" charset="-120"/>
+                <a:ea typeface="Noto Sans CJK TC Regular" pitchFamily="34" charset="-120"/>
+              </a:rPr>
+              <a:t>、</a:t>
+            </a:r>
+            <a:r>
+              <a:rPr lang="zh-TW" altLang="en-US" sz="3200" dirty="0" smtClean="0">
+                <a:latin typeface="Noto Sans CJK TC Regular" pitchFamily="34" charset="-120"/>
+                <a:ea typeface="Noto Sans CJK TC Regular" pitchFamily="34" charset="-120"/>
+              </a:rPr>
+              <a:t>程式</a:t>
+            </a:r>
+            <a:r>
+              <a:rPr lang="zh-TW" altLang="en-US" sz="3200" dirty="0">
+                <a:latin typeface="Noto Sans CJK TC Regular" pitchFamily="34" charset="-120"/>
+                <a:ea typeface="Noto Sans CJK TC Regular" pitchFamily="34" charset="-120"/>
+              </a:rPr>
+              <a:t>庫</a:t>
             </a:r>
             <a:endParaRPr lang="en-US" altLang="zh-TW" sz="3200" dirty="0" smtClean="0">
               <a:latin typeface="Noto Sans CJK TC Regular" pitchFamily="34" charset="-120"/>
@@ -3436,24 +3669,62 @@
               <a:t>了解</a:t>
             </a:r>
             <a:r>
-              <a:rPr lang="en-US" altLang="zh-TW" sz="3600" dirty="0">
+              <a:rPr lang="en-US" altLang="zh-TW" sz="3600" dirty="0" smtClean="0">
                 <a:latin typeface="Noto Sans CJK TC Regular" pitchFamily="34" charset="-120"/>
                 <a:ea typeface="Noto Sans CJK TC Regular" pitchFamily="34" charset="-120"/>
               </a:rPr>
               <a:t>Python</a:t>
             </a:r>
-            <a:endParaRPr lang="en-US" altLang="zh-TW" sz="3600" dirty="0" smtClean="0">
-              <a:latin typeface="Noto Sans CJK TC Regular" pitchFamily="34" charset="-120"/>
-              <a:ea typeface="Noto Sans CJK TC Regular" pitchFamily="34" charset="-120"/>
-            </a:endParaRPr>
-          </a:p>
-          <a:p>
             <a:r>
               <a:rPr lang="zh-TW" altLang="en-US" sz="3600" dirty="0" smtClean="0">
                 <a:latin typeface="Noto Sans CJK TC Regular" pitchFamily="34" charset="-120"/>
                 <a:ea typeface="Noto Sans CJK TC Regular" pitchFamily="34" charset="-120"/>
               </a:rPr>
-              <a:t>物件導向</a:t>
+              <a:t>社區核心文化</a:t>
+            </a:r>
+            <a:endParaRPr lang="en-US" altLang="zh-TW" sz="3600" dirty="0">
+              <a:latin typeface="Noto Sans CJK TC Regular" pitchFamily="34" charset="-120"/>
+              <a:ea typeface="Noto Sans CJK TC Regular" pitchFamily="34" charset="-120"/>
+            </a:endParaRPr>
+          </a:p>
+          <a:p>
+            <a:pPr lvl="1">
+              <a:buFont typeface="Noto Sans CJK TC Regular" pitchFamily="34" charset="-120"/>
+              <a:buChar char="­"/>
+            </a:pPr>
+            <a:r>
+              <a:rPr lang="zh-TW" altLang="en-US" sz="3200" dirty="0" smtClean="0">
+                <a:latin typeface="Noto Sans CJK TC Regular" pitchFamily="34" charset="-120"/>
+                <a:ea typeface="Noto Sans CJK TC Regular" pitchFamily="34" charset="-120"/>
+              </a:rPr>
+              <a:t>編碼風格、範例、文</a:t>
+            </a:r>
+            <a:r>
+              <a:rPr lang="zh-TW" altLang="en-US" sz="3200" dirty="0">
+                <a:latin typeface="Noto Sans CJK TC Regular" pitchFamily="34" charset="-120"/>
+                <a:ea typeface="Noto Sans CJK TC Regular" pitchFamily="34" charset="-120"/>
+              </a:rPr>
+              <a:t>檔</a:t>
+            </a:r>
+            <a:endParaRPr lang="en-US" altLang="zh-TW" sz="3200" dirty="0">
+              <a:latin typeface="Noto Sans CJK TC Regular" pitchFamily="34" charset="-120"/>
+              <a:ea typeface="Noto Sans CJK TC Regular" pitchFamily="34" charset="-120"/>
+            </a:endParaRPr>
+          </a:p>
+          <a:p>
+            <a:r>
+              <a:rPr lang="zh-TW" altLang="en-US" sz="3600" dirty="0" smtClean="0">
+                <a:latin typeface="Noto Sans CJK TC Regular" pitchFamily="34" charset="-120"/>
+                <a:ea typeface="Noto Sans CJK TC Regular" pitchFamily="34" charset="-120"/>
+              </a:rPr>
+              <a:t>學會</a:t>
+            </a:r>
+            <a:r>
+              <a:rPr lang="en-US" altLang="zh-TW" sz="3600" dirty="0" smtClean="0">
+                <a:latin typeface="Noto Sans CJK TC Regular" pitchFamily="34" charset="-120"/>
+                <a:ea typeface="Noto Sans CJK TC Regular" pitchFamily="34" charset="-120"/>
+              </a:rPr>
+              <a:t>Python</a:t>
             </a:r>
             <a:endParaRPr lang="en-US" altLang="zh-TW" sz="3600" dirty="0" smtClean="0">
               <a:latin typeface="Noto Sans CJK TC Regular" pitchFamily="34" charset="-120"/>
@@ -3525,21 +3796,14 @@
                 <a:latin typeface="Noto Sans CJK TC Regular" pitchFamily="34" charset="-120"/>
                 <a:ea typeface="Noto Sans CJK TC Regular" pitchFamily="34" charset="-120"/>
               </a:rPr>
-              <a:t>什麼</a:t>
+              <a:t>目</a:t>
             </a:r>
             <a:r>
               <a:rPr lang="zh-TW" altLang="en-US" dirty="0">
                 <a:latin typeface="Noto Sans CJK TC Regular" pitchFamily="34" charset="-120"/>
                 <a:ea typeface="Noto Sans CJK TC Regular" pitchFamily="34" charset="-120"/>
               </a:rPr>
-              <a:t>事</a:t>
-            </a:r>
-            <a:r>
-              <a:rPr lang="en-US" altLang="zh-TW" dirty="0" err="1" smtClean="0">
-                <a:latin typeface="Noto Sans CJK TC Regular" pitchFamily="34" charset="-120"/>
-                <a:ea typeface="Noto Sans CJK TC Regular" pitchFamily="34" charset="-120"/>
-              </a:rPr>
-              <a:t>Ptyhon</a:t>
+              <a:t>錄</a:t>
             </a:r>
             <a:endParaRPr lang="zh-TW" altLang="en-US" dirty="0">
               <a:latin typeface="Noto Sans CJK TC Regular" pitchFamily="34" charset="-120"/>
@@ -3560,49 +3824,65 @@
         </p:nvSpPr>
         <p:spPr/>
         <p:txBody>
-          <a:bodyPr/>
-          <a:lstStyle/>
-          <a:p>
-            <a:r>
-              <a:rPr lang="zh-TW" altLang="en-US" dirty="0" smtClean="0">
+          <a:bodyPr>
+            <a:normAutofit/>
+          </a:bodyPr>
+          <a:lstStyle/>
+          <a:p>
+            <a:r>
+              <a:rPr lang="zh-TW" altLang="en-US" sz="3600" dirty="0" smtClean="0">
                 <a:latin typeface="Noto Sans CJK TC Regular" pitchFamily="34" charset="-120"/>
                 <a:ea typeface="Noto Sans CJK TC Regular" pitchFamily="34" charset="-120"/>
               </a:rPr>
-              <a:t>通用</a:t>
-            </a:r>
-            <a:endParaRPr lang="en-US" altLang="zh-TW" dirty="0" smtClean="0">
+              <a:t>版本選擇</a:t>
+            </a:r>
+            <a:endParaRPr lang="en-US" altLang="zh-TW" sz="3600" dirty="0" smtClean="0">
               <a:latin typeface="Noto Sans CJK TC Regular" pitchFamily="34" charset="-120"/>
               <a:ea typeface="Noto Sans CJK TC Regular" pitchFamily="34" charset="-120"/>
             </a:endParaRPr>
           </a:p>
           <a:p>
             <a:r>
-              <a:rPr lang="zh-TW" altLang="en-US" dirty="0" smtClean="0">
+              <a:rPr lang="zh-TW" altLang="en-US" sz="3600" dirty="0" smtClean="0">
                 <a:latin typeface="Noto Sans CJK TC Regular" pitchFamily="34" charset="-120"/>
                 <a:ea typeface="Noto Sans CJK TC Regular" pitchFamily="34" charset="-120"/>
               </a:rPr>
-              <a:t>直譯</a:t>
-            </a:r>
-            <a:endParaRPr lang="en-US" altLang="zh-TW" dirty="0" smtClean="0">
+              <a:t>安裝</a:t>
+            </a:r>
+            <a:endParaRPr lang="en-US" altLang="zh-TW" sz="3600" dirty="0" smtClean="0">
               <a:latin typeface="Noto Sans CJK TC Regular" pitchFamily="34" charset="-120"/>
               <a:ea typeface="Noto Sans CJK TC Regular" pitchFamily="34" charset="-120"/>
             </a:endParaRPr>
           </a:p>
           <a:p>
             <a:r>
-              <a:rPr lang="zh-TW" altLang="en-US" dirty="0" smtClean="0">
+              <a:rPr lang="zh-TW" altLang="en-US" sz="3600" dirty="0" smtClean="0">
                 <a:latin typeface="Noto Sans CJK TC Regular" pitchFamily="34" charset="-120"/>
                 <a:ea typeface="Noto Sans CJK TC Regular" pitchFamily="34" charset="-120"/>
               </a:rPr>
-              <a:t>物件導向</a:t>
-            </a:r>
-            <a:endParaRPr lang="en-US" altLang="zh-TW" dirty="0" smtClean="0">
+              <a:t>準備環境</a:t>
+            </a:r>
+            <a:endParaRPr lang="en-US" altLang="zh-TW" sz="3600" dirty="0" smtClean="0">
               <a:latin typeface="Noto Sans CJK TC Regular" pitchFamily="34" charset="-120"/>
               <a:ea typeface="Noto Sans CJK TC Regular" pitchFamily="34" charset="-120"/>
             </a:endParaRPr>
           </a:p>
           <a:p>
-            <a:endParaRPr lang="zh-TW" altLang="en-US" dirty="0">
+            <a:r>
+              <a:rPr lang="zh-TW" altLang="en-US" sz="3600" smtClean="0">
+                <a:latin typeface="Noto Sans CJK TC Regular" pitchFamily="34" charset="-120"/>
+                <a:ea typeface="Noto Sans CJK TC Regular" pitchFamily="34" charset="-120"/>
+              </a:rPr>
+              <a:t>我</a:t>
+            </a:r>
+            <a:r>
+              <a:rPr lang="zh-TW" altLang="en-US" sz="3600">
+                <a:latin typeface="Noto Sans CJK TC Regular" pitchFamily="34" charset="-120"/>
+                <a:ea typeface="Noto Sans CJK TC Regular" pitchFamily="34" charset="-120"/>
+              </a:rPr>
+              <a:t>的</a:t>
+            </a:r>
+            <a:endParaRPr lang="zh-TW" altLang="en-US" sz="3600" dirty="0">
               <a:latin typeface="Noto Sans CJK TC Regular" pitchFamily="34" charset="-120"/>
               <a:ea typeface="Noto Sans CJK TC Regular" pitchFamily="34" charset="-120"/>
             </a:endParaRPr>
@@ -3662,10 +3942,30 @@
           <a:lstStyle/>
           <a:p>
             <a:r>
-              <a:rPr lang="zh-TW" altLang="en-US" dirty="0" smtClean="0"/>
-              <a:t>特點</a:t>
-            </a:r>
-            <a:endParaRPr lang="zh-TW" altLang="en-US" dirty="0"/>
+              <a:rPr lang="zh-TW" altLang="en-US" dirty="0" smtClean="0">
+                <a:latin typeface="Noto Sans CJK TC Regular" pitchFamily="34" charset="-120"/>
+                <a:ea typeface="Noto Sans CJK TC Regular" pitchFamily="34" charset="-120"/>
+              </a:rPr>
+              <a:t>什麼</a:t>
+            </a:r>
+            <a:r>
+              <a:rPr lang="zh-TW" altLang="en-US" dirty="0">
+                <a:latin typeface="Noto Sans CJK TC Regular" pitchFamily="34" charset="-120"/>
+                <a:ea typeface="Noto Sans CJK TC Regular" pitchFamily="34" charset="-120"/>
+              </a:rPr>
+              <a:t>事</a:t>
+            </a:r>
+            <a:r>
+              <a:rPr lang="en-US" altLang="zh-TW" dirty="0" err="1" smtClean="0">
+                <a:latin typeface="Noto Sans CJK TC Regular" pitchFamily="34" charset="-120"/>
+                <a:ea typeface="Noto Sans CJK TC Regular" pitchFamily="34" charset="-120"/>
+              </a:rPr>
+              <a:t>Ptyhon</a:t>
+            </a:r>
+            <a:endParaRPr lang="zh-TW" altLang="en-US" dirty="0">
+              <a:latin typeface="Noto Sans CJK TC Regular" pitchFamily="34" charset="-120"/>
+              <a:ea typeface="Noto Sans CJK TC Regular" pitchFamily="34" charset="-120"/>
+            </a:endParaRPr>
           </a:p>
         </p:txBody>
       </p:sp>
@@ -3685,38 +3985,55 @@
           <a:lstStyle/>
           <a:p>
             <a:r>
-              <a:rPr lang="zh-TW" altLang="en-US" dirty="0" smtClean="0"/>
-              <a:t>簡單</a:t>
-            </a:r>
-            <a:endParaRPr lang="en-US" altLang="zh-TW" dirty="0" smtClean="0"/>
-          </a:p>
-          <a:p>
-            <a:r>
-              <a:rPr lang="zh-TW" altLang="en-US" dirty="0" smtClean="0"/>
-              <a:t>簡潔</a:t>
-            </a:r>
-            <a:endParaRPr lang="en-US" altLang="zh-TW" dirty="0" smtClean="0"/>
-          </a:p>
-          <a:p>
-            <a:r>
-              <a:rPr lang="zh-TW" altLang="en-US" dirty="0" smtClean="0"/>
-              <a:t>直覺式</a:t>
-            </a:r>
-            <a:endParaRPr lang="en-US" altLang="zh-TW" dirty="0" smtClean="0"/>
-          </a:p>
-          <a:p>
-            <a:r>
-              <a:rPr lang="zh-TW" altLang="en-US" dirty="0" smtClean="0"/>
-              <a:t>龐大的函式庫</a:t>
-            </a:r>
-            <a:endParaRPr lang="zh-TW" altLang="en-US" dirty="0"/>
+              <a:rPr lang="zh-TW" altLang="en-US" dirty="0" smtClean="0">
+                <a:latin typeface="Noto Sans CJK TC Regular" pitchFamily="34" charset="-120"/>
+                <a:ea typeface="Noto Sans CJK TC Regular" pitchFamily="34" charset="-120"/>
+              </a:rPr>
+              <a:t>通用</a:t>
+            </a:r>
+            <a:endParaRPr lang="en-US" altLang="zh-TW" dirty="0" smtClean="0">
+              <a:latin typeface="Noto Sans CJK TC Regular" pitchFamily="34" charset="-120"/>
+              <a:ea typeface="Noto Sans CJK TC Regular" pitchFamily="34" charset="-120"/>
+            </a:endParaRPr>
+          </a:p>
+          <a:p>
+            <a:r>
+              <a:rPr lang="zh-TW" altLang="en-US" dirty="0" smtClean="0">
+                <a:latin typeface="Noto Sans CJK TC Regular" pitchFamily="34" charset="-120"/>
+                <a:ea typeface="Noto Sans CJK TC Regular" pitchFamily="34" charset="-120"/>
+              </a:rPr>
+              <a:t>直譯</a:t>
+            </a:r>
+            <a:endParaRPr lang="en-US" altLang="zh-TW" dirty="0" smtClean="0">
+              <a:latin typeface="Noto Sans CJK TC Regular" pitchFamily="34" charset="-120"/>
+              <a:ea typeface="Noto Sans CJK TC Regular" pitchFamily="34" charset="-120"/>
+            </a:endParaRPr>
+          </a:p>
+          <a:p>
+            <a:r>
+              <a:rPr lang="zh-TW" altLang="en-US" dirty="0" smtClean="0">
+                <a:latin typeface="Noto Sans CJK TC Regular" pitchFamily="34" charset="-120"/>
+                <a:ea typeface="Noto Sans CJK TC Regular" pitchFamily="34" charset="-120"/>
+              </a:rPr>
+              <a:t>物件導向</a:t>
+            </a:r>
+            <a:endParaRPr lang="en-US" altLang="zh-TW" dirty="0" smtClean="0">
+              <a:latin typeface="Noto Sans CJK TC Regular" pitchFamily="34" charset="-120"/>
+              <a:ea typeface="Noto Sans CJK TC Regular" pitchFamily="34" charset="-120"/>
+            </a:endParaRPr>
+          </a:p>
+          <a:p>
+            <a:endParaRPr lang="zh-TW" altLang="en-US" dirty="0">
+              <a:latin typeface="Noto Sans CJK TC Regular" pitchFamily="34" charset="-120"/>
+              <a:ea typeface="Noto Sans CJK TC Regular" pitchFamily="34" charset="-120"/>
+            </a:endParaRPr>
           </a:p>
         </p:txBody>
       </p:sp>
     </p:spTree>
     <p:extLst>
       <p:ext uri="{BB962C8B-B14F-4D97-AF65-F5344CB8AC3E}">
-        <p14:creationId xmlns:p14="http://schemas.microsoft.com/office/powerpoint/2010/main" val="1143689501"/>
+        <p14:creationId xmlns:p14="http://schemas.microsoft.com/office/powerpoint/2010/main" val="3025630679"/>
       </p:ext>
     </p:extLst>
   </p:cSld>
@@ -3766,14 +4083,30 @@
           <a:lstStyle/>
           <a:p>
             <a:r>
-              <a:rPr lang="zh-TW" altLang="en-US" dirty="0" smtClean="0"/>
-              <a:t>啟動</a:t>
-            </a:r>
-            <a:r>
-              <a:rPr lang="en-US" altLang="zh-TW" dirty="0" smtClean="0"/>
-              <a:t>Python</a:t>
-            </a:r>
-            <a:endParaRPr lang="zh-TW" altLang="en-US" dirty="0"/>
+              <a:rPr lang="zh-TW" altLang="en-US" dirty="0" smtClean="0">
+                <a:latin typeface="Noto Sans CJK TC Regular" pitchFamily="34" charset="-120"/>
+                <a:ea typeface="Noto Sans CJK TC Regular" pitchFamily="34" charset="-120"/>
+              </a:rPr>
+              <a:t>什麼</a:t>
+            </a:r>
+            <a:r>
+              <a:rPr lang="zh-TW" altLang="en-US" dirty="0">
+                <a:latin typeface="Noto Sans CJK TC Regular" pitchFamily="34" charset="-120"/>
+                <a:ea typeface="Noto Sans CJK TC Regular" pitchFamily="34" charset="-120"/>
+              </a:rPr>
+              <a:t>事</a:t>
+            </a:r>
+            <a:r>
+              <a:rPr lang="en-US" altLang="zh-TW" dirty="0" err="1" smtClean="0">
+                <a:latin typeface="Noto Sans CJK TC Regular" pitchFamily="34" charset="-120"/>
+                <a:ea typeface="Noto Sans CJK TC Regular" pitchFamily="34" charset="-120"/>
+              </a:rPr>
+              <a:t>Ptyhon</a:t>
+            </a:r>
+            <a:endParaRPr lang="zh-TW" altLang="en-US" dirty="0">
+              <a:latin typeface="Noto Sans CJK TC Regular" pitchFamily="34" charset="-120"/>
+              <a:ea typeface="Noto Sans CJK TC Regular" pitchFamily="34" charset="-120"/>
+            </a:endParaRPr>
           </a:p>
         </p:txBody>
       </p:sp>
@@ -3793,28 +4126,55 @@
           <a:lstStyle/>
           <a:p>
             <a:r>
-              <a:rPr lang="zh-TW" altLang="en-US" dirty="0" smtClean="0"/>
-              <a:t>提示字元命令</a:t>
-            </a:r>
-            <a:endParaRPr lang="en-US" altLang="zh-TW" dirty="0" smtClean="0"/>
-          </a:p>
-          <a:p>
-            <a:r>
-              <a:rPr lang="zh-TW" altLang="en-US" dirty="0" smtClean="0"/>
-              <a:t>點開執行程</a:t>
-            </a:r>
-            <a:r>
-              <a:rPr lang="zh-TW" altLang="en-US" dirty="0"/>
-              <a:t>式</a:t>
-            </a:r>
-            <a:endParaRPr lang="en-US" altLang="zh-TW" dirty="0"/>
+              <a:rPr lang="zh-TW" altLang="en-US" dirty="0" smtClean="0">
+                <a:latin typeface="Noto Sans CJK TC Regular" pitchFamily="34" charset="-120"/>
+                <a:ea typeface="Noto Sans CJK TC Regular" pitchFamily="34" charset="-120"/>
+              </a:rPr>
+              <a:t>通用</a:t>
+            </a:r>
+            <a:endParaRPr lang="en-US" altLang="zh-TW" dirty="0" smtClean="0">
+              <a:latin typeface="Noto Sans CJK TC Regular" pitchFamily="34" charset="-120"/>
+              <a:ea typeface="Noto Sans CJK TC Regular" pitchFamily="34" charset="-120"/>
+            </a:endParaRPr>
+          </a:p>
+          <a:p>
+            <a:r>
+              <a:rPr lang="zh-TW" altLang="en-US" dirty="0" smtClean="0">
+                <a:latin typeface="Noto Sans CJK TC Regular" pitchFamily="34" charset="-120"/>
+                <a:ea typeface="Noto Sans CJK TC Regular" pitchFamily="34" charset="-120"/>
+              </a:rPr>
+              <a:t>直譯</a:t>
+            </a:r>
+            <a:endParaRPr lang="en-US" altLang="zh-TW" dirty="0" smtClean="0">
+              <a:latin typeface="Noto Sans CJK TC Regular" pitchFamily="34" charset="-120"/>
+              <a:ea typeface="Noto Sans CJK TC Regular" pitchFamily="34" charset="-120"/>
+            </a:endParaRPr>
+          </a:p>
+          <a:p>
+            <a:r>
+              <a:rPr lang="zh-TW" altLang="en-US" dirty="0" smtClean="0">
+                <a:latin typeface="Noto Sans CJK TC Regular" pitchFamily="34" charset="-120"/>
+                <a:ea typeface="Noto Sans CJK TC Regular" pitchFamily="34" charset="-120"/>
+              </a:rPr>
+              <a:t>物件導向</a:t>
+            </a:r>
+            <a:endParaRPr lang="en-US" altLang="zh-TW" dirty="0" smtClean="0">
+              <a:latin typeface="Noto Sans CJK TC Regular" pitchFamily="34" charset="-120"/>
+              <a:ea typeface="Noto Sans CJK TC Regular" pitchFamily="34" charset="-120"/>
+            </a:endParaRPr>
+          </a:p>
+          <a:p>
+            <a:endParaRPr lang="zh-TW" altLang="en-US" dirty="0">
+              <a:latin typeface="Noto Sans CJK TC Regular" pitchFamily="34" charset="-120"/>
+              <a:ea typeface="Noto Sans CJK TC Regular" pitchFamily="34" charset="-120"/>
+            </a:endParaRPr>
           </a:p>
         </p:txBody>
       </p:sp>
     </p:spTree>
     <p:extLst>
       <p:ext uri="{BB962C8B-B14F-4D97-AF65-F5344CB8AC3E}">
-        <p14:creationId xmlns:p14="http://schemas.microsoft.com/office/powerpoint/2010/main" val="2297050989"/>
+        <p14:creationId xmlns:p14="http://schemas.microsoft.com/office/powerpoint/2010/main" val="3243581373"/>
       </p:ext>
     </p:extLst>
   </p:cSld>
@@ -3865,7 +4225,7 @@
           <a:p>
             <a:r>
               <a:rPr lang="zh-TW" altLang="en-US" dirty="0" smtClean="0"/>
-              <a:t>離開方式</a:t>
+              <a:t>特點</a:t>
             </a:r>
             <a:endParaRPr lang="zh-TW" altLang="en-US" dirty="0"/>
           </a:p>
@@ -3887,14 +4247,29 @@
           <a:lstStyle/>
           <a:p>
             <a:r>
-              <a:rPr lang="en-US" altLang="zh-TW" dirty="0" smtClean="0"/>
-              <a:t>exit()</a:t>
-            </a:r>
-          </a:p>
-          <a:p>
-            <a:r>
-              <a:rPr lang="en-US" altLang="zh-TW" dirty="0" err="1" smtClean="0"/>
-              <a:t>Ctrl+Z</a:t>
+              <a:rPr lang="zh-TW" altLang="en-US" dirty="0" smtClean="0"/>
+              <a:t>簡單</a:t>
+            </a:r>
+            <a:endParaRPr lang="en-US" altLang="zh-TW" dirty="0" smtClean="0"/>
+          </a:p>
+          <a:p>
+            <a:r>
+              <a:rPr lang="zh-TW" altLang="en-US" dirty="0" smtClean="0"/>
+              <a:t>簡潔</a:t>
+            </a:r>
+            <a:endParaRPr lang="en-US" altLang="zh-TW" dirty="0" smtClean="0"/>
+          </a:p>
+          <a:p>
+            <a:r>
+              <a:rPr lang="zh-TW" altLang="en-US" dirty="0" smtClean="0"/>
+              <a:t>直覺式</a:t>
+            </a:r>
+            <a:endParaRPr lang="en-US" altLang="zh-TW" dirty="0" smtClean="0"/>
+          </a:p>
+          <a:p>
+            <a:r>
+              <a:rPr lang="zh-TW" altLang="en-US" dirty="0" smtClean="0"/>
+              <a:t>龐大的函式庫</a:t>
             </a:r>
             <a:endParaRPr lang="zh-TW" altLang="en-US" dirty="0"/>
           </a:p>
@@ -3903,7 +4278,7 @@
     </p:spTree>
     <p:extLst>
       <p:ext uri="{BB962C8B-B14F-4D97-AF65-F5344CB8AC3E}">
-        <p14:creationId xmlns:p14="http://schemas.microsoft.com/office/powerpoint/2010/main" val="775387016"/>
+        <p14:creationId xmlns:p14="http://schemas.microsoft.com/office/powerpoint/2010/main" val="1143689501"/>
       </p:ext>
     </p:extLst>
   </p:cSld>
@@ -3953,53 +4328,55 @@
           <a:lstStyle/>
           <a:p>
             <a:r>
+              <a:rPr lang="zh-TW" altLang="en-US" dirty="0" smtClean="0"/>
+              <a:t>啟動</a:t>
+            </a:r>
+            <a:r>
+              <a:rPr lang="en-US" altLang="zh-TW" dirty="0" smtClean="0"/>
+              <a:t>Python</a:t>
+            </a:r>
+            <a:endParaRPr lang="zh-TW" altLang="en-US" dirty="0"/>
+          </a:p>
+        </p:txBody>
+      </p:sp>
+      <p:sp>
+        <p:nvSpPr>
+          <p:cNvPr id="3" name="內容版面配置區 2"/>
+          <p:cNvSpPr>
+            <a:spLocks noGrp="1"/>
+          </p:cNvSpPr>
+          <p:nvPr>
+            <p:ph idx="1"/>
+          </p:nvPr>
+        </p:nvSpPr>
+        <p:spPr/>
+        <p:txBody>
+          <a:bodyPr/>
+          <a:lstStyle/>
+          <a:p>
+            <a:r>
+              <a:rPr lang="zh-TW" altLang="en-US" dirty="0" smtClean="0"/>
+              <a:t>提示字元命令</a:t>
+            </a:r>
+            <a:endParaRPr lang="en-US" altLang="zh-TW" dirty="0" smtClean="0"/>
+          </a:p>
+          <a:p>
+            <a:r>
+              <a:rPr lang="zh-TW" altLang="en-US" dirty="0" smtClean="0"/>
+              <a:t>點開執行程</a:t>
+            </a:r>
+            <a:r>
               <a:rPr lang="zh-TW" altLang="en-US" dirty="0"/>
-              <a:t>註解</a:t>
-            </a:r>
-          </a:p>
-        </p:txBody>
-      </p:sp>
-      <p:sp>
-        <p:nvSpPr>
-          <p:cNvPr id="3" name="內容版面配置區 2"/>
-          <p:cNvSpPr>
-            <a:spLocks noGrp="1"/>
-          </p:cNvSpPr>
-          <p:nvPr>
-            <p:ph idx="1"/>
-          </p:nvPr>
-        </p:nvSpPr>
-        <p:spPr/>
-        <p:txBody>
-          <a:bodyPr/>
-          <a:lstStyle/>
-          <a:p>
-            <a:r>
-              <a:rPr lang="en-US" altLang="zh-TW" dirty="0" smtClean="0"/>
-              <a:t>#</a:t>
-            </a:r>
-          </a:p>
-          <a:p>
-            <a:r>
-              <a:rPr lang="en-US" altLang="zh-TW" dirty="0" smtClean="0"/>
-              <a:t>‘’’</a:t>
-            </a:r>
-            <a:r>
-              <a:rPr lang="zh-TW" altLang="en-US" dirty="0" smtClean="0"/>
-              <a:t> </a:t>
-            </a:r>
-            <a:r>
-              <a:rPr lang="en-US" altLang="zh-TW" smtClean="0"/>
-              <a:t>‘’’</a:t>
-            </a:r>
-            <a:endParaRPr lang="zh-TW" altLang="en-US"/>
+              <a:t>式</a:t>
+            </a:r>
+            <a:endParaRPr lang="en-US" altLang="zh-TW" dirty="0"/>
           </a:p>
         </p:txBody>
       </p:sp>
     </p:spTree>
     <p:extLst>
       <p:ext uri="{BB962C8B-B14F-4D97-AF65-F5344CB8AC3E}">
-        <p14:creationId xmlns:p14="http://schemas.microsoft.com/office/powerpoint/2010/main" val="2670538834"/>
+        <p14:creationId xmlns:p14="http://schemas.microsoft.com/office/powerpoint/2010/main" val="2297050989"/>
       </p:ext>
     </p:extLst>
   </p:cSld>
@@ -4049,47 +4426,37 @@
           <a:lstStyle/>
           <a:p>
             <a:r>
+              <a:rPr lang="zh-TW" altLang="en-US" dirty="0" smtClean="0"/>
+              <a:t>離開方式</a:t>
+            </a:r>
+            <a:endParaRPr lang="zh-TW" altLang="en-US" dirty="0"/>
+          </a:p>
+        </p:txBody>
+      </p:sp>
+      <p:sp>
+        <p:nvSpPr>
+          <p:cNvPr id="3" name="內容版面配置區 2"/>
+          <p:cNvSpPr>
+            <a:spLocks noGrp="1"/>
+          </p:cNvSpPr>
+          <p:nvPr>
+            <p:ph idx="1"/>
+          </p:nvPr>
+        </p:nvSpPr>
+        <p:spPr/>
+        <p:txBody>
+          <a:bodyPr/>
+          <a:lstStyle/>
+          <a:p>
+            <a:r>
               <a:rPr lang="en-US" altLang="zh-TW" dirty="0" smtClean="0"/>
-              <a:t>1-1</a:t>
-            </a:r>
-            <a:endParaRPr lang="zh-TW" altLang="en-US" dirty="0"/>
-          </a:p>
-        </p:txBody>
-      </p:sp>
-      <p:sp>
-        <p:nvSpPr>
-          <p:cNvPr id="3" name="內容版面配置區 2"/>
-          <p:cNvSpPr>
-            <a:spLocks noGrp="1"/>
-          </p:cNvSpPr>
-          <p:nvPr>
-            <p:ph idx="1"/>
-          </p:nvPr>
-        </p:nvSpPr>
-        <p:spPr/>
-        <p:txBody>
-          <a:bodyPr/>
-          <a:lstStyle/>
-          <a:p>
-            <a:pPr marL="0" indent="0">
-              <a:buNone/>
-            </a:pPr>
-            <a:r>
-              <a:rPr lang="en-US" altLang="zh-TW" dirty="0" smtClean="0"/>
-              <a:t>print(“welcome to Python”)</a:t>
-            </a:r>
-          </a:p>
-          <a:p>
-            <a:pPr marL="0" indent="0">
-              <a:buNone/>
-            </a:pPr>
-            <a:r>
-              <a:rPr lang="en-US" altLang="zh-TW" dirty="0"/>
-              <a:t>p</a:t>
-            </a:r>
-            <a:r>
-              <a:rPr lang="en-US" altLang="zh-TW" dirty="0" smtClean="0"/>
-              <a:t>rint (“Python is Fun”)</a:t>
+              <a:t>exit()</a:t>
+            </a:r>
+          </a:p>
+          <a:p>
+            <a:r>
+              <a:rPr lang="en-US" altLang="zh-TW" dirty="0" err="1" smtClean="0"/>
+              <a:t>Ctrl+Z</a:t>
             </a:r>
             <a:endParaRPr lang="zh-TW" altLang="en-US" dirty="0"/>
           </a:p>
@@ -4098,7 +4465,7 @@
     </p:spTree>
     <p:extLst>
       <p:ext uri="{BB962C8B-B14F-4D97-AF65-F5344CB8AC3E}">
-        <p14:creationId xmlns:p14="http://schemas.microsoft.com/office/powerpoint/2010/main" val="1978236047"/>
+        <p14:creationId xmlns:p14="http://schemas.microsoft.com/office/powerpoint/2010/main" val="775387016"/>
       </p:ext>
     </p:extLst>
   </p:cSld>
@@ -4148,69 +4515,66 @@
           <a:lstStyle/>
           <a:p>
             <a:r>
+              <a:rPr lang="zh-TW" altLang="en-US" dirty="0"/>
+              <a:t>註解</a:t>
+            </a:r>
+          </a:p>
+        </p:txBody>
+      </p:sp>
+      <p:sp>
+        <p:nvSpPr>
+          <p:cNvPr id="3" name="內容版面配置區 2"/>
+          <p:cNvSpPr>
+            <a:spLocks noGrp="1"/>
+          </p:cNvSpPr>
+          <p:nvPr>
+            <p:ph idx="1"/>
+          </p:nvPr>
+        </p:nvSpPr>
+        <p:spPr/>
+        <p:txBody>
+          <a:bodyPr/>
+          <a:lstStyle/>
+          <a:p>
+            <a:r>
+              <a:rPr lang="en-US" altLang="zh-TW" dirty="0" smtClean="0"/>
+              <a:t>#</a:t>
+            </a:r>
+          </a:p>
+          <a:p>
+            <a:r>
+              <a:rPr lang="en-US" altLang="zh-TW" dirty="0" smtClean="0"/>
+              <a:t>‘’’</a:t>
+            </a:r>
+            <a:r>
               <a:rPr lang="zh-TW" altLang="en-US" dirty="0" smtClean="0"/>
-              <a:t>特殊字元</a:t>
-            </a:r>
-            <a:endParaRPr lang="zh-TW" altLang="en-US" dirty="0"/>
-          </a:p>
-        </p:txBody>
-      </p:sp>
-      <p:sp>
-        <p:nvSpPr>
-          <p:cNvPr id="3" name="內容版面配置區 2"/>
-          <p:cNvSpPr>
-            <a:spLocks noGrp="1"/>
-          </p:cNvSpPr>
-          <p:nvPr>
-            <p:ph idx="1"/>
-          </p:nvPr>
-        </p:nvSpPr>
-        <p:spPr/>
-        <p:txBody>
-          <a:bodyPr>
-            <a:normAutofit/>
-          </a:bodyPr>
-          <a:lstStyle/>
-          <a:p>
-            <a:r>
-              <a:rPr lang="zh-TW" altLang="en-US" sz="3200" dirty="0" smtClean="0"/>
-              <a:t>使用於函數</a:t>
-            </a:r>
-            <a:r>
-              <a:rPr lang="en-US" altLang="zh-TW" sz="3200" dirty="0" smtClean="0"/>
-              <a:t>:()</a:t>
-            </a:r>
-          </a:p>
-          <a:p>
-            <a:r>
-              <a:rPr lang="zh-TW" altLang="en-US" sz="3200" dirty="0" smtClean="0"/>
-              <a:t>註解</a:t>
-            </a:r>
-            <a:r>
-              <a:rPr lang="en-US" altLang="zh-TW" sz="3200" dirty="0" smtClean="0"/>
-              <a:t>:#</a:t>
-            </a:r>
-          </a:p>
-          <a:p>
-            <a:r>
-              <a:rPr lang="zh-TW" altLang="en-US" sz="3200" dirty="0" smtClean="0"/>
-              <a:t>字串</a:t>
-            </a:r>
-            <a:r>
-              <a:rPr lang="en-US" altLang="zh-TW" sz="3200" dirty="0" smtClean="0"/>
-              <a:t>:”</a:t>
-            </a:r>
-          </a:p>
-          <a:p>
-            <a:endParaRPr lang="zh-TW" altLang="en-US" sz="3200" dirty="0"/>
+              <a:t> </a:t>
+            </a:r>
+            <a:r>
+              <a:rPr lang="en-US" altLang="zh-TW" smtClean="0"/>
+              <a:t>‘’’</a:t>
+            </a:r>
+            <a:endParaRPr lang="zh-TW" altLang="en-US"/>
           </a:p>
         </p:txBody>
       </p:sp>
     </p:spTree>
+    <p:extLst>
+      <p:ext uri="{BB962C8B-B14F-4D97-AF65-F5344CB8AC3E}">
+        <p14:creationId xmlns:p14="http://schemas.microsoft.com/office/powerpoint/2010/main" val="2670538834"/>
+      </p:ext>
+    </p:extLst>
   </p:cSld>
   <p:clrMapOvr>
     <a:masterClrMapping/>
   </p:clrMapOvr>
+  <p:timing>
+    <p:tnLst>
+      <p:par>
+        <p:cTn id="1" dur="indefinite" restart="never" nodeType="tmRoot"/>
+      </p:par>
+    </p:tnLst>
+  </p:timing>
 </p:sld>
 </file>
 
@@ -4469,7 +4833,7 @@
   <a:extraClrSchemeLst/>
   <a:extLst>
     <a:ext uri="{05A4C25C-085E-4340-85A3-A5531E510DB2}">
-      <thm15:themeFamily xmlns="" xmlns:thm15="http://schemas.microsoft.com/office/thememl/2012/main" name="Office Theme" id="{62F939B6-93AF-4DB8-9C6B-D6C7DFDC589F}" vid="{4A3C46E8-61CC-4603-A589-7422A47A8E4A}"/>
+      <thm15:themeFamily xmlns:thm15="http://schemas.microsoft.com/office/thememl/2012/main" name="Office Theme" id="{62F939B6-93AF-4DB8-9C6B-D6C7DFDC589F}" vid="{4A3C46E8-61CC-4603-A589-7422A47A8E4A}"/>
     </a:ext>
   </a:extLst>
 </a:theme>

--- a/Python程式設計入門指南.pptx
+++ b/Python程式設計入門指南.pptx
@@ -6,19 +6,27 @@
   </p:sldMasterIdLst>
   <p:sldIdLst>
     <p:sldId id="256" r:id="rId2"/>
-    <p:sldId id="267" r:id="rId3"/>
-    <p:sldId id="257" r:id="rId4"/>
-    <p:sldId id="268" r:id="rId5"/>
-    <p:sldId id="269" r:id="rId6"/>
-    <p:sldId id="258" r:id="rId7"/>
-    <p:sldId id="259" r:id="rId8"/>
-    <p:sldId id="260" r:id="rId9"/>
-    <p:sldId id="262" r:id="rId10"/>
-    <p:sldId id="261" r:id="rId11"/>
-    <p:sldId id="263" r:id="rId12"/>
-    <p:sldId id="264" r:id="rId13"/>
-    <p:sldId id="265" r:id="rId14"/>
-    <p:sldId id="266" r:id="rId15"/>
+    <p:sldId id="271" r:id="rId3"/>
+    <p:sldId id="270" r:id="rId4"/>
+    <p:sldId id="267" r:id="rId5"/>
+    <p:sldId id="272" r:id="rId6"/>
+    <p:sldId id="273" r:id="rId7"/>
+    <p:sldId id="274" r:id="rId8"/>
+    <p:sldId id="276" r:id="rId9"/>
+    <p:sldId id="275" r:id="rId10"/>
+    <p:sldId id="277" r:id="rId11"/>
+    <p:sldId id="278" r:id="rId12"/>
+    <p:sldId id="279" r:id="rId13"/>
+    <p:sldId id="280" r:id="rId14"/>
+    <p:sldId id="281" r:id="rId15"/>
+    <p:sldId id="282" r:id="rId16"/>
+    <p:sldId id="284" r:id="rId17"/>
+    <p:sldId id="283" r:id="rId18"/>
+    <p:sldId id="285" r:id="rId19"/>
+    <p:sldId id="287" r:id="rId20"/>
+    <p:sldId id="288" r:id="rId21"/>
+    <p:sldId id="290" r:id="rId22"/>
+    <p:sldId id="289" r:id="rId23"/>
   </p:sldIdLst>
   <p:sldSz cx="12192000" cy="6858000"/>
   <p:notesSz cx="6858000" cy="9144000"/>
@@ -119,7 +127,7 @@
   </p:defaultTextStyle>
   <p:extLst>
     <p:ext uri="{EFAFB233-063F-42B5-8137-9DF3F51BA10A}">
-      <p15:sldGuideLst xmlns:p15="http://schemas.microsoft.com/office/powerpoint/2012/main">
+      <p15:sldGuideLst xmlns:p15="http://schemas.microsoft.com/office/powerpoint/2012/main" xmlns="">
         <p15:guide id="1" orient="horz" pos="2160">
           <p15:clr>
             <a:srgbClr val="A4A3A4"/>
@@ -268,7 +276,7 @@
             <a:fld id="{58FBD8AF-7915-4330-983F-555B7E278536}" type="datetimeFigureOut">
               <a:rPr lang="zh-TW" altLang="en-US" smtClean="0"/>
               <a:pPr/>
-              <a:t>2019/1/10</a:t>
+              <a:t>2019/1/23</a:t>
             </a:fld>
             <a:endParaRPr lang="zh-TW" altLang="en-US"/>
           </a:p>
@@ -440,7 +448,7 @@
             <a:fld id="{58FBD8AF-7915-4330-983F-555B7E278536}" type="datetimeFigureOut">
               <a:rPr lang="zh-TW" altLang="en-US" smtClean="0"/>
               <a:pPr/>
-              <a:t>2019/1/10</a:t>
+              <a:t>2019/1/23</a:t>
             </a:fld>
             <a:endParaRPr lang="zh-TW" altLang="en-US"/>
           </a:p>
@@ -622,7 +630,7 @@
             <a:fld id="{58FBD8AF-7915-4330-983F-555B7E278536}" type="datetimeFigureOut">
               <a:rPr lang="zh-TW" altLang="en-US" smtClean="0"/>
               <a:pPr/>
-              <a:t>2019/1/10</a:t>
+              <a:t>2019/1/23</a:t>
             </a:fld>
             <a:endParaRPr lang="zh-TW" altLang="en-US"/>
           </a:p>
@@ -794,7 +802,7 @@
             <a:fld id="{58FBD8AF-7915-4330-983F-555B7E278536}" type="datetimeFigureOut">
               <a:rPr lang="zh-TW" altLang="en-US" smtClean="0"/>
               <a:pPr/>
-              <a:t>2019/1/10</a:t>
+              <a:t>2019/1/23</a:t>
             </a:fld>
             <a:endParaRPr lang="zh-TW" altLang="en-US"/>
           </a:p>
@@ -1042,7 +1050,7 @@
             <a:fld id="{58FBD8AF-7915-4330-983F-555B7E278536}" type="datetimeFigureOut">
               <a:rPr lang="zh-TW" altLang="en-US" smtClean="0"/>
               <a:pPr/>
-              <a:t>2019/1/10</a:t>
+              <a:t>2019/1/23</a:t>
             </a:fld>
             <a:endParaRPr lang="zh-TW" altLang="en-US"/>
           </a:p>
@@ -1276,7 +1284,7 @@
             <a:fld id="{58FBD8AF-7915-4330-983F-555B7E278536}" type="datetimeFigureOut">
               <a:rPr lang="zh-TW" altLang="en-US" smtClean="0"/>
               <a:pPr/>
-              <a:t>2019/1/10</a:t>
+              <a:t>2019/1/23</a:t>
             </a:fld>
             <a:endParaRPr lang="zh-TW" altLang="en-US"/>
           </a:p>
@@ -1645,7 +1653,7 @@
             <a:fld id="{58FBD8AF-7915-4330-983F-555B7E278536}" type="datetimeFigureOut">
               <a:rPr lang="zh-TW" altLang="en-US" smtClean="0"/>
               <a:pPr/>
-              <a:t>2019/1/10</a:t>
+              <a:t>2019/1/23</a:t>
             </a:fld>
             <a:endParaRPr lang="zh-TW" altLang="en-US"/>
           </a:p>
@@ -1765,7 +1773,7 @@
             <a:fld id="{58FBD8AF-7915-4330-983F-555B7E278536}" type="datetimeFigureOut">
               <a:rPr lang="zh-TW" altLang="en-US" smtClean="0"/>
               <a:pPr/>
-              <a:t>2019/1/10</a:t>
+              <a:t>2019/1/23</a:t>
             </a:fld>
             <a:endParaRPr lang="zh-TW" altLang="en-US"/>
           </a:p>
@@ -1862,7 +1870,7 @@
             <a:fld id="{58FBD8AF-7915-4330-983F-555B7E278536}" type="datetimeFigureOut">
               <a:rPr lang="zh-TW" altLang="en-US" smtClean="0"/>
               <a:pPr/>
-              <a:t>2019/1/10</a:t>
+              <a:t>2019/1/23</a:t>
             </a:fld>
             <a:endParaRPr lang="zh-TW" altLang="en-US"/>
           </a:p>
@@ -2141,7 +2149,7 @@
             <a:fld id="{58FBD8AF-7915-4330-983F-555B7E278536}" type="datetimeFigureOut">
               <a:rPr lang="zh-TW" altLang="en-US" smtClean="0"/>
               <a:pPr/>
-              <a:t>2019/1/10</a:t>
+              <a:t>2019/1/23</a:t>
             </a:fld>
             <a:endParaRPr lang="zh-TW" altLang="en-US"/>
           </a:p>
@@ -2396,7 +2404,7 @@
             <a:fld id="{58FBD8AF-7915-4330-983F-555B7E278536}" type="datetimeFigureOut">
               <a:rPr lang="zh-TW" altLang="en-US" smtClean="0"/>
               <a:pPr/>
-              <a:t>2019/1/10</a:t>
+              <a:t>2019/1/23</a:t>
             </a:fld>
             <a:endParaRPr lang="zh-TW" altLang="en-US"/>
           </a:p>
@@ -2611,7 +2619,7 @@
             <a:fld id="{58FBD8AF-7915-4330-983F-555B7E278536}" type="datetimeFigureOut">
               <a:rPr lang="zh-TW" altLang="en-US" smtClean="0"/>
               <a:pPr/>
-              <a:t>2019/1/10</a:t>
+              <a:t>2019/1/23</a:t>
             </a:fld>
             <a:endParaRPr lang="zh-TW" altLang="en-US"/>
           </a:p>
@@ -3128,10 +3136,51 @@
           <a:lstStyle/>
           <a:p>
             <a:r>
-              <a:rPr lang="en-US" altLang="zh-TW" dirty="0" smtClean="0"/>
-              <a:t>1-1</a:t>
-            </a:r>
-            <a:endParaRPr lang="zh-TW" altLang="en-US" dirty="0"/>
+              <a:rPr lang="en-US" altLang="zh-TW" dirty="0" err="1" smtClean="0">
+                <a:latin typeface="Noto Sans CJK TC Regular" pitchFamily="34" charset="-120"/>
+                <a:ea typeface="Noto Sans CJK TC Regular" pitchFamily="34" charset="-120"/>
+              </a:rPr>
+              <a:t>Distutils</a:t>
+            </a:r>
+            <a:r>
+              <a:rPr lang="zh-TW" altLang="en-US" dirty="0" smtClean="0">
+                <a:latin typeface="Noto Sans CJK TC Regular" pitchFamily="34" charset="-120"/>
+                <a:ea typeface="Noto Sans CJK TC Regular" pitchFamily="34" charset="-120"/>
+              </a:rPr>
+              <a:t>、</a:t>
+            </a:r>
+            <a:r>
+              <a:rPr lang="en-US" altLang="zh-TW" dirty="0" err="1" smtClean="0">
+                <a:latin typeface="Noto Sans CJK TC Regular" pitchFamily="34" charset="-120"/>
+                <a:ea typeface="Noto Sans CJK TC Regular" pitchFamily="34" charset="-120"/>
+              </a:rPr>
+              <a:t>Setuptools</a:t>
+            </a:r>
+            <a:r>
+              <a:rPr lang="zh-TW" altLang="en-US" dirty="0" smtClean="0">
+                <a:latin typeface="Noto Sans CJK TC Regular" pitchFamily="34" charset="-120"/>
+                <a:ea typeface="Noto Sans CJK TC Regular" pitchFamily="34" charset="-120"/>
+              </a:rPr>
+              <a:t>、</a:t>
+            </a:r>
+            <a:r>
+              <a:rPr lang="en-US" altLang="zh-TW" dirty="0" smtClean="0">
+                <a:latin typeface="Noto Sans CJK TC Regular" pitchFamily="34" charset="-120"/>
+                <a:ea typeface="Noto Sans CJK TC Regular" pitchFamily="34" charset="-120"/>
+              </a:rPr>
+              <a:t>Pip</a:t>
+            </a:r>
+            <a:r>
+              <a:rPr lang="zh-TW" altLang="en-US" dirty="0" smtClean="0">
+                <a:latin typeface="Noto Sans CJK TC Regular" pitchFamily="34" charset="-120"/>
+                <a:ea typeface="Noto Sans CJK TC Regular" pitchFamily="34" charset="-120"/>
+              </a:rPr>
+              <a:t>之關係</a:t>
+            </a:r>
+            <a:endParaRPr lang="zh-TW" altLang="en-US" dirty="0">
+              <a:latin typeface="Noto Sans CJK TC Regular" pitchFamily="34" charset="-120"/>
+              <a:ea typeface="Noto Sans CJK TC Regular" pitchFamily="34" charset="-120"/>
+            </a:endParaRPr>
           </a:p>
         </p:txBody>
       </p:sp>
@@ -3145,39 +3194,178 @@
             <p:ph idx="1"/>
           </p:nvPr>
         </p:nvSpPr>
-        <p:spPr/>
-        <p:txBody>
-          <a:bodyPr/>
+        <p:spPr>
+          <a:xfrm>
+            <a:off x="838200" y="1825624"/>
+            <a:ext cx="10515600" cy="5032375"/>
+          </a:xfrm>
+        </p:spPr>
+        <p:txBody>
+          <a:bodyPr>
+            <a:normAutofit/>
+          </a:bodyPr>
           <a:lstStyle/>
           <a:p>
-            <a:pPr marL="0" indent="0">
-              <a:buNone/>
+            <a:r>
+              <a:rPr lang="en-US" altLang="zh-TW" sz="3600" dirty="0" err="1" smtClean="0">
+                <a:latin typeface="Noto Sans CJK TC Regular" pitchFamily="34" charset="-120"/>
+                <a:ea typeface="Noto Sans CJK TC Regular" pitchFamily="34" charset="-120"/>
+              </a:rPr>
+              <a:t>Distutils</a:t>
+            </a:r>
+            <a:endParaRPr lang="en-US" altLang="zh-TW" sz="3600" dirty="0" smtClean="0">
+              <a:latin typeface="Noto Sans CJK TC Regular" pitchFamily="34" charset="-120"/>
+              <a:ea typeface="Noto Sans CJK TC Regular" pitchFamily="34" charset="-120"/>
+            </a:endParaRPr>
+          </a:p>
+          <a:p>
+            <a:pPr lvl="1">
+              <a:buFont typeface="Noto Sans CJK TC Regular" pitchFamily="34" charset="-120"/>
+              <a:buChar char="­"/>
             </a:pPr>
             <a:r>
-              <a:rPr lang="en-US" altLang="zh-TW" dirty="0" smtClean="0"/>
-              <a:t>print(“welcome to Python”)</a:t>
-            </a:r>
-          </a:p>
-          <a:p>
-            <a:pPr marL="0" indent="0">
-              <a:buNone/>
+              <a:rPr lang="en-US" altLang="zh-TW" sz="3200" dirty="0" smtClean="0">
+                <a:latin typeface="Noto Sans CJK TC Regular" pitchFamily="34" charset="-120"/>
+                <a:ea typeface="Noto Sans CJK TC Regular" pitchFamily="34" charset="-120"/>
+              </a:rPr>
+              <a:t>Python</a:t>
+            </a:r>
+            <a:r>
+              <a:rPr lang="zh-TW" altLang="en-US" sz="3200" dirty="0" smtClean="0">
+                <a:latin typeface="Noto Sans CJK TC Regular" pitchFamily="34" charset="-120"/>
+                <a:ea typeface="Noto Sans CJK TC Regular" pitchFamily="34" charset="-120"/>
+              </a:rPr>
+              <a:t>的內建標準程式庫</a:t>
+            </a:r>
+            <a:endParaRPr lang="en-US" altLang="zh-TW" sz="3200" dirty="0" smtClean="0">
+              <a:latin typeface="Noto Sans CJK TC Regular" pitchFamily="34" charset="-120"/>
+              <a:ea typeface="Noto Sans CJK TC Regular" pitchFamily="34" charset="-120"/>
+            </a:endParaRPr>
+          </a:p>
+          <a:p>
+            <a:pPr lvl="1">
+              <a:buFont typeface="Noto Sans CJK TC Regular" pitchFamily="34" charset="-120"/>
+              <a:buChar char="­"/>
             </a:pPr>
             <a:r>
-              <a:rPr lang="en-US" altLang="zh-TW" dirty="0"/>
-              <a:t>p</a:t>
-            </a:r>
-            <a:r>
-              <a:rPr lang="en-US" altLang="zh-TW" dirty="0" smtClean="0"/>
-              <a:t>rint (“Python is Fun”)</a:t>
-            </a:r>
-            <a:endParaRPr lang="zh-TW" altLang="en-US" dirty="0"/>
+              <a:rPr lang="zh-TW" altLang="en-US" sz="3200" dirty="0" smtClean="0">
+                <a:latin typeface="Noto Sans CJK TC Regular" pitchFamily="34" charset="-120"/>
+                <a:ea typeface="Noto Sans CJK TC Regular" pitchFamily="34" charset="-120"/>
+              </a:rPr>
+              <a:t>適用於簡單安裝</a:t>
+            </a:r>
+            <a:endParaRPr lang="en-US" altLang="zh-TW" sz="3200" dirty="0" smtClean="0">
+              <a:latin typeface="Noto Sans CJK TC Regular" pitchFamily="34" charset="-120"/>
+              <a:ea typeface="Noto Sans CJK TC Regular" pitchFamily="34" charset="-120"/>
+            </a:endParaRPr>
+          </a:p>
+          <a:p>
+            <a:pPr lvl="1">
+              <a:buFont typeface="Noto Sans CJK TC Regular" pitchFamily="34" charset="-120"/>
+              <a:buChar char="­"/>
+            </a:pPr>
+            <a:r>
+              <a:rPr lang="zh-TW" altLang="en-US" sz="3200" dirty="0" smtClean="0">
+                <a:latin typeface="Noto Sans CJK TC Regular" pitchFamily="34" charset="-120"/>
+                <a:ea typeface="Noto Sans CJK TC Regular" pitchFamily="34" charset="-120"/>
+              </a:rPr>
+              <a:t>用法</a:t>
+            </a:r>
+            <a:r>
+              <a:rPr lang="en-US" altLang="zh-TW" sz="3200" dirty="0" smtClean="0">
+                <a:latin typeface="Noto Sans CJK TC Regular" pitchFamily="34" charset="-120"/>
+                <a:ea typeface="Noto Sans CJK TC Regular" pitchFamily="34" charset="-120"/>
+              </a:rPr>
+              <a:t>:python setup.py install</a:t>
+            </a:r>
+            <a:endParaRPr lang="en-US" altLang="zh-TW" sz="3200" dirty="0">
+              <a:latin typeface="Noto Sans CJK TC Regular" pitchFamily="34" charset="-120"/>
+              <a:ea typeface="Noto Sans CJK TC Regular" pitchFamily="34" charset="-120"/>
+            </a:endParaRPr>
+          </a:p>
+          <a:p>
+            <a:pPr marL="228600" lvl="1">
+              <a:spcBef>
+                <a:spcPts val="1000"/>
+              </a:spcBef>
+            </a:pPr>
+            <a:r>
+              <a:rPr lang="en-US" altLang="zh-TW" sz="3600" dirty="0" err="1" smtClean="0">
+                <a:latin typeface="Noto Sans CJK TC Regular" pitchFamily="34" charset="-120"/>
+                <a:ea typeface="Noto Sans CJK TC Regular" pitchFamily="34" charset="-120"/>
+              </a:rPr>
+              <a:t>Setuptools</a:t>
+            </a:r>
+            <a:endParaRPr lang="en-US" altLang="zh-TW" sz="3600" dirty="0" smtClean="0">
+              <a:latin typeface="Noto Sans CJK TC Regular" pitchFamily="34" charset="-120"/>
+              <a:ea typeface="Noto Sans CJK TC Regular" pitchFamily="34" charset="-120"/>
+            </a:endParaRPr>
+          </a:p>
+          <a:p>
+            <a:pPr lvl="1">
+              <a:buFont typeface="Noto Sans CJK TC Regular" pitchFamily="34" charset="-120"/>
+              <a:buChar char="­"/>
+            </a:pPr>
+            <a:r>
+              <a:rPr lang="zh-TW" altLang="en-US" sz="3200" dirty="0" smtClean="0">
+                <a:latin typeface="Noto Sans CJK TC Regular" pitchFamily="34" charset="-120"/>
+                <a:ea typeface="Noto Sans CJK TC Regular" pitchFamily="34" charset="-120"/>
+              </a:rPr>
+              <a:t>下載、安裝、升級、移除套件的標準</a:t>
+            </a:r>
+            <a:endParaRPr lang="en-US" altLang="zh-TW" sz="3200" dirty="0" smtClean="0">
+              <a:latin typeface="Noto Sans CJK TC Regular" pitchFamily="34" charset="-120"/>
+              <a:ea typeface="Noto Sans CJK TC Regular" pitchFamily="34" charset="-120"/>
+            </a:endParaRPr>
+          </a:p>
+          <a:p>
+            <a:pPr marL="228600" lvl="1">
+              <a:spcBef>
+                <a:spcPts val="1000"/>
+              </a:spcBef>
+            </a:pPr>
+            <a:r>
+              <a:rPr lang="zh-TW" altLang="en-US" sz="3600" dirty="0">
+                <a:latin typeface="Noto Sans CJK TC Regular" pitchFamily="34" charset="-120"/>
+                <a:ea typeface="Noto Sans CJK TC Regular" pitchFamily="34" charset="-120"/>
+              </a:rPr>
+              <a:t>不論</a:t>
+            </a:r>
+            <a:r>
+              <a:rPr lang="zh-TW" altLang="en-US" sz="3600" dirty="0" smtClean="0">
+                <a:latin typeface="Noto Sans CJK TC Regular" pitchFamily="34" charset="-120"/>
+                <a:ea typeface="Noto Sans CJK TC Regular" pitchFamily="34" charset="-120"/>
+              </a:rPr>
+              <a:t>是上述兩個都有</a:t>
+            </a:r>
+            <a:r>
+              <a:rPr lang="en-US" altLang="zh-TW" sz="3600" dirty="0" err="1" smtClean="0">
+                <a:latin typeface="Noto Sans CJK TC Regular" pitchFamily="34" charset="-120"/>
+                <a:ea typeface="Noto Sans CJK TC Regular" pitchFamily="34" charset="-120"/>
+              </a:rPr>
+              <a:t>easy_install</a:t>
+            </a:r>
+            <a:endParaRPr lang="en-US" altLang="zh-TW" sz="3200" dirty="0">
+              <a:latin typeface="Noto Sans CJK TC Regular" pitchFamily="34" charset="-120"/>
+              <a:ea typeface="Noto Sans CJK TC Regular" pitchFamily="34" charset="-120"/>
+            </a:endParaRPr>
+          </a:p>
+          <a:p>
+            <a:pPr lvl="1">
+              <a:buFont typeface="Noto Sans CJK TC Regular" pitchFamily="34" charset="-120"/>
+              <a:buChar char="­"/>
+            </a:pPr>
+            <a:endParaRPr lang="en-US" altLang="zh-TW" sz="3200" dirty="0">
+              <a:latin typeface="Noto Sans CJK TC Regular" pitchFamily="34" charset="-120"/>
+              <a:ea typeface="Noto Sans CJK TC Regular" pitchFamily="34" charset="-120"/>
+            </a:endParaRPr>
           </a:p>
         </p:txBody>
       </p:sp>
     </p:spTree>
     <p:extLst>
       <p:ext uri="{BB962C8B-B14F-4D97-AF65-F5344CB8AC3E}">
-        <p14:creationId xmlns:p14="http://schemas.microsoft.com/office/powerpoint/2010/main" val="1978236047"/>
+        <p14:creationId xmlns:p14="http://schemas.microsoft.com/office/powerpoint/2010/main" val="3314419145"/>
       </p:ext>
     </p:extLst>
   </p:cSld>
@@ -3227,10 +3415,51 @@
           <a:lstStyle/>
           <a:p>
             <a:r>
-              <a:rPr lang="zh-TW" altLang="en-US" dirty="0" smtClean="0"/>
-              <a:t>特殊字元</a:t>
-            </a:r>
-            <a:endParaRPr lang="zh-TW" altLang="en-US" dirty="0"/>
+              <a:rPr lang="en-US" altLang="zh-TW" dirty="0" err="1" smtClean="0">
+                <a:latin typeface="Noto Sans CJK TC Regular" pitchFamily="34" charset="-120"/>
+                <a:ea typeface="Noto Sans CJK TC Regular" pitchFamily="34" charset="-120"/>
+              </a:rPr>
+              <a:t>Distutils</a:t>
+            </a:r>
+            <a:r>
+              <a:rPr lang="zh-TW" altLang="en-US" dirty="0" smtClean="0">
+                <a:latin typeface="Noto Sans CJK TC Regular" pitchFamily="34" charset="-120"/>
+                <a:ea typeface="Noto Sans CJK TC Regular" pitchFamily="34" charset="-120"/>
+              </a:rPr>
+              <a:t>、</a:t>
+            </a:r>
+            <a:r>
+              <a:rPr lang="en-US" altLang="zh-TW" dirty="0" err="1" smtClean="0">
+                <a:latin typeface="Noto Sans CJK TC Regular" pitchFamily="34" charset="-120"/>
+                <a:ea typeface="Noto Sans CJK TC Regular" pitchFamily="34" charset="-120"/>
+              </a:rPr>
+              <a:t>Setuptools</a:t>
+            </a:r>
+            <a:r>
+              <a:rPr lang="zh-TW" altLang="en-US" dirty="0" smtClean="0">
+                <a:latin typeface="Noto Sans CJK TC Regular" pitchFamily="34" charset="-120"/>
+                <a:ea typeface="Noto Sans CJK TC Regular" pitchFamily="34" charset="-120"/>
+              </a:rPr>
+              <a:t>、</a:t>
+            </a:r>
+            <a:r>
+              <a:rPr lang="en-US" altLang="zh-TW" dirty="0" smtClean="0">
+                <a:latin typeface="Noto Sans CJK TC Regular" pitchFamily="34" charset="-120"/>
+                <a:ea typeface="Noto Sans CJK TC Regular" pitchFamily="34" charset="-120"/>
+              </a:rPr>
+              <a:t>Pip</a:t>
+            </a:r>
+            <a:r>
+              <a:rPr lang="zh-TW" altLang="en-US" dirty="0" smtClean="0">
+                <a:latin typeface="Noto Sans CJK TC Regular" pitchFamily="34" charset="-120"/>
+                <a:ea typeface="Noto Sans CJK TC Regular" pitchFamily="34" charset="-120"/>
+              </a:rPr>
+              <a:t>之關係</a:t>
+            </a:r>
+            <a:endParaRPr lang="zh-TW" altLang="en-US" dirty="0">
+              <a:latin typeface="Noto Sans CJK TC Regular" pitchFamily="34" charset="-120"/>
+              <a:ea typeface="Noto Sans CJK TC Regular" pitchFamily="34" charset="-120"/>
+            </a:endParaRPr>
           </a:p>
         </p:txBody>
       </p:sp>
@@ -3244,7 +3473,12 @@
             <p:ph idx="1"/>
           </p:nvPr>
         </p:nvSpPr>
-        <p:spPr/>
+        <p:spPr>
+          <a:xfrm>
+            <a:off x="838200" y="1825624"/>
+            <a:ext cx="10515600" cy="5032375"/>
+          </a:xfrm>
+        </p:spPr>
         <p:txBody>
           <a:bodyPr>
             <a:normAutofit/>
@@ -3252,44 +3486,148 @@
           <a:lstStyle/>
           <a:p>
             <a:r>
-              <a:rPr lang="zh-TW" altLang="en-US" sz="3200" dirty="0" smtClean="0"/>
-              <a:t>使用於函數</a:t>
-            </a:r>
-            <a:r>
-              <a:rPr lang="en-US" altLang="zh-TW" sz="3200" dirty="0" smtClean="0"/>
-              <a:t>:()</a:t>
-            </a:r>
-          </a:p>
-          <a:p>
-            <a:r>
-              <a:rPr lang="zh-TW" altLang="en-US" sz="3200" dirty="0" smtClean="0"/>
-              <a:t>註解</a:t>
-            </a:r>
-            <a:r>
-              <a:rPr lang="en-US" altLang="zh-TW" sz="3200" dirty="0" smtClean="0"/>
-              <a:t>:#</a:t>
-            </a:r>
-          </a:p>
-          <a:p>
-            <a:r>
-              <a:rPr lang="zh-TW" altLang="en-US" sz="3200" dirty="0" smtClean="0"/>
-              <a:t>字串</a:t>
-            </a:r>
-            <a:r>
-              <a:rPr lang="en-US" altLang="zh-TW" sz="3200" dirty="0" smtClean="0"/>
-              <a:t>:”</a:t>
-            </a:r>
-          </a:p>
-          <a:p>
-            <a:endParaRPr lang="zh-TW" altLang="en-US" sz="3200" dirty="0"/>
+              <a:rPr lang="en-US" altLang="zh-TW" sz="3600" dirty="0" smtClean="0">
+                <a:latin typeface="Noto Sans CJK TC Regular" pitchFamily="34" charset="-120"/>
+                <a:ea typeface="Noto Sans CJK TC Regular" pitchFamily="34" charset="-120"/>
+              </a:rPr>
+              <a:t>Pip</a:t>
+            </a:r>
+          </a:p>
+          <a:p>
+            <a:pPr lvl="1">
+              <a:buFont typeface="Noto Sans CJK TC Regular" pitchFamily="34" charset="-120"/>
+              <a:buChar char="­"/>
+            </a:pPr>
+            <a:r>
+              <a:rPr lang="en-US" altLang="zh-TW" sz="3200" dirty="0" err="1" smtClean="0">
+                <a:latin typeface="Noto Sans CJK TC Regular" pitchFamily="34" charset="-120"/>
+                <a:ea typeface="Noto Sans CJK TC Regular" pitchFamily="34" charset="-120"/>
+              </a:rPr>
+              <a:t>easy_install</a:t>
+            </a:r>
+            <a:r>
+              <a:rPr lang="zh-TW" altLang="en-US" sz="3200" dirty="0" smtClean="0">
+                <a:latin typeface="Noto Sans CJK TC Regular" pitchFamily="34" charset="-120"/>
+                <a:ea typeface="Noto Sans CJK TC Regular" pitchFamily="34" charset="-120"/>
+              </a:rPr>
+              <a:t>的代替品</a:t>
+            </a:r>
+            <a:endParaRPr lang="en-US" altLang="zh-TW" sz="3200" dirty="0" smtClean="0">
+              <a:latin typeface="Noto Sans CJK TC Regular" pitchFamily="34" charset="-120"/>
+              <a:ea typeface="Noto Sans CJK TC Regular" pitchFamily="34" charset="-120"/>
+            </a:endParaRPr>
+          </a:p>
+          <a:p>
+            <a:pPr lvl="1">
+              <a:buFont typeface="Noto Sans CJK TC Regular" pitchFamily="34" charset="-120"/>
+              <a:buChar char="­"/>
+            </a:pPr>
+            <a:r>
+              <a:rPr lang="zh-TW" altLang="en-US" sz="3200" dirty="0">
+                <a:latin typeface="Noto Sans CJK TC Regular" pitchFamily="34" charset="-120"/>
+                <a:ea typeface="Noto Sans CJK TC Regular" pitchFamily="34" charset="-120"/>
+              </a:rPr>
+              <a:t>進行套件的反安裝</a:t>
+            </a:r>
+            <a:endParaRPr lang="en-US" altLang="zh-TW" sz="3200" dirty="0" smtClean="0">
+              <a:latin typeface="Noto Sans CJK TC Regular" pitchFamily="34" charset="-120"/>
+              <a:ea typeface="Noto Sans CJK TC Regular" pitchFamily="34" charset="-120"/>
+            </a:endParaRPr>
+          </a:p>
+          <a:p>
+            <a:pPr lvl="1">
+              <a:buFont typeface="Noto Sans CJK TC Regular" pitchFamily="34" charset="-120"/>
+              <a:buChar char="­"/>
+            </a:pPr>
+            <a:r>
+              <a:rPr lang="zh-TW" altLang="en-US" sz="3200" dirty="0" smtClean="0">
+                <a:latin typeface="Noto Sans CJK TC Regular" pitchFamily="34" charset="-120"/>
+                <a:ea typeface="Noto Sans CJK TC Regular" pitchFamily="34" charset="-120"/>
+              </a:rPr>
+              <a:t>維護活躍</a:t>
+            </a:r>
+            <a:endParaRPr lang="en-US" altLang="zh-TW" sz="3200" dirty="0" smtClean="0">
+              <a:latin typeface="Noto Sans CJK TC Regular" pitchFamily="34" charset="-120"/>
+              <a:ea typeface="Noto Sans CJK TC Regular" pitchFamily="34" charset="-120"/>
+            </a:endParaRPr>
+          </a:p>
+          <a:p>
+            <a:pPr lvl="1">
+              <a:buFont typeface="Noto Sans CJK TC Regular" pitchFamily="34" charset="-120"/>
+              <a:buChar char="­"/>
+            </a:pPr>
+            <a:r>
+              <a:rPr lang="zh-TW" altLang="en-US" sz="3200" dirty="0" smtClean="0">
+                <a:latin typeface="Noto Sans CJK TC Regular" pitchFamily="34" charset="-120"/>
+                <a:ea typeface="Noto Sans CJK TC Regular" pitchFamily="34" charset="-120"/>
+              </a:rPr>
+              <a:t>安裝用法</a:t>
+            </a:r>
+            <a:r>
+              <a:rPr lang="en-US" altLang="zh-TW" sz="3200" dirty="0" smtClean="0">
+                <a:latin typeface="Noto Sans CJK TC Regular" pitchFamily="34" charset="-120"/>
+                <a:ea typeface="Noto Sans CJK TC Regular" pitchFamily="34" charset="-120"/>
+              </a:rPr>
+              <a:t>:pip install [pack name]</a:t>
+            </a:r>
+          </a:p>
+          <a:p>
+            <a:pPr lvl="1">
+              <a:buFont typeface="Noto Sans CJK TC Regular" pitchFamily="34" charset="-120"/>
+              <a:buChar char="­"/>
+            </a:pPr>
+            <a:r>
+              <a:rPr lang="zh-TW" altLang="en-US" sz="3200" dirty="0" smtClean="0">
+                <a:latin typeface="Noto Sans CJK TC Regular" pitchFamily="34" charset="-120"/>
+                <a:ea typeface="Noto Sans CJK TC Regular" pitchFamily="34" charset="-120"/>
+              </a:rPr>
+              <a:t>移除用法</a:t>
+            </a:r>
+            <a:r>
+              <a:rPr lang="en-US" altLang="zh-TW" sz="3200" dirty="0" smtClean="0">
+                <a:latin typeface="Noto Sans CJK TC Regular" pitchFamily="34" charset="-120"/>
+                <a:ea typeface="Noto Sans CJK TC Regular" pitchFamily="34" charset="-120"/>
+              </a:rPr>
+              <a:t>:pip uninstall </a:t>
+            </a:r>
+            <a:r>
+              <a:rPr lang="en-US" altLang="zh-TW" sz="3200" dirty="0">
+                <a:latin typeface="Noto Sans CJK TC Regular" pitchFamily="34" charset="-120"/>
+                <a:ea typeface="Noto Sans CJK TC Regular" pitchFamily="34" charset="-120"/>
+              </a:rPr>
+              <a:t>[pack </a:t>
+            </a:r>
+            <a:r>
+              <a:rPr lang="en-US" altLang="zh-TW" sz="3200" dirty="0" smtClean="0">
+                <a:latin typeface="Noto Sans CJK TC Regular" pitchFamily="34" charset="-120"/>
+                <a:ea typeface="Noto Sans CJK TC Regular" pitchFamily="34" charset="-120"/>
+              </a:rPr>
+              <a:t>name]</a:t>
+            </a:r>
+            <a:endParaRPr lang="en-US" altLang="zh-TW" sz="3200" dirty="0">
+              <a:latin typeface="Noto Sans CJK TC Regular" pitchFamily="34" charset="-120"/>
+              <a:ea typeface="Noto Sans CJK TC Regular" pitchFamily="34" charset="-120"/>
+            </a:endParaRPr>
           </a:p>
         </p:txBody>
       </p:sp>
     </p:spTree>
+    <p:extLst>
+      <p:ext uri="{BB962C8B-B14F-4D97-AF65-F5344CB8AC3E}">
+        <p14:creationId xmlns:p14="http://schemas.microsoft.com/office/powerpoint/2010/main" val="764156911"/>
+      </p:ext>
+    </p:extLst>
   </p:cSld>
   <p:clrMapOvr>
     <a:masterClrMapping/>
   </p:clrMapOvr>
+  <p:timing>
+    <p:tnLst>
+      <p:par>
+        <p:cTn id="1" dur="indefinite" restart="never" nodeType="tmRoot"/>
+      </p:par>
+    </p:tnLst>
+  </p:timing>
 </p:sld>
 </file>
 
@@ -3326,10 +3664,23 @@
           <a:lstStyle/>
           <a:p>
             <a:r>
-              <a:rPr lang="en-US" altLang="zh-TW" dirty="0" smtClean="0"/>
-              <a:t>1-2</a:t>
-            </a:r>
-            <a:endParaRPr lang="zh-TW" altLang="en-US" dirty="0"/>
+              <a:rPr lang="zh-TW" altLang="en-US" dirty="0" smtClean="0">
+                <a:latin typeface="Noto Sans CJK TC Regular" pitchFamily="34" charset="-120"/>
+                <a:ea typeface="Noto Sans CJK TC Regular" pitchFamily="34" charset="-120"/>
+              </a:rPr>
+              <a:t>使用</a:t>
+            </a:r>
+            <a:r>
+              <a:rPr lang="en-US" altLang="zh-TW" dirty="0" err="1" smtClean="0">
+                <a:latin typeface="Noto Sans CJK TC Regular" pitchFamily="34" charset="-120"/>
+                <a:ea typeface="Noto Sans CJK TC Regular" pitchFamily="34" charset="-120"/>
+              </a:rPr>
+              <a:t>Virtualenv</a:t>
+            </a:r>
+            <a:endParaRPr lang="zh-TW" altLang="en-US" dirty="0">
+              <a:latin typeface="Noto Sans CJK TC Regular" pitchFamily="34" charset="-120"/>
+              <a:ea typeface="Noto Sans CJK TC Regular" pitchFamily="34" charset="-120"/>
+            </a:endParaRPr>
           </a:p>
         </p:txBody>
       </p:sp>
@@ -3343,36 +3694,227 @@
             <p:ph idx="1"/>
           </p:nvPr>
         </p:nvSpPr>
-        <p:spPr/>
-        <p:txBody>
-          <a:bodyPr/>
+        <p:spPr>
+          <a:xfrm>
+            <a:off x="838200" y="1825624"/>
+            <a:ext cx="10515600" cy="5032375"/>
+          </a:xfrm>
+        </p:spPr>
+        <p:txBody>
+          <a:bodyPr>
+            <a:normAutofit/>
+          </a:bodyPr>
           <a:lstStyle/>
           <a:p>
-            <a:pPr>
+            <a:r>
+              <a:rPr lang="zh-TW" altLang="en-US" sz="3600" dirty="0" smtClean="0">
+                <a:latin typeface="Noto Sans CJK TC Regular" pitchFamily="34" charset="-120"/>
+                <a:ea typeface="Noto Sans CJK TC Regular" pitchFamily="34" charset="-120"/>
+              </a:rPr>
+              <a:t>安裝</a:t>
+            </a:r>
+            <a:r>
+              <a:rPr lang="en-US" altLang="zh-TW" sz="3600" dirty="0" err="1" smtClean="0">
+                <a:latin typeface="Noto Sans CJK TC Regular" pitchFamily="34" charset="-120"/>
+                <a:ea typeface="Noto Sans CJK TC Regular" pitchFamily="34" charset="-120"/>
+              </a:rPr>
+              <a:t>Virtualenv</a:t>
+            </a:r>
+            <a:endParaRPr lang="en-US" altLang="zh-TW" sz="3600" dirty="0" smtClean="0">
+              <a:latin typeface="Noto Sans CJK TC Regular" pitchFamily="34" charset="-120"/>
+              <a:ea typeface="Noto Sans CJK TC Regular" pitchFamily="34" charset="-120"/>
+            </a:endParaRPr>
+          </a:p>
+          <a:p>
+            <a:pPr marL="0" indent="0">
               <a:buNone/>
             </a:pPr>
             <a:r>
-              <a:rPr lang="en-US" altLang="zh-TW" dirty="0" smtClean="0"/>
-              <a:t>print(“w”)</a:t>
-            </a:r>
-          </a:p>
-          <a:p>
-            <a:pPr>
+              <a:rPr lang="en-US" altLang="zh-TW" sz="3600" dirty="0" smtClean="0">
+                <a:latin typeface="Noto Sans CJK TC Regular" pitchFamily="34" charset="-120"/>
+                <a:ea typeface="Noto Sans CJK TC Regular" pitchFamily="34" charset="-120"/>
+              </a:rPr>
+              <a:t>p</a:t>
+            </a:r>
+            <a:r>
+              <a:rPr lang="en-US" altLang="zh-TW" sz="3600" dirty="0" smtClean="0">
+                <a:latin typeface="Noto Sans CJK TC Regular" pitchFamily="34" charset="-120"/>
+                <a:ea typeface="Noto Sans CJK TC Regular" pitchFamily="34" charset="-120"/>
+              </a:rPr>
+              <a:t>ip</a:t>
+            </a:r>
+            <a:r>
+              <a:rPr lang="zh-TW" altLang="en-US" sz="3600" dirty="0" smtClean="0">
+                <a:latin typeface="Noto Sans CJK TC Regular" pitchFamily="34" charset="-120"/>
+                <a:ea typeface="Noto Sans CJK TC Regular" pitchFamily="34" charset="-120"/>
+              </a:rPr>
+              <a:t> </a:t>
+            </a:r>
+            <a:r>
+              <a:rPr lang="en-US" altLang="zh-TW" sz="3600" dirty="0" smtClean="0">
+                <a:latin typeface="Noto Sans CJK TC Regular" pitchFamily="34" charset="-120"/>
+                <a:ea typeface="Noto Sans CJK TC Regular" pitchFamily="34" charset="-120"/>
+              </a:rPr>
+              <a:t>install </a:t>
+            </a:r>
+            <a:r>
+              <a:rPr lang="en-US" altLang="zh-TW" sz="3600" dirty="0" err="1" smtClean="0">
+                <a:latin typeface="Noto Sans CJK TC Regular" pitchFamily="34" charset="-120"/>
+                <a:ea typeface="Noto Sans CJK TC Regular" pitchFamily="34" charset="-120"/>
+              </a:rPr>
+              <a:t>virtualenv</a:t>
+            </a:r>
+            <a:endParaRPr lang="en-US" altLang="zh-TW" sz="3600" dirty="0" smtClean="0">
+              <a:latin typeface="Noto Sans CJK TC Regular" pitchFamily="34" charset="-120"/>
+              <a:ea typeface="Noto Sans CJK TC Regular" pitchFamily="34" charset="-120"/>
+            </a:endParaRPr>
+          </a:p>
+          <a:p>
+            <a:pPr lvl="0"/>
+            <a:r>
+              <a:rPr lang="zh-TW" altLang="en-US" sz="3600" dirty="0">
+                <a:solidFill>
+                  <a:prstClr val="black"/>
+                </a:solidFill>
+                <a:latin typeface="Noto Sans CJK TC Regular" pitchFamily="34" charset="-120"/>
+                <a:ea typeface="Noto Sans CJK TC Regular" pitchFamily="34" charset="-120"/>
+              </a:rPr>
+              <a:t>建立虛擬</a:t>
+            </a:r>
+            <a:r>
+              <a:rPr lang="zh-TW" altLang="en-US" sz="3600" dirty="0" smtClean="0">
+                <a:solidFill>
+                  <a:prstClr val="black"/>
+                </a:solidFill>
+                <a:latin typeface="Noto Sans CJK TC Regular" pitchFamily="34" charset="-120"/>
+                <a:ea typeface="Noto Sans CJK TC Regular" pitchFamily="34" charset="-120"/>
+              </a:rPr>
+              <a:t>環境</a:t>
+            </a:r>
+            <a:endParaRPr lang="en-US" altLang="zh-TW" sz="3600" dirty="0" smtClean="0">
+              <a:solidFill>
+                <a:prstClr val="black"/>
+              </a:solidFill>
+              <a:latin typeface="Noto Sans CJK TC Regular" pitchFamily="34" charset="-120"/>
+              <a:ea typeface="Noto Sans CJK TC Regular" pitchFamily="34" charset="-120"/>
+            </a:endParaRPr>
+          </a:p>
+          <a:p>
+            <a:pPr marL="0" lvl="0" indent="0">
               <a:buNone/>
             </a:pPr>
             <a:r>
-              <a:rPr lang="en-US" altLang="zh-TW" dirty="0" smtClean="0"/>
-              <a:t>print(“</a:t>
-            </a:r>
-            <a:endParaRPr lang="zh-TW" altLang="en-US" dirty="0"/>
+              <a:rPr lang="en-US" altLang="zh-TW" sz="3600" dirty="0" err="1">
+                <a:solidFill>
+                  <a:prstClr val="black"/>
+                </a:solidFill>
+                <a:latin typeface="Noto Sans CJK TC Regular" pitchFamily="34" charset="-120"/>
+                <a:ea typeface="Noto Sans CJK TC Regular" pitchFamily="34" charset="-120"/>
+              </a:rPr>
+              <a:t>virtualenv</a:t>
+            </a:r>
+            <a:r>
+              <a:rPr lang="en-US" altLang="zh-TW" sz="3600" dirty="0">
+                <a:solidFill>
+                  <a:prstClr val="black"/>
+                </a:solidFill>
+                <a:latin typeface="Noto Sans CJK TC Regular" pitchFamily="34" charset="-120"/>
+                <a:ea typeface="Noto Sans CJK TC Regular" pitchFamily="34" charset="-120"/>
+              </a:rPr>
+              <a:t> --distribute </a:t>
+            </a:r>
+            <a:r>
+              <a:rPr lang="en-US" altLang="zh-TW" sz="3600" dirty="0" smtClean="0">
+                <a:solidFill>
+                  <a:prstClr val="black"/>
+                </a:solidFill>
+                <a:latin typeface="Noto Sans CJK TC Regular" pitchFamily="34" charset="-120"/>
+                <a:ea typeface="Noto Sans CJK TC Regular" pitchFamily="34" charset="-120"/>
+              </a:rPr>
+              <a:t>python-tutorial</a:t>
+            </a:r>
+          </a:p>
+          <a:p>
+            <a:pPr lvl="0"/>
+            <a:r>
+              <a:rPr lang="zh-TW" altLang="en-US" sz="3600" dirty="0" smtClean="0">
+                <a:solidFill>
+                  <a:prstClr val="black"/>
+                </a:solidFill>
+                <a:latin typeface="Noto Sans CJK TC Regular" pitchFamily="34" charset="-120"/>
+                <a:ea typeface="Noto Sans CJK TC Regular" pitchFamily="34" charset="-120"/>
+              </a:rPr>
+              <a:t>進入</a:t>
+            </a:r>
+            <a:r>
+              <a:rPr lang="en-US" altLang="zh-TW" sz="3600" dirty="0" err="1" smtClean="0">
+                <a:solidFill>
+                  <a:prstClr val="black"/>
+                </a:solidFill>
+                <a:latin typeface="Noto Sans CJK TC Regular" pitchFamily="34" charset="-120"/>
+                <a:ea typeface="Noto Sans CJK TC Regular" pitchFamily="34" charset="-120"/>
+              </a:rPr>
+              <a:t>venv</a:t>
+            </a:r>
+            <a:r>
+              <a:rPr lang="zh-TW" altLang="en-US" sz="3600" dirty="0" smtClean="0">
+                <a:solidFill>
+                  <a:prstClr val="black"/>
+                </a:solidFill>
+                <a:latin typeface="Noto Sans CJK TC Regular" pitchFamily="34" charset="-120"/>
+                <a:ea typeface="Noto Sans CJK TC Regular" pitchFamily="34" charset="-120"/>
+              </a:rPr>
+              <a:t>目錄</a:t>
+            </a:r>
+            <a:endParaRPr lang="en-US" altLang="zh-TW" sz="3600" dirty="0">
+              <a:solidFill>
+                <a:prstClr val="black"/>
+              </a:solidFill>
+              <a:latin typeface="Noto Sans CJK TC Regular" pitchFamily="34" charset="-120"/>
+              <a:ea typeface="Noto Sans CJK TC Regular" pitchFamily="34" charset="-120"/>
+            </a:endParaRPr>
+          </a:p>
+          <a:p>
+            <a:pPr marL="0" lvl="0" indent="0">
+              <a:buNone/>
+            </a:pPr>
+            <a:r>
+              <a:rPr lang="en-US" altLang="zh-TW" sz="3600" dirty="0" smtClean="0">
+                <a:solidFill>
+                  <a:prstClr val="black"/>
+                </a:solidFill>
+                <a:latin typeface="Noto Sans CJK TC Regular" pitchFamily="34" charset="-120"/>
+                <a:ea typeface="Noto Sans CJK TC Regular" pitchFamily="34" charset="-120"/>
+              </a:rPr>
+              <a:t>cd python-tutorial</a:t>
+            </a:r>
+            <a:endParaRPr lang="en-US" altLang="zh-TW" sz="3600" dirty="0">
+              <a:solidFill>
+                <a:prstClr val="black"/>
+              </a:solidFill>
+              <a:latin typeface="Noto Sans CJK TC Regular" pitchFamily="34" charset="-120"/>
+              <a:ea typeface="Noto Sans CJK TC Regular" pitchFamily="34" charset="-120"/>
+            </a:endParaRPr>
           </a:p>
         </p:txBody>
       </p:sp>
     </p:spTree>
+    <p:extLst>
+      <p:ext uri="{BB962C8B-B14F-4D97-AF65-F5344CB8AC3E}">
+        <p14:creationId xmlns:p14="http://schemas.microsoft.com/office/powerpoint/2010/main" val="2709487396"/>
+      </p:ext>
+    </p:extLst>
   </p:cSld>
   <p:clrMapOvr>
     <a:masterClrMapping/>
   </p:clrMapOvr>
+  <p:timing>
+    <p:tnLst>
+      <p:par>
+        <p:cTn id="1" dur="indefinite" restart="never" nodeType="tmRoot"/>
+      </p:par>
+    </p:tnLst>
+  </p:timing>
 </p:sld>
 </file>
 
@@ -3409,10 +3951,23 @@
           <a:lstStyle/>
           <a:p>
             <a:r>
-              <a:rPr lang="zh-TW" altLang="en-US" dirty="0" smtClean="0"/>
-              <a:t>數學計算</a:t>
-            </a:r>
-            <a:endParaRPr lang="zh-TW" altLang="en-US" dirty="0"/>
+              <a:rPr lang="zh-TW" altLang="en-US" dirty="0" smtClean="0">
+                <a:latin typeface="Noto Sans CJK TC Regular" pitchFamily="34" charset="-120"/>
+                <a:ea typeface="Noto Sans CJK TC Regular" pitchFamily="34" charset="-120"/>
+              </a:rPr>
+              <a:t>使用</a:t>
+            </a:r>
+            <a:r>
+              <a:rPr lang="en-US" altLang="zh-TW" dirty="0" err="1" smtClean="0">
+                <a:latin typeface="Noto Sans CJK TC Regular" pitchFamily="34" charset="-120"/>
+                <a:ea typeface="Noto Sans CJK TC Regular" pitchFamily="34" charset="-120"/>
+              </a:rPr>
+              <a:t>Virtualenv</a:t>
+            </a:r>
+            <a:endParaRPr lang="zh-TW" altLang="en-US" dirty="0">
+              <a:latin typeface="Noto Sans CJK TC Regular" pitchFamily="34" charset="-120"/>
+              <a:ea typeface="Noto Sans CJK TC Regular" pitchFamily="34" charset="-120"/>
+            </a:endParaRPr>
           </a:p>
         </p:txBody>
       </p:sp>
@@ -3426,7 +3981,12 @@
             <p:ph idx="1"/>
           </p:nvPr>
         </p:nvSpPr>
-        <p:spPr/>
+        <p:spPr>
+          <a:xfrm>
+            <a:off x="838200" y="1825624"/>
+            <a:ext cx="10515600" cy="5032375"/>
+          </a:xfrm>
+        </p:spPr>
         <p:txBody>
           <a:bodyPr>
             <a:normAutofit/>
@@ -3434,40 +3994,819 @@
           <a:lstStyle/>
           <a:p>
             <a:r>
-              <a:rPr lang="en-US" altLang="zh-TW" sz="3200" dirty="0" smtClean="0"/>
-              <a:t>+</a:t>
-            </a:r>
-          </a:p>
-          <a:p>
-            <a:r>
-              <a:rPr lang="en-US" altLang="zh-TW" sz="3200" dirty="0" smtClean="0"/>
-              <a:t>-</a:t>
-            </a:r>
-          </a:p>
-          <a:p>
-            <a:r>
-              <a:rPr lang="en-US" altLang="zh-TW" sz="3200" dirty="0" smtClean="0"/>
-              <a:t>*</a:t>
-            </a:r>
-          </a:p>
-          <a:p>
-            <a:r>
-              <a:rPr lang="en-US" altLang="zh-TW" sz="3200" dirty="0" smtClean="0"/>
-              <a:t>/</a:t>
-            </a:r>
-            <a:endParaRPr lang="zh-TW" altLang="en-US" sz="3200" dirty="0"/>
+              <a:rPr lang="zh-TW" altLang="en-US" sz="3600" dirty="0" smtClean="0">
+                <a:latin typeface="Noto Sans CJK TC Regular" pitchFamily="34" charset="-120"/>
+                <a:ea typeface="Noto Sans CJK TC Regular" pitchFamily="34" charset="-120"/>
+              </a:rPr>
+              <a:t>安裝</a:t>
+            </a:r>
+            <a:r>
+              <a:rPr lang="en-US" altLang="zh-TW" sz="3600" dirty="0" err="1" smtClean="0">
+                <a:latin typeface="Noto Sans CJK TC Regular" pitchFamily="34" charset="-120"/>
+                <a:ea typeface="Noto Sans CJK TC Regular" pitchFamily="34" charset="-120"/>
+              </a:rPr>
+              <a:t>Virtualenv</a:t>
+            </a:r>
+            <a:endParaRPr lang="en-US" altLang="zh-TW" sz="3600" dirty="0" smtClean="0">
+              <a:latin typeface="Noto Sans CJK TC Regular" pitchFamily="34" charset="-120"/>
+              <a:ea typeface="Noto Sans CJK TC Regular" pitchFamily="34" charset="-120"/>
+            </a:endParaRPr>
+          </a:p>
+          <a:p>
+            <a:pPr marL="0" indent="0">
+              <a:buNone/>
+            </a:pPr>
+            <a:r>
+              <a:rPr lang="en-US" altLang="zh-TW" sz="3600" dirty="0" smtClean="0">
+                <a:latin typeface="Noto Sans CJK TC Regular" pitchFamily="34" charset="-120"/>
+                <a:ea typeface="Noto Sans CJK TC Regular" pitchFamily="34" charset="-120"/>
+              </a:rPr>
+              <a:t>p</a:t>
+            </a:r>
+            <a:r>
+              <a:rPr lang="en-US" altLang="zh-TW" sz="3600" dirty="0" smtClean="0">
+                <a:latin typeface="Noto Sans CJK TC Regular" pitchFamily="34" charset="-120"/>
+                <a:ea typeface="Noto Sans CJK TC Regular" pitchFamily="34" charset="-120"/>
+              </a:rPr>
+              <a:t>ip</a:t>
+            </a:r>
+            <a:r>
+              <a:rPr lang="zh-TW" altLang="en-US" sz="3600" dirty="0" smtClean="0">
+                <a:latin typeface="Noto Sans CJK TC Regular" pitchFamily="34" charset="-120"/>
+                <a:ea typeface="Noto Sans CJK TC Regular" pitchFamily="34" charset="-120"/>
+              </a:rPr>
+              <a:t> </a:t>
+            </a:r>
+            <a:r>
+              <a:rPr lang="en-US" altLang="zh-TW" sz="3600" dirty="0" smtClean="0">
+                <a:latin typeface="Noto Sans CJK TC Regular" pitchFamily="34" charset="-120"/>
+                <a:ea typeface="Noto Sans CJK TC Regular" pitchFamily="34" charset="-120"/>
+              </a:rPr>
+              <a:t>install </a:t>
+            </a:r>
+            <a:r>
+              <a:rPr lang="en-US" altLang="zh-TW" sz="3600" dirty="0" err="1" smtClean="0">
+                <a:latin typeface="Noto Sans CJK TC Regular" pitchFamily="34" charset="-120"/>
+                <a:ea typeface="Noto Sans CJK TC Regular" pitchFamily="34" charset="-120"/>
+              </a:rPr>
+              <a:t>virtualenv</a:t>
+            </a:r>
+            <a:endParaRPr lang="en-US" altLang="zh-TW" sz="3600" dirty="0" smtClean="0">
+              <a:latin typeface="Noto Sans CJK TC Regular" pitchFamily="34" charset="-120"/>
+              <a:ea typeface="Noto Sans CJK TC Regular" pitchFamily="34" charset="-120"/>
+            </a:endParaRPr>
+          </a:p>
+          <a:p>
+            <a:pPr lvl="0"/>
+            <a:r>
+              <a:rPr lang="zh-TW" altLang="en-US" sz="3600" dirty="0">
+                <a:solidFill>
+                  <a:prstClr val="black"/>
+                </a:solidFill>
+                <a:latin typeface="Noto Sans CJK TC Regular" pitchFamily="34" charset="-120"/>
+                <a:ea typeface="Noto Sans CJK TC Regular" pitchFamily="34" charset="-120"/>
+              </a:rPr>
+              <a:t>建立虛擬</a:t>
+            </a:r>
+            <a:r>
+              <a:rPr lang="zh-TW" altLang="en-US" sz="3600" dirty="0" smtClean="0">
+                <a:solidFill>
+                  <a:prstClr val="black"/>
+                </a:solidFill>
+                <a:latin typeface="Noto Sans CJK TC Regular" pitchFamily="34" charset="-120"/>
+                <a:ea typeface="Noto Sans CJK TC Regular" pitchFamily="34" charset="-120"/>
+              </a:rPr>
+              <a:t>環境</a:t>
+            </a:r>
+            <a:endParaRPr lang="en-US" altLang="zh-TW" sz="3600" dirty="0" smtClean="0">
+              <a:solidFill>
+                <a:prstClr val="black"/>
+              </a:solidFill>
+              <a:latin typeface="Noto Sans CJK TC Regular" pitchFamily="34" charset="-120"/>
+              <a:ea typeface="Noto Sans CJK TC Regular" pitchFamily="34" charset="-120"/>
+            </a:endParaRPr>
+          </a:p>
+          <a:p>
+            <a:pPr marL="0" lvl="0" indent="0">
+              <a:buNone/>
+            </a:pPr>
+            <a:r>
+              <a:rPr lang="en-US" altLang="zh-TW" sz="3600" dirty="0" err="1">
+                <a:solidFill>
+                  <a:prstClr val="black"/>
+                </a:solidFill>
+                <a:latin typeface="Noto Sans CJK TC Regular" pitchFamily="34" charset="-120"/>
+                <a:ea typeface="Noto Sans CJK TC Regular" pitchFamily="34" charset="-120"/>
+              </a:rPr>
+              <a:t>virtualenv</a:t>
+            </a:r>
+            <a:r>
+              <a:rPr lang="en-US" altLang="zh-TW" sz="3600" dirty="0">
+                <a:solidFill>
+                  <a:prstClr val="black"/>
+                </a:solidFill>
+                <a:latin typeface="Noto Sans CJK TC Regular" pitchFamily="34" charset="-120"/>
+                <a:ea typeface="Noto Sans CJK TC Regular" pitchFamily="34" charset="-120"/>
+              </a:rPr>
+              <a:t> --distribute </a:t>
+            </a:r>
+            <a:r>
+              <a:rPr lang="en-US" altLang="zh-TW" sz="3600" dirty="0" smtClean="0">
+                <a:solidFill>
+                  <a:prstClr val="black"/>
+                </a:solidFill>
+                <a:latin typeface="Noto Sans CJK TC Regular" pitchFamily="34" charset="-120"/>
+                <a:ea typeface="Noto Sans CJK TC Regular" pitchFamily="34" charset="-120"/>
+              </a:rPr>
+              <a:t>python-tutorial</a:t>
+            </a:r>
+          </a:p>
+          <a:p>
+            <a:pPr lvl="0"/>
+            <a:r>
+              <a:rPr lang="zh-TW" altLang="en-US" sz="3600" dirty="0" smtClean="0">
+                <a:solidFill>
+                  <a:prstClr val="black"/>
+                </a:solidFill>
+                <a:latin typeface="Noto Sans CJK TC Regular" pitchFamily="34" charset="-120"/>
+                <a:ea typeface="Noto Sans CJK TC Regular" pitchFamily="34" charset="-120"/>
+              </a:rPr>
+              <a:t>進入</a:t>
+            </a:r>
+            <a:r>
+              <a:rPr lang="en-US" altLang="zh-TW" sz="3600" dirty="0" err="1" smtClean="0">
+                <a:solidFill>
+                  <a:prstClr val="black"/>
+                </a:solidFill>
+                <a:latin typeface="Noto Sans CJK TC Regular" pitchFamily="34" charset="-120"/>
+                <a:ea typeface="Noto Sans CJK TC Regular" pitchFamily="34" charset="-120"/>
+              </a:rPr>
+              <a:t>venv</a:t>
+            </a:r>
+            <a:r>
+              <a:rPr lang="zh-TW" altLang="en-US" sz="3600" dirty="0" smtClean="0">
+                <a:solidFill>
+                  <a:prstClr val="black"/>
+                </a:solidFill>
+                <a:latin typeface="Noto Sans CJK TC Regular" pitchFamily="34" charset="-120"/>
+                <a:ea typeface="Noto Sans CJK TC Regular" pitchFamily="34" charset="-120"/>
+              </a:rPr>
+              <a:t>目錄</a:t>
+            </a:r>
+            <a:endParaRPr lang="en-US" altLang="zh-TW" sz="3600" dirty="0">
+              <a:solidFill>
+                <a:prstClr val="black"/>
+              </a:solidFill>
+              <a:latin typeface="Noto Sans CJK TC Regular" pitchFamily="34" charset="-120"/>
+              <a:ea typeface="Noto Sans CJK TC Regular" pitchFamily="34" charset="-120"/>
+            </a:endParaRPr>
+          </a:p>
+          <a:p>
+            <a:pPr marL="0" lvl="0" indent="0">
+              <a:buNone/>
+            </a:pPr>
+            <a:r>
+              <a:rPr lang="en-US" altLang="zh-TW" sz="3600" dirty="0" smtClean="0">
+                <a:solidFill>
+                  <a:prstClr val="black"/>
+                </a:solidFill>
+                <a:latin typeface="Noto Sans CJK TC Regular" pitchFamily="34" charset="-120"/>
+                <a:ea typeface="Noto Sans CJK TC Regular" pitchFamily="34" charset="-120"/>
+              </a:rPr>
+              <a:t>cd python-tutorial</a:t>
+            </a:r>
+            <a:endParaRPr lang="en-US" altLang="zh-TW" sz="3600" dirty="0">
+              <a:solidFill>
+                <a:prstClr val="black"/>
+              </a:solidFill>
+              <a:latin typeface="Noto Sans CJK TC Regular" pitchFamily="34" charset="-120"/>
+              <a:ea typeface="Noto Sans CJK TC Regular" pitchFamily="34" charset="-120"/>
+            </a:endParaRPr>
           </a:p>
         </p:txBody>
       </p:sp>
     </p:spTree>
+    <p:extLst>
+      <p:ext uri="{BB962C8B-B14F-4D97-AF65-F5344CB8AC3E}">
+        <p14:creationId xmlns:p14="http://schemas.microsoft.com/office/powerpoint/2010/main" val="714525014"/>
+      </p:ext>
+    </p:extLst>
   </p:cSld>
   <p:clrMapOvr>
     <a:masterClrMapping/>
   </p:clrMapOvr>
+  <p:timing>
+    <p:tnLst>
+      <p:par>
+        <p:cTn id="1" dur="indefinite" restart="never" nodeType="tmRoot"/>
+      </p:par>
+    </p:tnLst>
+  </p:timing>
 </p:sld>
 </file>
 
 <file path=ppt/slides/slide14.xml><?xml version="1.0" encoding="utf-8"?>
+<p:sld xmlns:a="http://schemas.openxmlformats.org/drawingml/2006/main" xmlns:r="http://schemas.openxmlformats.org/officeDocument/2006/relationships" xmlns:p="http://schemas.openxmlformats.org/presentationml/2006/main">
+  <p:cSld>
+    <p:bg>
+      <p:bgPr>
+        <a:noFill/>
+        <a:effectLst/>
+      </p:bgPr>
+    </p:bg>
+    <p:spTree>
+      <p:nvGrpSpPr>
+        <p:cNvPr id="1" name=""/>
+        <p:cNvGrpSpPr/>
+        <p:nvPr/>
+      </p:nvGrpSpPr>
+      <p:grpSpPr>
+        <a:xfrm>
+          <a:off x="0" y="0"/>
+          <a:ext cx="0" cy="0"/>
+          <a:chOff x="0" y="0"/>
+          <a:chExt cx="0" cy="0"/>
+        </a:xfrm>
+      </p:grpSpPr>
+      <p:sp>
+        <p:nvSpPr>
+          <p:cNvPr id="2" name="標題 1"/>
+          <p:cNvSpPr>
+            <a:spLocks noGrp="1"/>
+          </p:cNvSpPr>
+          <p:nvPr>
+            <p:ph type="title"/>
+          </p:nvPr>
+        </p:nvSpPr>
+        <p:spPr/>
+        <p:txBody>
+          <a:bodyPr/>
+          <a:lstStyle/>
+          <a:p>
+            <a:r>
+              <a:rPr lang="zh-TW" altLang="en-US" dirty="0" smtClean="0">
+                <a:latin typeface="Noto Sans CJK TC Regular" pitchFamily="34" charset="-120"/>
+                <a:ea typeface="Noto Sans CJK TC Regular" pitchFamily="34" charset="-120"/>
+              </a:rPr>
+              <a:t>哈囉</a:t>
+            </a:r>
+            <a:r>
+              <a:rPr lang="en-US" altLang="zh-TW" dirty="0" smtClean="0">
+                <a:latin typeface="Noto Sans CJK TC Regular" pitchFamily="34" charset="-120"/>
+                <a:ea typeface="Noto Sans CJK TC Regular" pitchFamily="34" charset="-120"/>
+              </a:rPr>
+              <a:t>!</a:t>
+            </a:r>
+            <a:r>
+              <a:rPr lang="zh-TW" altLang="en-US" dirty="0" smtClean="0">
+                <a:latin typeface="Noto Sans CJK TC Regular" pitchFamily="34" charset="-120"/>
+                <a:ea typeface="Noto Sans CJK TC Regular" pitchFamily="34" charset="-120"/>
+              </a:rPr>
+              <a:t>世界</a:t>
+            </a:r>
+            <a:r>
+              <a:rPr lang="en-US" altLang="zh-TW" dirty="0" smtClean="0">
+                <a:latin typeface="Noto Sans CJK TC Regular" pitchFamily="34" charset="-120"/>
+                <a:ea typeface="Noto Sans CJK TC Regular" pitchFamily="34" charset="-120"/>
+              </a:rPr>
+              <a:t>!</a:t>
+            </a:r>
+            <a:endParaRPr lang="zh-TW" altLang="en-US" dirty="0">
+              <a:latin typeface="Noto Sans CJK TC Regular" pitchFamily="34" charset="-120"/>
+              <a:ea typeface="Noto Sans CJK TC Regular" pitchFamily="34" charset="-120"/>
+            </a:endParaRPr>
+          </a:p>
+        </p:txBody>
+      </p:sp>
+      <p:sp>
+        <p:nvSpPr>
+          <p:cNvPr id="5" name="Rectangle 2"/>
+          <p:cNvSpPr>
+            <a:spLocks noChangeArrowheads="1"/>
+          </p:cNvSpPr>
+          <p:nvPr/>
+        </p:nvSpPr>
+        <p:spPr bwMode="auto">
+          <a:xfrm>
+            <a:off x="990599" y="2371820"/>
+            <a:ext cx="3885679" cy="1107996"/>
+          </a:xfrm>
+          <a:prstGeom prst="rect">
+            <a:avLst/>
+          </a:prstGeom>
+          <a:noFill/>
+          <a:ln>
+            <a:noFill/>
+          </a:ln>
+          <a:effectLst/>
+          <a:extLst>
+            <a:ext uri="{909E8E84-426E-40DD-AFC4-6F175D3DCCD1}">
+              <a14:hiddenFill xmlns:a14="http://schemas.microsoft.com/office/drawing/2010/main">
+                <a:solidFill>
+                  <a:schemeClr val="accent1"/>
+                </a:solidFill>
+              </a14:hiddenFill>
+            </a:ext>
+            <a:ext uri="{91240B29-F687-4F45-9708-019B960494DF}">
+              <a14:hiddenLine xmlns:a14="http://schemas.microsoft.com/office/drawing/2010/main" w="9525">
+                <a:solidFill>
+                  <a:schemeClr val="tx1"/>
+                </a:solidFill>
+                <a:miter lim="800000"/>
+                <a:headEnd/>
+                <a:tailEnd/>
+              </a14:hiddenLine>
+            </a:ext>
+            <a:ext uri="{AF507438-7753-43E0-B8FC-AC1667EBCBE1}">
+              <a14:hiddenEffects xmlns:a14="http://schemas.microsoft.com/office/drawing/2010/main">
+                <a:effectLst>
+                  <a:outerShdw dist="35921" dir="2700000" algn="ctr" rotWithShape="0">
+                    <a:schemeClr val="bg2"/>
+                  </a:outerShdw>
+                </a:effectLst>
+              </a14:hiddenEffects>
+            </a:ext>
+          </a:extLst>
+        </p:spPr>
+        <p:txBody>
+          <a:bodyPr vert="horz" wrap="none" lIns="0" tIns="0" rIns="0" bIns="0" numCol="1" anchor="ctr" anchorCtr="0" compatLnSpc="1">
+            <a:prstTxWarp prst="textNoShape">
+              <a:avLst/>
+            </a:prstTxWarp>
+            <a:spAutoFit/>
+          </a:bodyPr>
+          <a:lstStyle>
+            <a:lvl1pPr fontAlgn="base">
+              <a:spcBef>
+                <a:spcPct val="0"/>
+              </a:spcBef>
+              <a:spcAft>
+                <a:spcPct val="0"/>
+              </a:spcAft>
+              <a:defRPr kumimoji="1">
+                <a:solidFill>
+                  <a:schemeClr val="tx1"/>
+                </a:solidFill>
+                <a:latin typeface="Arial" pitchFamily="34" charset="0"/>
+                <a:ea typeface="新細明體" pitchFamily="18" charset="-120"/>
+                <a:cs typeface="新細明體" pitchFamily="18" charset="-120"/>
+              </a:defRPr>
+            </a:lvl1pPr>
+            <a:lvl2pPr fontAlgn="base">
+              <a:spcBef>
+                <a:spcPct val="0"/>
+              </a:spcBef>
+              <a:spcAft>
+                <a:spcPct val="0"/>
+              </a:spcAft>
+              <a:defRPr kumimoji="1">
+                <a:solidFill>
+                  <a:schemeClr val="tx1"/>
+                </a:solidFill>
+                <a:latin typeface="Arial" pitchFamily="34" charset="0"/>
+                <a:ea typeface="新細明體" pitchFamily="18" charset="-120"/>
+                <a:cs typeface="新細明體" pitchFamily="18" charset="-120"/>
+              </a:defRPr>
+            </a:lvl2pPr>
+            <a:lvl3pPr fontAlgn="base">
+              <a:spcBef>
+                <a:spcPct val="0"/>
+              </a:spcBef>
+              <a:spcAft>
+                <a:spcPct val="0"/>
+              </a:spcAft>
+              <a:defRPr kumimoji="1">
+                <a:solidFill>
+                  <a:schemeClr val="tx1"/>
+                </a:solidFill>
+                <a:latin typeface="Arial" pitchFamily="34" charset="0"/>
+                <a:ea typeface="新細明體" pitchFamily="18" charset="-120"/>
+                <a:cs typeface="新細明體" pitchFamily="18" charset="-120"/>
+              </a:defRPr>
+            </a:lvl3pPr>
+            <a:lvl4pPr fontAlgn="base">
+              <a:spcBef>
+                <a:spcPct val="0"/>
+              </a:spcBef>
+              <a:spcAft>
+                <a:spcPct val="0"/>
+              </a:spcAft>
+              <a:defRPr kumimoji="1">
+                <a:solidFill>
+                  <a:schemeClr val="tx1"/>
+                </a:solidFill>
+                <a:latin typeface="Arial" pitchFamily="34" charset="0"/>
+                <a:ea typeface="新細明體" pitchFamily="18" charset="-120"/>
+                <a:cs typeface="新細明體" pitchFamily="18" charset="-120"/>
+              </a:defRPr>
+            </a:lvl4pPr>
+            <a:lvl5pPr fontAlgn="base">
+              <a:spcBef>
+                <a:spcPct val="0"/>
+              </a:spcBef>
+              <a:spcAft>
+                <a:spcPct val="0"/>
+              </a:spcAft>
+              <a:defRPr kumimoji="1">
+                <a:solidFill>
+                  <a:schemeClr val="tx1"/>
+                </a:solidFill>
+                <a:latin typeface="Arial" pitchFamily="34" charset="0"/>
+                <a:ea typeface="新細明體" pitchFamily="18" charset="-120"/>
+                <a:cs typeface="新細明體" pitchFamily="18" charset="-120"/>
+              </a:defRPr>
+            </a:lvl5pPr>
+            <a:lvl6pPr fontAlgn="base">
+              <a:spcBef>
+                <a:spcPct val="0"/>
+              </a:spcBef>
+              <a:spcAft>
+                <a:spcPct val="0"/>
+              </a:spcAft>
+              <a:defRPr kumimoji="1">
+                <a:solidFill>
+                  <a:schemeClr val="tx1"/>
+                </a:solidFill>
+                <a:latin typeface="Arial" pitchFamily="34" charset="0"/>
+                <a:ea typeface="新細明體" pitchFamily="18" charset="-120"/>
+                <a:cs typeface="新細明體" pitchFamily="18" charset="-120"/>
+              </a:defRPr>
+            </a:lvl6pPr>
+            <a:lvl7pPr fontAlgn="base">
+              <a:spcBef>
+                <a:spcPct val="0"/>
+              </a:spcBef>
+              <a:spcAft>
+                <a:spcPct val="0"/>
+              </a:spcAft>
+              <a:defRPr kumimoji="1">
+                <a:solidFill>
+                  <a:schemeClr val="tx1"/>
+                </a:solidFill>
+                <a:latin typeface="Arial" pitchFamily="34" charset="0"/>
+                <a:ea typeface="新細明體" pitchFamily="18" charset="-120"/>
+                <a:cs typeface="新細明體" pitchFamily="18" charset="-120"/>
+              </a:defRPr>
+            </a:lvl7pPr>
+            <a:lvl8pPr fontAlgn="base">
+              <a:spcBef>
+                <a:spcPct val="0"/>
+              </a:spcBef>
+              <a:spcAft>
+                <a:spcPct val="0"/>
+              </a:spcAft>
+              <a:defRPr kumimoji="1">
+                <a:solidFill>
+                  <a:schemeClr val="tx1"/>
+                </a:solidFill>
+                <a:latin typeface="Arial" pitchFamily="34" charset="0"/>
+                <a:ea typeface="新細明體" pitchFamily="18" charset="-120"/>
+                <a:cs typeface="新細明體" pitchFamily="18" charset="-120"/>
+              </a:defRPr>
+            </a:lvl8pPr>
+            <a:lvl9pPr fontAlgn="base">
+              <a:spcBef>
+                <a:spcPct val="0"/>
+              </a:spcBef>
+              <a:spcAft>
+                <a:spcPct val="0"/>
+              </a:spcAft>
+              <a:defRPr kumimoji="1">
+                <a:solidFill>
+                  <a:schemeClr val="tx1"/>
+                </a:solidFill>
+                <a:latin typeface="Arial" pitchFamily="34" charset="0"/>
+                <a:ea typeface="新細明體" pitchFamily="18" charset="-120"/>
+                <a:cs typeface="新細明體" pitchFamily="18" charset="-120"/>
+              </a:defRPr>
+            </a:lvl9pPr>
+          </a:lstStyle>
+          <a:p>
+            <a:pPr lvl="0" eaLnBrk="0" hangingPunct="0"/>
+            <a:r>
+              <a:rPr lang="en-US" altLang="zh-TW" sz="3600" dirty="0"/>
+              <a:t># </a:t>
+            </a:r>
+            <a:r>
+              <a:rPr lang="en-US" altLang="zh-TW" sz="3600" dirty="0" smtClean="0"/>
+              <a:t>coding=UTF-8</a:t>
+            </a:r>
+          </a:p>
+          <a:p>
+            <a:pPr lvl="0" eaLnBrk="0" hangingPunct="0"/>
+            <a:r>
+              <a:rPr lang="en-US" altLang="zh-TW" sz="3600" dirty="0" smtClean="0"/>
+              <a:t>print</a:t>
+            </a:r>
+            <a:r>
+              <a:rPr lang="zh-TW" altLang="zh-TW" sz="3600" dirty="0" smtClean="0"/>
+              <a:t> </a:t>
+            </a:r>
+            <a:r>
+              <a:rPr lang="zh-TW" altLang="zh-TW" sz="3600" dirty="0" smtClean="0">
+                <a:solidFill>
+                  <a:srgbClr val="0000FF"/>
+                </a:solidFill>
+                <a:latin typeface="Consolas"/>
+              </a:rPr>
+              <a:t>'</a:t>
+            </a:r>
+            <a:r>
+              <a:rPr lang="zh-TW" altLang="en-US" sz="3600" dirty="0" smtClean="0">
+                <a:solidFill>
+                  <a:srgbClr val="0000FF"/>
+                </a:solidFill>
+                <a:latin typeface="Consolas"/>
+              </a:rPr>
+              <a:t>哈囉</a:t>
+            </a:r>
+            <a:r>
+              <a:rPr lang="en-US" altLang="zh-TW" sz="3600" dirty="0" smtClean="0">
+                <a:solidFill>
+                  <a:srgbClr val="0000FF"/>
+                </a:solidFill>
+                <a:latin typeface="Consolas"/>
+              </a:rPr>
+              <a:t>!</a:t>
+            </a:r>
+            <a:r>
+              <a:rPr lang="zh-TW" altLang="en-US" sz="3600" dirty="0" smtClean="0">
+                <a:solidFill>
+                  <a:srgbClr val="0000FF"/>
+                </a:solidFill>
+                <a:latin typeface="Consolas"/>
+              </a:rPr>
+              <a:t>世界</a:t>
+            </a:r>
+            <a:r>
+              <a:rPr lang="en-US" altLang="zh-TW" sz="3600" dirty="0" smtClean="0">
+                <a:solidFill>
+                  <a:srgbClr val="0000FF"/>
+                </a:solidFill>
+                <a:latin typeface="Consolas"/>
+              </a:rPr>
+              <a:t>!</a:t>
+            </a:r>
+            <a:r>
+              <a:rPr kumimoji="0" lang="zh-TW" altLang="zh-TW" sz="3600" dirty="0" smtClean="0">
+                <a:solidFill>
+                  <a:srgbClr val="0000FF"/>
+                </a:solidFill>
+                <a:latin typeface="Consolas"/>
+                <a:ea typeface="新細明體"/>
+                <a:cs typeface="+mn-cs"/>
+              </a:rPr>
+              <a:t>'</a:t>
+            </a:r>
+            <a:endParaRPr lang="en-US" altLang="zh-TW" sz="3600" dirty="0">
+              <a:solidFill>
+                <a:srgbClr val="0000FF"/>
+              </a:solidFill>
+              <a:latin typeface="Consolas"/>
+            </a:endParaRPr>
+          </a:p>
+        </p:txBody>
+      </p:sp>
+    </p:spTree>
+    <p:extLst>
+      <p:ext uri="{BB962C8B-B14F-4D97-AF65-F5344CB8AC3E}">
+        <p14:creationId xmlns:p14="http://schemas.microsoft.com/office/powerpoint/2010/main" val="2497922650"/>
+      </p:ext>
+    </p:extLst>
+  </p:cSld>
+  <p:clrMapOvr>
+    <a:masterClrMapping/>
+  </p:clrMapOvr>
+  <p:timing>
+    <p:tnLst>
+      <p:par>
+        <p:cTn id="1" dur="indefinite" restart="never" nodeType="tmRoot"/>
+      </p:par>
+    </p:tnLst>
+  </p:timing>
+</p:sld>
+</file>
+
+<file path=ppt/slides/slide15.xml><?xml version="1.0" encoding="utf-8"?>
+<p:sld xmlns:a="http://schemas.openxmlformats.org/drawingml/2006/main" xmlns:r="http://schemas.openxmlformats.org/officeDocument/2006/relationships" xmlns:p="http://schemas.openxmlformats.org/presentationml/2006/main">
+  <p:cSld>
+    <p:bg>
+      <p:bgPr>
+        <a:noFill/>
+        <a:effectLst/>
+      </p:bgPr>
+    </p:bg>
+    <p:spTree>
+      <p:nvGrpSpPr>
+        <p:cNvPr id="1" name=""/>
+        <p:cNvGrpSpPr/>
+        <p:nvPr/>
+      </p:nvGrpSpPr>
+      <p:grpSpPr>
+        <a:xfrm>
+          <a:off x="0" y="0"/>
+          <a:ext cx="0" cy="0"/>
+          <a:chOff x="0" y="0"/>
+          <a:chExt cx="0" cy="0"/>
+        </a:xfrm>
+      </p:grpSpPr>
+      <p:sp>
+        <p:nvSpPr>
+          <p:cNvPr id="2" name="標題 1"/>
+          <p:cNvSpPr>
+            <a:spLocks noGrp="1"/>
+          </p:cNvSpPr>
+          <p:nvPr>
+            <p:ph type="title"/>
+          </p:nvPr>
+        </p:nvSpPr>
+        <p:spPr/>
+        <p:txBody>
+          <a:bodyPr/>
+          <a:lstStyle/>
+          <a:p>
+            <a:r>
+              <a:rPr lang="en-US" altLang="zh-TW" dirty="0" smtClean="0">
+                <a:latin typeface="Noto Sans CJK TC Regular" pitchFamily="34" charset="-120"/>
+                <a:ea typeface="Noto Sans CJK TC Regular" pitchFamily="34" charset="-120"/>
+              </a:rPr>
+              <a:t>Python</a:t>
+            </a:r>
+            <a:r>
+              <a:rPr lang="zh-TW" altLang="en-US" dirty="0" smtClean="0">
+                <a:latin typeface="Noto Sans CJK TC Regular" pitchFamily="34" charset="-120"/>
+                <a:ea typeface="Noto Sans CJK TC Regular" pitchFamily="34" charset="-120"/>
+              </a:rPr>
+              <a:t>的</a:t>
+            </a:r>
+            <a:r>
+              <a:rPr lang="en-US" altLang="zh-TW" dirty="0" smtClean="0">
+                <a:latin typeface="Noto Sans CJK TC Regular" pitchFamily="34" charset="-120"/>
+                <a:ea typeface="Noto Sans CJK TC Regular" pitchFamily="34" charset="-120"/>
+              </a:rPr>
+              <a:t>Unicode</a:t>
+            </a:r>
+            <a:r>
+              <a:rPr lang="zh-TW" altLang="en-US" dirty="0" smtClean="0">
+                <a:latin typeface="Noto Sans CJK TC Regular" pitchFamily="34" charset="-120"/>
+                <a:ea typeface="Noto Sans CJK TC Regular" pitchFamily="34" charset="-120"/>
+              </a:rPr>
+              <a:t>支援</a:t>
+            </a:r>
+            <a:endParaRPr lang="zh-TW" altLang="en-US" dirty="0">
+              <a:latin typeface="Noto Sans CJK TC Regular" pitchFamily="34" charset="-120"/>
+              <a:ea typeface="Noto Sans CJK TC Regular" pitchFamily="34" charset="-120"/>
+            </a:endParaRPr>
+          </a:p>
+        </p:txBody>
+      </p:sp>
+      <p:sp>
+        <p:nvSpPr>
+          <p:cNvPr id="3" name="內容版面配置區 2"/>
+          <p:cNvSpPr>
+            <a:spLocks noGrp="1"/>
+          </p:cNvSpPr>
+          <p:nvPr>
+            <p:ph idx="1"/>
+          </p:nvPr>
+        </p:nvSpPr>
+        <p:spPr>
+          <a:xfrm>
+            <a:off x="838200" y="1825624"/>
+            <a:ext cx="10515600" cy="5032375"/>
+          </a:xfrm>
+        </p:spPr>
+        <p:txBody>
+          <a:bodyPr>
+            <a:normAutofit/>
+          </a:bodyPr>
+          <a:lstStyle/>
+          <a:p>
+            <a:r>
+              <a:rPr lang="zh-TW" altLang="en-US" sz="3600" dirty="0" smtClean="0">
+                <a:latin typeface="Noto Sans CJK TC Regular" pitchFamily="34" charset="-120"/>
+                <a:ea typeface="Noto Sans CJK TC Regular" pitchFamily="34" charset="-120"/>
+              </a:rPr>
+              <a:t>編碼宣告</a:t>
+            </a:r>
+            <a:r>
+              <a:rPr lang="en-US" altLang="zh-TW" sz="3600" dirty="0" smtClean="0">
+                <a:latin typeface="Noto Sans CJK TC Regular" pitchFamily="34" charset="-120"/>
+                <a:ea typeface="Noto Sans CJK TC Regular" pitchFamily="34" charset="-120"/>
+              </a:rPr>
+              <a:t>(Encoding declaration)</a:t>
+            </a:r>
+            <a:endParaRPr lang="en-US" altLang="zh-TW" sz="3600" dirty="0" smtClean="0">
+              <a:latin typeface="Noto Sans CJK TC Regular" pitchFamily="34" charset="-120"/>
+              <a:ea typeface="Noto Sans CJK TC Regular" pitchFamily="34" charset="-120"/>
+            </a:endParaRPr>
+          </a:p>
+          <a:p>
+            <a:pPr lvl="1">
+              <a:buFont typeface="Noto Sans CJK TC Regular" pitchFamily="34" charset="-120"/>
+              <a:buChar char="­"/>
+            </a:pPr>
+            <a:r>
+              <a:rPr lang="zh-TW" altLang="en-US" sz="3200" dirty="0">
+                <a:latin typeface="Noto Sans CJK TC Regular" pitchFamily="34" charset="-120"/>
+                <a:ea typeface="Noto Sans CJK TC Regular" pitchFamily="34" charset="-120"/>
+              </a:rPr>
+              <a:t>告訴直譯</a:t>
+            </a:r>
+            <a:r>
+              <a:rPr lang="zh-TW" altLang="en-US" sz="3200" dirty="0" smtClean="0">
+                <a:latin typeface="Noto Sans CJK TC Regular" pitchFamily="34" charset="-120"/>
+                <a:ea typeface="Noto Sans CJK TC Regular" pitchFamily="34" charset="-120"/>
+              </a:rPr>
+              <a:t>器以</a:t>
+            </a:r>
+            <a:r>
+              <a:rPr lang="en-US" altLang="zh-TW" sz="3200" dirty="0" smtClean="0">
+                <a:latin typeface="Noto Sans CJK TC Regular" pitchFamily="34" charset="-120"/>
+                <a:ea typeface="Noto Sans CJK TC Regular" pitchFamily="34" charset="-120"/>
+              </a:rPr>
+              <a:t>UTF-8</a:t>
+            </a:r>
+            <a:r>
+              <a:rPr lang="zh-TW" altLang="en-US" sz="3200" dirty="0" smtClean="0">
+                <a:latin typeface="Noto Sans CJK TC Regular" pitchFamily="34" charset="-120"/>
+                <a:ea typeface="Noto Sans CJK TC Regular" pitchFamily="34" charset="-120"/>
+              </a:rPr>
+              <a:t>來編碼</a:t>
+            </a:r>
+            <a:endParaRPr lang="en-US" altLang="zh-TW" sz="3200" dirty="0" smtClean="0">
+              <a:latin typeface="Noto Sans CJK TC Regular" pitchFamily="34" charset="-120"/>
+              <a:ea typeface="Noto Sans CJK TC Regular" pitchFamily="34" charset="-120"/>
+            </a:endParaRPr>
+          </a:p>
+          <a:p>
+            <a:pPr lvl="1">
+              <a:buFont typeface="Noto Sans CJK TC Regular" pitchFamily="34" charset="-120"/>
+              <a:buChar char="­"/>
+            </a:pPr>
+            <a:r>
+              <a:rPr lang="zh-TW" altLang="en-US" sz="3200" dirty="0">
+                <a:latin typeface="Noto Sans CJK TC Regular" pitchFamily="34" charset="-120"/>
+                <a:ea typeface="Noto Sans CJK TC Regular" pitchFamily="34" charset="-120"/>
+              </a:rPr>
+              <a:t>魔法</a:t>
+            </a:r>
+            <a:r>
+              <a:rPr lang="zh-TW" altLang="en-US" sz="3200" dirty="0" smtClean="0">
+                <a:latin typeface="Noto Sans CJK TC Regular" pitchFamily="34" charset="-120"/>
+                <a:ea typeface="Noto Sans CJK TC Regular" pitchFamily="34" charset="-120"/>
+              </a:rPr>
+              <a:t>註解</a:t>
+            </a:r>
+            <a:r>
+              <a:rPr lang="en-US" altLang="zh-TW" sz="3200" dirty="0" smtClean="0">
+                <a:latin typeface="Noto Sans CJK TC Regular" pitchFamily="34" charset="-120"/>
+                <a:ea typeface="Noto Sans CJK TC Regular" pitchFamily="34" charset="-120"/>
+              </a:rPr>
+              <a:t>:# </a:t>
+            </a:r>
+            <a:r>
+              <a:rPr lang="en-US" altLang="zh-TW" sz="3200" dirty="0">
+                <a:latin typeface="Noto Sans CJK TC Regular" pitchFamily="34" charset="-120"/>
+                <a:ea typeface="Noto Sans CJK TC Regular" pitchFamily="34" charset="-120"/>
+              </a:rPr>
+              <a:t>coding = </a:t>
+            </a:r>
+            <a:r>
+              <a:rPr lang="en-US" altLang="zh-TW" sz="3200" dirty="0" smtClean="0">
+                <a:latin typeface="Noto Sans CJK TC Regular" pitchFamily="34" charset="-120"/>
+                <a:ea typeface="Noto Sans CJK TC Regular" pitchFamily="34" charset="-120"/>
+              </a:rPr>
+              <a:t>UTF-8</a:t>
+            </a:r>
+            <a:endParaRPr lang="en-US" altLang="zh-TW" sz="3200" dirty="0">
+              <a:latin typeface="Noto Sans CJK TC Regular" pitchFamily="34" charset="-120"/>
+              <a:ea typeface="Noto Sans CJK TC Regular" pitchFamily="34" charset="-120"/>
+            </a:endParaRPr>
+          </a:p>
+        </p:txBody>
+      </p:sp>
+    </p:spTree>
+    <p:extLst>
+      <p:ext uri="{BB962C8B-B14F-4D97-AF65-F5344CB8AC3E}">
+        <p14:creationId xmlns:p14="http://schemas.microsoft.com/office/powerpoint/2010/main" val="3854353231"/>
+      </p:ext>
+    </p:extLst>
+  </p:cSld>
+  <p:clrMapOvr>
+    <a:masterClrMapping/>
+  </p:clrMapOvr>
+  <p:timing>
+    <p:tnLst>
+      <p:par>
+        <p:cTn id="1" dur="indefinite" restart="never" nodeType="tmRoot"/>
+      </p:par>
+    </p:tnLst>
+  </p:timing>
+</p:sld>
+</file>
+
+<file path=ppt/slides/slide16.xml><?xml version="1.0" encoding="utf-8"?>
 <p:sld xmlns:a="http://schemas.openxmlformats.org/drawingml/2006/main" xmlns:r="http://schemas.openxmlformats.org/officeDocument/2006/relationships" xmlns:p="http://schemas.openxmlformats.org/presentationml/2006/main">
   <p:cSld>
     <p:spTree>
@@ -3499,7 +4838,38 @@
           <a:bodyPr/>
           <a:lstStyle/>
           <a:p>
-            <a:endParaRPr lang="zh-TW" altLang="en-US"/>
+            <a:r>
+              <a:rPr lang="en-US" altLang="zh-TW" dirty="0" smtClean="0">
+                <a:latin typeface="Noto Sans CJK TC Regular" pitchFamily="34" charset="-120"/>
+                <a:ea typeface="Noto Sans CJK TC Regular" pitchFamily="34" charset="-120"/>
+              </a:rPr>
+              <a:t>Python</a:t>
+            </a:r>
+            <a:r>
+              <a:rPr lang="zh-TW" altLang="en-US" dirty="0" smtClean="0">
+                <a:latin typeface="Noto Sans CJK TC Regular" pitchFamily="34" charset="-120"/>
+                <a:ea typeface="Noto Sans CJK TC Regular" pitchFamily="34" charset="-120"/>
+              </a:rPr>
+              <a:t>的</a:t>
+            </a:r>
+            <a:r>
+              <a:rPr lang="en-US" altLang="zh-TW" dirty="0" smtClean="0">
+                <a:latin typeface="Noto Sans CJK TC Regular" pitchFamily="34" charset="-120"/>
+                <a:ea typeface="Noto Sans CJK TC Regular" pitchFamily="34" charset="-120"/>
+              </a:rPr>
+              <a:t>Unicode</a:t>
+            </a:r>
+            <a:r>
+              <a:rPr lang="zh-TW" altLang="en-US" dirty="0" smtClean="0">
+                <a:latin typeface="Noto Sans CJK TC Regular" pitchFamily="34" charset="-120"/>
+                <a:ea typeface="Noto Sans CJK TC Regular" pitchFamily="34" charset="-120"/>
+              </a:rPr>
+              <a:t>支援</a:t>
+            </a:r>
+            <a:endParaRPr lang="zh-TW" altLang="en-US" dirty="0">
+              <a:latin typeface="Noto Sans CJK TC Regular" pitchFamily="34" charset="-120"/>
+              <a:ea typeface="Noto Sans CJK TC Regular" pitchFamily="34" charset="-120"/>
+            </a:endParaRPr>
           </a:p>
         </p:txBody>
       </p:sp>
@@ -3513,20 +4883,2090 @@
             <p:ph idx="1"/>
           </p:nvPr>
         </p:nvSpPr>
-        <p:spPr/>
-        <p:txBody>
-          <a:bodyPr/>
+        <p:spPr>
+          <a:xfrm>
+            <a:off x="838200" y="1825624"/>
+            <a:ext cx="10515600" cy="5032375"/>
+          </a:xfrm>
+        </p:spPr>
+        <p:txBody>
+          <a:bodyPr>
+            <a:normAutofit/>
+          </a:bodyPr>
           <a:lstStyle/>
           <a:p>
-            <a:endParaRPr lang="zh-TW" altLang="en-US"/>
+            <a:r>
+              <a:rPr lang="zh-TW" altLang="en-US" sz="3600" dirty="0" smtClean="0">
+                <a:latin typeface="Noto Sans CJK TC Regular" pitchFamily="34" charset="-120"/>
+                <a:ea typeface="Noto Sans CJK TC Regular" pitchFamily="34" charset="-120"/>
+              </a:rPr>
+              <a:t>編碼宣告</a:t>
+            </a:r>
+            <a:r>
+              <a:rPr lang="en-US" altLang="zh-TW" sz="3600" dirty="0" smtClean="0">
+                <a:latin typeface="Noto Sans CJK TC Regular" pitchFamily="34" charset="-120"/>
+                <a:ea typeface="Noto Sans CJK TC Regular" pitchFamily="34" charset="-120"/>
+              </a:rPr>
+              <a:t>(Encoding declaration)</a:t>
+            </a:r>
+            <a:endParaRPr lang="en-US" altLang="zh-TW" sz="3600" dirty="0" smtClean="0">
+              <a:latin typeface="Noto Sans CJK TC Regular" pitchFamily="34" charset="-120"/>
+              <a:ea typeface="Noto Sans CJK TC Regular" pitchFamily="34" charset="-120"/>
+            </a:endParaRPr>
+          </a:p>
+          <a:p>
+            <a:pPr lvl="1">
+              <a:buFont typeface="Noto Sans CJK TC Regular" pitchFamily="34" charset="-120"/>
+              <a:buChar char="­"/>
+            </a:pPr>
+            <a:r>
+              <a:rPr lang="zh-TW" altLang="en-US" sz="3200" dirty="0">
+                <a:latin typeface="Noto Sans CJK TC Regular" pitchFamily="34" charset="-120"/>
+                <a:ea typeface="Noto Sans CJK TC Regular" pitchFamily="34" charset="-120"/>
+              </a:rPr>
+              <a:t>告訴直譯</a:t>
+            </a:r>
+            <a:r>
+              <a:rPr lang="zh-TW" altLang="en-US" sz="3200" dirty="0" smtClean="0">
+                <a:latin typeface="Noto Sans CJK TC Regular" pitchFamily="34" charset="-120"/>
+                <a:ea typeface="Noto Sans CJK TC Regular" pitchFamily="34" charset="-120"/>
+              </a:rPr>
+              <a:t>器以</a:t>
+            </a:r>
+            <a:r>
+              <a:rPr lang="en-US" altLang="zh-TW" sz="3200" dirty="0" smtClean="0">
+                <a:latin typeface="Noto Sans CJK TC Regular" pitchFamily="34" charset="-120"/>
+                <a:ea typeface="Noto Sans CJK TC Regular" pitchFamily="34" charset="-120"/>
+              </a:rPr>
+              <a:t>UTF-8</a:t>
+            </a:r>
+            <a:r>
+              <a:rPr lang="zh-TW" altLang="en-US" sz="3200" dirty="0" smtClean="0">
+                <a:latin typeface="Noto Sans CJK TC Regular" pitchFamily="34" charset="-120"/>
+                <a:ea typeface="Noto Sans CJK TC Regular" pitchFamily="34" charset="-120"/>
+              </a:rPr>
+              <a:t>來編碼</a:t>
+            </a:r>
+            <a:endParaRPr lang="en-US" altLang="zh-TW" sz="3200" dirty="0" smtClean="0">
+              <a:latin typeface="Noto Sans CJK TC Regular" pitchFamily="34" charset="-120"/>
+              <a:ea typeface="Noto Sans CJK TC Regular" pitchFamily="34" charset="-120"/>
+            </a:endParaRPr>
+          </a:p>
+          <a:p>
+            <a:pPr lvl="1">
+              <a:buFont typeface="Noto Sans CJK TC Regular" pitchFamily="34" charset="-120"/>
+              <a:buChar char="­"/>
+            </a:pPr>
+            <a:r>
+              <a:rPr lang="zh-TW" altLang="en-US" sz="3200" dirty="0">
+                <a:latin typeface="Noto Sans CJK TC Regular" pitchFamily="34" charset="-120"/>
+                <a:ea typeface="Noto Sans CJK TC Regular" pitchFamily="34" charset="-120"/>
+              </a:rPr>
+              <a:t>魔法</a:t>
+            </a:r>
+            <a:r>
+              <a:rPr lang="zh-TW" altLang="en-US" sz="3200" dirty="0" smtClean="0">
+                <a:latin typeface="Noto Sans CJK TC Regular" pitchFamily="34" charset="-120"/>
+                <a:ea typeface="Noto Sans CJK TC Regular" pitchFamily="34" charset="-120"/>
+              </a:rPr>
+              <a:t>註解</a:t>
+            </a:r>
+            <a:r>
+              <a:rPr lang="en-US" altLang="zh-TW" sz="3200" dirty="0" smtClean="0">
+                <a:latin typeface="Noto Sans CJK TC Regular" pitchFamily="34" charset="-120"/>
+                <a:ea typeface="Noto Sans CJK TC Regular" pitchFamily="34" charset="-120"/>
+              </a:rPr>
+              <a:t>:# </a:t>
+            </a:r>
+            <a:r>
+              <a:rPr lang="en-US" altLang="zh-TW" sz="3200" dirty="0">
+                <a:latin typeface="Noto Sans CJK TC Regular" pitchFamily="34" charset="-120"/>
+                <a:ea typeface="Noto Sans CJK TC Regular" pitchFamily="34" charset="-120"/>
+              </a:rPr>
+              <a:t>coding = </a:t>
+            </a:r>
+            <a:r>
+              <a:rPr lang="en-US" altLang="zh-TW" sz="3200" dirty="0" smtClean="0">
+                <a:latin typeface="Noto Sans CJK TC Regular" pitchFamily="34" charset="-120"/>
+                <a:ea typeface="Noto Sans CJK TC Regular" pitchFamily="34" charset="-120"/>
+              </a:rPr>
+              <a:t>UTF-8</a:t>
+            </a:r>
+            <a:endParaRPr lang="en-US" altLang="zh-TW" sz="3200" dirty="0">
+              <a:latin typeface="Noto Sans CJK TC Regular" pitchFamily="34" charset="-120"/>
+              <a:ea typeface="Noto Sans CJK TC Regular" pitchFamily="34" charset="-120"/>
+            </a:endParaRPr>
+          </a:p>
+        </p:txBody>
+      </p:sp>
+      <p:sp>
+        <p:nvSpPr>
+          <p:cNvPr id="7" name="Rectangle 2"/>
+          <p:cNvSpPr>
+            <a:spLocks noChangeArrowheads="1"/>
+          </p:cNvSpPr>
+          <p:nvPr/>
+        </p:nvSpPr>
+        <p:spPr bwMode="auto">
+          <a:xfrm>
+            <a:off x="56613" y="5359424"/>
+            <a:ext cx="5341206" cy="1477328"/>
+          </a:xfrm>
+          <a:prstGeom prst="rect">
+            <a:avLst/>
+          </a:prstGeom>
+          <a:noFill/>
+          <a:ln>
+            <a:noFill/>
+          </a:ln>
+          <a:effectLst/>
+          <a:extLst>
+            <a:ext uri="{909E8E84-426E-40DD-AFC4-6F175D3DCCD1}">
+              <a14:hiddenFill xmlns:a14="http://schemas.microsoft.com/office/drawing/2010/main">
+                <a:solidFill>
+                  <a:schemeClr val="accent1"/>
+                </a:solidFill>
+              </a14:hiddenFill>
+            </a:ext>
+            <a:ext uri="{91240B29-F687-4F45-9708-019B960494DF}">
+              <a14:hiddenLine xmlns:a14="http://schemas.microsoft.com/office/drawing/2010/main" w="9525">
+                <a:solidFill>
+                  <a:schemeClr val="tx1"/>
+                </a:solidFill>
+                <a:miter lim="800000"/>
+                <a:headEnd/>
+                <a:tailEnd/>
+              </a14:hiddenLine>
+            </a:ext>
+            <a:ext uri="{AF507438-7753-43E0-B8FC-AC1667EBCBE1}">
+              <a14:hiddenEffects xmlns:a14="http://schemas.microsoft.com/office/drawing/2010/main">
+                <a:effectLst>
+                  <a:outerShdw dist="35921" dir="2700000" algn="ctr" rotWithShape="0">
+                    <a:schemeClr val="bg2"/>
+                  </a:outerShdw>
+                </a:effectLst>
+              </a14:hiddenEffects>
+            </a:ext>
+          </a:extLst>
+        </p:spPr>
+        <p:txBody>
+          <a:bodyPr vert="horz" wrap="none" lIns="0" tIns="0" rIns="0" bIns="0" numCol="1" anchor="ctr" anchorCtr="0" compatLnSpc="1">
+            <a:prstTxWarp prst="textNoShape">
+              <a:avLst/>
+            </a:prstTxWarp>
+            <a:spAutoFit/>
+          </a:bodyPr>
+          <a:lstStyle>
+            <a:lvl1pPr fontAlgn="base">
+              <a:spcBef>
+                <a:spcPct val="0"/>
+              </a:spcBef>
+              <a:spcAft>
+                <a:spcPct val="0"/>
+              </a:spcAft>
+              <a:defRPr kumimoji="1">
+                <a:solidFill>
+                  <a:schemeClr val="tx1"/>
+                </a:solidFill>
+                <a:latin typeface="Arial" pitchFamily="34" charset="0"/>
+                <a:ea typeface="新細明體" pitchFamily="18" charset="-120"/>
+                <a:cs typeface="新細明體" pitchFamily="18" charset="-120"/>
+              </a:defRPr>
+            </a:lvl1pPr>
+            <a:lvl2pPr fontAlgn="base">
+              <a:spcBef>
+                <a:spcPct val="0"/>
+              </a:spcBef>
+              <a:spcAft>
+                <a:spcPct val="0"/>
+              </a:spcAft>
+              <a:defRPr kumimoji="1">
+                <a:solidFill>
+                  <a:schemeClr val="tx1"/>
+                </a:solidFill>
+                <a:latin typeface="Arial" pitchFamily="34" charset="0"/>
+                <a:ea typeface="新細明體" pitchFamily="18" charset="-120"/>
+                <a:cs typeface="新細明體" pitchFamily="18" charset="-120"/>
+              </a:defRPr>
+            </a:lvl2pPr>
+            <a:lvl3pPr fontAlgn="base">
+              <a:spcBef>
+                <a:spcPct val="0"/>
+              </a:spcBef>
+              <a:spcAft>
+                <a:spcPct val="0"/>
+              </a:spcAft>
+              <a:defRPr kumimoji="1">
+                <a:solidFill>
+                  <a:schemeClr val="tx1"/>
+                </a:solidFill>
+                <a:latin typeface="Arial" pitchFamily="34" charset="0"/>
+                <a:ea typeface="新細明體" pitchFamily="18" charset="-120"/>
+                <a:cs typeface="新細明體" pitchFamily="18" charset="-120"/>
+              </a:defRPr>
+            </a:lvl3pPr>
+            <a:lvl4pPr fontAlgn="base">
+              <a:spcBef>
+                <a:spcPct val="0"/>
+              </a:spcBef>
+              <a:spcAft>
+                <a:spcPct val="0"/>
+              </a:spcAft>
+              <a:defRPr kumimoji="1">
+                <a:solidFill>
+                  <a:schemeClr val="tx1"/>
+                </a:solidFill>
+                <a:latin typeface="Arial" pitchFamily="34" charset="0"/>
+                <a:ea typeface="新細明體" pitchFamily="18" charset="-120"/>
+                <a:cs typeface="新細明體" pitchFamily="18" charset="-120"/>
+              </a:defRPr>
+            </a:lvl4pPr>
+            <a:lvl5pPr fontAlgn="base">
+              <a:spcBef>
+                <a:spcPct val="0"/>
+              </a:spcBef>
+              <a:spcAft>
+                <a:spcPct val="0"/>
+              </a:spcAft>
+              <a:defRPr kumimoji="1">
+                <a:solidFill>
+                  <a:schemeClr val="tx1"/>
+                </a:solidFill>
+                <a:latin typeface="Arial" pitchFamily="34" charset="0"/>
+                <a:ea typeface="新細明體" pitchFamily="18" charset="-120"/>
+                <a:cs typeface="新細明體" pitchFamily="18" charset="-120"/>
+              </a:defRPr>
+            </a:lvl5pPr>
+            <a:lvl6pPr fontAlgn="base">
+              <a:spcBef>
+                <a:spcPct val="0"/>
+              </a:spcBef>
+              <a:spcAft>
+                <a:spcPct val="0"/>
+              </a:spcAft>
+              <a:defRPr kumimoji="1">
+                <a:solidFill>
+                  <a:schemeClr val="tx1"/>
+                </a:solidFill>
+                <a:latin typeface="Arial" pitchFamily="34" charset="0"/>
+                <a:ea typeface="新細明體" pitchFamily="18" charset="-120"/>
+                <a:cs typeface="新細明體" pitchFamily="18" charset="-120"/>
+              </a:defRPr>
+            </a:lvl6pPr>
+            <a:lvl7pPr fontAlgn="base">
+              <a:spcBef>
+                <a:spcPct val="0"/>
+              </a:spcBef>
+              <a:spcAft>
+                <a:spcPct val="0"/>
+              </a:spcAft>
+              <a:defRPr kumimoji="1">
+                <a:solidFill>
+                  <a:schemeClr val="tx1"/>
+                </a:solidFill>
+                <a:latin typeface="Arial" pitchFamily="34" charset="0"/>
+                <a:ea typeface="新細明體" pitchFamily="18" charset="-120"/>
+                <a:cs typeface="新細明體" pitchFamily="18" charset="-120"/>
+              </a:defRPr>
+            </a:lvl7pPr>
+            <a:lvl8pPr fontAlgn="base">
+              <a:spcBef>
+                <a:spcPct val="0"/>
+              </a:spcBef>
+              <a:spcAft>
+                <a:spcPct val="0"/>
+              </a:spcAft>
+              <a:defRPr kumimoji="1">
+                <a:solidFill>
+                  <a:schemeClr val="tx1"/>
+                </a:solidFill>
+                <a:latin typeface="Arial" pitchFamily="34" charset="0"/>
+                <a:ea typeface="新細明體" pitchFamily="18" charset="-120"/>
+                <a:cs typeface="新細明體" pitchFamily="18" charset="-120"/>
+              </a:defRPr>
+            </a:lvl8pPr>
+            <a:lvl9pPr fontAlgn="base">
+              <a:spcBef>
+                <a:spcPct val="0"/>
+              </a:spcBef>
+              <a:spcAft>
+                <a:spcPct val="0"/>
+              </a:spcAft>
+              <a:defRPr kumimoji="1">
+                <a:solidFill>
+                  <a:schemeClr val="tx1"/>
+                </a:solidFill>
+                <a:latin typeface="Arial" pitchFamily="34" charset="0"/>
+                <a:ea typeface="新細明體" pitchFamily="18" charset="-120"/>
+                <a:cs typeface="新細明體" pitchFamily="18" charset="-120"/>
+              </a:defRPr>
+            </a:lvl9pPr>
+          </a:lstStyle>
+          <a:p>
+            <a:pPr marL="0" marR="0" lvl="0" indent="0" algn="l" defTabSz="914400" rtl="0" eaLnBrk="1" fontAlgn="base" latinLnBrk="0" hangingPunct="1">
+              <a:lnSpc>
+                <a:spcPct val="100000"/>
+              </a:lnSpc>
+              <a:spcBef>
+                <a:spcPct val="0"/>
+              </a:spcBef>
+              <a:spcAft>
+                <a:spcPct val="0"/>
+              </a:spcAft>
+              <a:buClrTx/>
+              <a:buSzTx/>
+              <a:buFontTx/>
+              <a:buNone/>
+              <a:tabLst/>
+            </a:pPr>
+            <a:r>
+              <a:rPr kumimoji="1" lang="zh-TW" altLang="zh-TW" sz="3200" b="0" i="0" u="none" strike="noStrike" cap="none" normalizeH="0" baseline="0" dirty="0" smtClean="0">
+                <a:ln>
+                  <a:noFill/>
+                </a:ln>
+                <a:solidFill>
+                  <a:srgbClr val="000000"/>
+                </a:solidFill>
+                <a:effectLst/>
+                <a:latin typeface="Consolas" pitchFamily="49" charset="0"/>
+                <a:ea typeface="新細明體" pitchFamily="18" charset="-120"/>
+                <a:cs typeface="Consolas" pitchFamily="49" charset="0"/>
+              </a:rPr>
+              <a:t># coding=UTF-</a:t>
+            </a:r>
+            <a:r>
+              <a:rPr kumimoji="1" lang="zh-TW" altLang="zh-TW" sz="3200" b="0" i="0" u="none" strike="noStrike" cap="none" normalizeH="0" baseline="0" dirty="0" smtClean="0">
+                <a:ln>
+                  <a:noFill/>
+                </a:ln>
+                <a:solidFill>
+                  <a:srgbClr val="009900"/>
+                </a:solidFill>
+                <a:effectLst/>
+                <a:latin typeface="Consolas" pitchFamily="49" charset="0"/>
+                <a:ea typeface="新細明體" pitchFamily="18" charset="-120"/>
+                <a:cs typeface="Consolas" pitchFamily="49" charset="0"/>
+              </a:rPr>
+              <a:t>8</a:t>
+            </a:r>
+            <a:endParaRPr kumimoji="1" lang="zh-TW" altLang="zh-TW" sz="4800" b="0" i="0" u="none" strike="noStrike" cap="none" normalizeH="0" baseline="0" dirty="0" smtClean="0">
+              <a:ln>
+                <a:noFill/>
+              </a:ln>
+              <a:solidFill>
+                <a:schemeClr val="tx1"/>
+              </a:solidFill>
+              <a:effectLst/>
+              <a:latin typeface="Arial" pitchFamily="34" charset="0"/>
+              <a:ea typeface="新細明體" pitchFamily="18" charset="-120"/>
+              <a:cs typeface="新細明體" pitchFamily="18" charset="-120"/>
+            </a:endParaRPr>
+          </a:p>
+          <a:p>
+            <a:pPr marL="0" marR="0" lvl="0" indent="0" algn="l" defTabSz="914400" rtl="0" eaLnBrk="0" fontAlgn="base" latinLnBrk="0" hangingPunct="0">
+              <a:lnSpc>
+                <a:spcPct val="100000"/>
+              </a:lnSpc>
+              <a:spcBef>
+                <a:spcPct val="0"/>
+              </a:spcBef>
+              <a:spcAft>
+                <a:spcPct val="0"/>
+              </a:spcAft>
+              <a:buClrTx/>
+              <a:buSzTx/>
+              <a:buFontTx/>
+              <a:buNone/>
+              <a:tabLst/>
+            </a:pPr>
+            <a:r>
+              <a:rPr kumimoji="1" lang="zh-TW" altLang="zh-TW" sz="3200" b="0" i="0" u="none" strike="noStrike" cap="none" normalizeH="0" baseline="0" dirty="0" smtClean="0">
+                <a:ln>
+                  <a:noFill/>
+                </a:ln>
+                <a:solidFill>
+                  <a:srgbClr val="000000"/>
+                </a:solidFill>
+                <a:effectLst/>
+                <a:latin typeface="Consolas" pitchFamily="49" charset="0"/>
+                <a:ea typeface="新細明體" pitchFamily="18" charset="-120"/>
+                <a:cs typeface="Consolas" pitchFamily="49" charset="0"/>
+              </a:rPr>
+              <a:t>text = </a:t>
+            </a:r>
+            <a:r>
+              <a:rPr kumimoji="1" lang="zh-TW" altLang="zh-TW" sz="3200" b="0" i="0" u="none" strike="noStrike" cap="none" normalizeH="0" baseline="0" dirty="0" smtClean="0">
+                <a:ln>
+                  <a:noFill/>
+                </a:ln>
+                <a:solidFill>
+                  <a:srgbClr val="0000FF"/>
+                </a:solidFill>
+                <a:effectLst/>
+                <a:latin typeface="Consolas" pitchFamily="49" charset="0"/>
+                <a:ea typeface="新細明體" pitchFamily="18" charset="-120"/>
+                <a:cs typeface="Consolas" pitchFamily="49" charset="0"/>
+              </a:rPr>
+              <a:t>'測試'</a:t>
+            </a:r>
+            <a:endParaRPr kumimoji="1" lang="zh-TW" altLang="zh-TW" sz="4800" b="0" i="0" u="none" strike="noStrike" cap="none" normalizeH="0" baseline="0" dirty="0" smtClean="0">
+              <a:ln>
+                <a:noFill/>
+              </a:ln>
+              <a:solidFill>
+                <a:schemeClr val="tx1"/>
+              </a:solidFill>
+              <a:effectLst/>
+              <a:latin typeface="Arial" pitchFamily="34" charset="0"/>
+              <a:ea typeface="新細明體" pitchFamily="18" charset="-120"/>
+              <a:cs typeface="新細明體" pitchFamily="18" charset="-120"/>
+            </a:endParaRPr>
+          </a:p>
+          <a:p>
+            <a:pPr marL="0" marR="0" lvl="0" indent="0" algn="l" defTabSz="914400" rtl="0" eaLnBrk="0" fontAlgn="base" latinLnBrk="0" hangingPunct="0">
+              <a:lnSpc>
+                <a:spcPct val="100000"/>
+              </a:lnSpc>
+              <a:spcBef>
+                <a:spcPct val="0"/>
+              </a:spcBef>
+              <a:spcAft>
+                <a:spcPct val="0"/>
+              </a:spcAft>
+              <a:buClrTx/>
+              <a:buSzTx/>
+              <a:buFontTx/>
+              <a:buNone/>
+              <a:tabLst/>
+            </a:pPr>
+            <a:r>
+              <a:rPr kumimoji="1" lang="zh-TW" altLang="zh-TW" sz="3200" b="0" i="0" u="none" strike="noStrike" cap="none" normalizeH="0" baseline="0" dirty="0" smtClean="0">
+                <a:ln>
+                  <a:noFill/>
+                </a:ln>
+                <a:solidFill>
+                  <a:srgbClr val="000000"/>
+                </a:solidFill>
+                <a:effectLst/>
+                <a:latin typeface="Consolas" pitchFamily="49" charset="0"/>
+                <a:ea typeface="新細明體" pitchFamily="18" charset="-120"/>
+                <a:cs typeface="Consolas" pitchFamily="49" charset="0"/>
+              </a:rPr>
+              <a:t>print len(text) # 顯示 </a:t>
+            </a:r>
+            <a:r>
+              <a:rPr kumimoji="1" lang="zh-TW" altLang="zh-TW" sz="3200" b="0" i="0" u="none" strike="noStrike" cap="none" normalizeH="0" baseline="0" dirty="0" smtClean="0">
+                <a:ln>
+                  <a:noFill/>
+                </a:ln>
+                <a:solidFill>
+                  <a:srgbClr val="009900"/>
+                </a:solidFill>
+                <a:effectLst/>
+                <a:latin typeface="Consolas" pitchFamily="49" charset="0"/>
+                <a:ea typeface="新細明體" pitchFamily="18" charset="-120"/>
+                <a:cs typeface="Consolas" pitchFamily="49" charset="0"/>
+              </a:rPr>
+              <a:t>6</a:t>
+            </a:r>
+            <a:endParaRPr kumimoji="1" lang="zh-TW" altLang="zh-TW" sz="6600" b="0" i="0" u="none" strike="noStrike" cap="none" normalizeH="0" baseline="0" dirty="0" smtClean="0">
+              <a:ln>
+                <a:noFill/>
+              </a:ln>
+              <a:solidFill>
+                <a:schemeClr val="tx1"/>
+              </a:solidFill>
+              <a:effectLst/>
+              <a:latin typeface="Arial" pitchFamily="34" charset="0"/>
+              <a:ea typeface="新細明體" pitchFamily="18" charset="-120"/>
+              <a:cs typeface="新細明體" pitchFamily="18" charset="-120"/>
+            </a:endParaRPr>
+          </a:p>
+        </p:txBody>
+      </p:sp>
+      <p:sp>
+        <p:nvSpPr>
+          <p:cNvPr id="8" name="Rectangle 3"/>
+          <p:cNvSpPr>
+            <a:spLocks noChangeArrowheads="1"/>
+          </p:cNvSpPr>
+          <p:nvPr/>
+        </p:nvSpPr>
+        <p:spPr bwMode="auto">
+          <a:xfrm>
+            <a:off x="56613" y="3389654"/>
+            <a:ext cx="9409627" cy="1969770"/>
+          </a:xfrm>
+          <a:prstGeom prst="rect">
+            <a:avLst/>
+          </a:prstGeom>
+          <a:noFill/>
+          <a:ln>
+            <a:noFill/>
+          </a:ln>
+          <a:effectLst/>
+          <a:extLst>
+            <a:ext uri="{909E8E84-426E-40DD-AFC4-6F175D3DCCD1}">
+              <a14:hiddenFill xmlns:a14="http://schemas.microsoft.com/office/drawing/2010/main">
+                <a:solidFill>
+                  <a:schemeClr val="accent1"/>
+                </a:solidFill>
+              </a14:hiddenFill>
+            </a:ext>
+            <a:ext uri="{91240B29-F687-4F45-9708-019B960494DF}">
+              <a14:hiddenLine xmlns:a14="http://schemas.microsoft.com/office/drawing/2010/main" w="9525">
+                <a:solidFill>
+                  <a:schemeClr val="tx1"/>
+                </a:solidFill>
+                <a:miter lim="800000"/>
+                <a:headEnd/>
+                <a:tailEnd/>
+              </a14:hiddenLine>
+            </a:ext>
+            <a:ext uri="{AF507438-7753-43E0-B8FC-AC1667EBCBE1}">
+              <a14:hiddenEffects xmlns:a14="http://schemas.microsoft.com/office/drawing/2010/main">
+                <a:effectLst>
+                  <a:outerShdw dist="35921" dir="2700000" algn="ctr" rotWithShape="0">
+                    <a:schemeClr val="bg2"/>
+                  </a:outerShdw>
+                </a:effectLst>
+              </a14:hiddenEffects>
+            </a:ext>
+          </a:extLst>
+        </p:spPr>
+        <p:txBody>
+          <a:bodyPr vert="horz" wrap="none" lIns="0" tIns="0" rIns="0" bIns="0" numCol="1" anchor="ctr" anchorCtr="0" compatLnSpc="1">
+            <a:prstTxWarp prst="textNoShape">
+              <a:avLst/>
+            </a:prstTxWarp>
+            <a:spAutoFit/>
+          </a:bodyPr>
+          <a:lstStyle>
+            <a:lvl1pPr fontAlgn="base">
+              <a:spcBef>
+                <a:spcPct val="0"/>
+              </a:spcBef>
+              <a:spcAft>
+                <a:spcPct val="0"/>
+              </a:spcAft>
+              <a:defRPr kumimoji="1">
+                <a:solidFill>
+                  <a:schemeClr val="tx1"/>
+                </a:solidFill>
+                <a:latin typeface="Arial" pitchFamily="34" charset="0"/>
+                <a:ea typeface="新細明體" pitchFamily="18" charset="-120"/>
+                <a:cs typeface="新細明體" pitchFamily="18" charset="-120"/>
+              </a:defRPr>
+            </a:lvl1pPr>
+            <a:lvl2pPr fontAlgn="base">
+              <a:spcBef>
+                <a:spcPct val="0"/>
+              </a:spcBef>
+              <a:spcAft>
+                <a:spcPct val="0"/>
+              </a:spcAft>
+              <a:defRPr kumimoji="1">
+                <a:solidFill>
+                  <a:schemeClr val="tx1"/>
+                </a:solidFill>
+                <a:latin typeface="Arial" pitchFamily="34" charset="0"/>
+                <a:ea typeface="新細明體" pitchFamily="18" charset="-120"/>
+                <a:cs typeface="新細明體" pitchFamily="18" charset="-120"/>
+              </a:defRPr>
+            </a:lvl2pPr>
+            <a:lvl3pPr fontAlgn="base">
+              <a:spcBef>
+                <a:spcPct val="0"/>
+              </a:spcBef>
+              <a:spcAft>
+                <a:spcPct val="0"/>
+              </a:spcAft>
+              <a:defRPr kumimoji="1">
+                <a:solidFill>
+                  <a:schemeClr val="tx1"/>
+                </a:solidFill>
+                <a:latin typeface="Arial" pitchFamily="34" charset="0"/>
+                <a:ea typeface="新細明體" pitchFamily="18" charset="-120"/>
+                <a:cs typeface="新細明體" pitchFamily="18" charset="-120"/>
+              </a:defRPr>
+            </a:lvl3pPr>
+            <a:lvl4pPr fontAlgn="base">
+              <a:spcBef>
+                <a:spcPct val="0"/>
+              </a:spcBef>
+              <a:spcAft>
+                <a:spcPct val="0"/>
+              </a:spcAft>
+              <a:defRPr kumimoji="1">
+                <a:solidFill>
+                  <a:schemeClr val="tx1"/>
+                </a:solidFill>
+                <a:latin typeface="Arial" pitchFamily="34" charset="0"/>
+                <a:ea typeface="新細明體" pitchFamily="18" charset="-120"/>
+                <a:cs typeface="新細明體" pitchFamily="18" charset="-120"/>
+              </a:defRPr>
+            </a:lvl4pPr>
+            <a:lvl5pPr fontAlgn="base">
+              <a:spcBef>
+                <a:spcPct val="0"/>
+              </a:spcBef>
+              <a:spcAft>
+                <a:spcPct val="0"/>
+              </a:spcAft>
+              <a:defRPr kumimoji="1">
+                <a:solidFill>
+                  <a:schemeClr val="tx1"/>
+                </a:solidFill>
+                <a:latin typeface="Arial" pitchFamily="34" charset="0"/>
+                <a:ea typeface="新細明體" pitchFamily="18" charset="-120"/>
+                <a:cs typeface="新細明體" pitchFamily="18" charset="-120"/>
+              </a:defRPr>
+            </a:lvl5pPr>
+            <a:lvl6pPr fontAlgn="base">
+              <a:spcBef>
+                <a:spcPct val="0"/>
+              </a:spcBef>
+              <a:spcAft>
+                <a:spcPct val="0"/>
+              </a:spcAft>
+              <a:defRPr kumimoji="1">
+                <a:solidFill>
+                  <a:schemeClr val="tx1"/>
+                </a:solidFill>
+                <a:latin typeface="Arial" pitchFamily="34" charset="0"/>
+                <a:ea typeface="新細明體" pitchFamily="18" charset="-120"/>
+                <a:cs typeface="新細明體" pitchFamily="18" charset="-120"/>
+              </a:defRPr>
+            </a:lvl6pPr>
+            <a:lvl7pPr fontAlgn="base">
+              <a:spcBef>
+                <a:spcPct val="0"/>
+              </a:spcBef>
+              <a:spcAft>
+                <a:spcPct val="0"/>
+              </a:spcAft>
+              <a:defRPr kumimoji="1">
+                <a:solidFill>
+                  <a:schemeClr val="tx1"/>
+                </a:solidFill>
+                <a:latin typeface="Arial" pitchFamily="34" charset="0"/>
+                <a:ea typeface="新細明體" pitchFamily="18" charset="-120"/>
+                <a:cs typeface="新細明體" pitchFamily="18" charset="-120"/>
+              </a:defRPr>
+            </a:lvl7pPr>
+            <a:lvl8pPr fontAlgn="base">
+              <a:spcBef>
+                <a:spcPct val="0"/>
+              </a:spcBef>
+              <a:spcAft>
+                <a:spcPct val="0"/>
+              </a:spcAft>
+              <a:defRPr kumimoji="1">
+                <a:solidFill>
+                  <a:schemeClr val="tx1"/>
+                </a:solidFill>
+                <a:latin typeface="Arial" pitchFamily="34" charset="0"/>
+                <a:ea typeface="新細明體" pitchFamily="18" charset="-120"/>
+                <a:cs typeface="新細明體" pitchFamily="18" charset="-120"/>
+              </a:defRPr>
+            </a:lvl8pPr>
+            <a:lvl9pPr fontAlgn="base">
+              <a:spcBef>
+                <a:spcPct val="0"/>
+              </a:spcBef>
+              <a:spcAft>
+                <a:spcPct val="0"/>
+              </a:spcAft>
+              <a:defRPr kumimoji="1">
+                <a:solidFill>
+                  <a:schemeClr val="tx1"/>
+                </a:solidFill>
+                <a:latin typeface="Arial" pitchFamily="34" charset="0"/>
+                <a:ea typeface="新細明體" pitchFamily="18" charset="-120"/>
+                <a:cs typeface="新細明體" pitchFamily="18" charset="-120"/>
+              </a:defRPr>
+            </a:lvl9pPr>
+          </a:lstStyle>
+          <a:p>
+            <a:pPr marL="0" marR="0" lvl="0" indent="0" algn="l" defTabSz="914400" rtl="0" eaLnBrk="1" fontAlgn="base" latinLnBrk="0" hangingPunct="1">
+              <a:lnSpc>
+                <a:spcPct val="100000"/>
+              </a:lnSpc>
+              <a:spcBef>
+                <a:spcPct val="0"/>
+              </a:spcBef>
+              <a:spcAft>
+                <a:spcPct val="0"/>
+              </a:spcAft>
+              <a:buClrTx/>
+              <a:buSzTx/>
+              <a:buFontTx/>
+              <a:buNone/>
+              <a:tabLst/>
+            </a:pPr>
+            <a:r>
+              <a:rPr kumimoji="1" lang="zh-TW" altLang="zh-TW" sz="3200" b="0" i="0" u="none" strike="noStrike" cap="none" normalizeH="0" baseline="0" dirty="0" smtClean="0">
+                <a:ln>
+                  <a:noFill/>
+                </a:ln>
+                <a:solidFill>
+                  <a:srgbClr val="000000"/>
+                </a:solidFill>
+                <a:effectLst/>
+                <a:latin typeface="Consolas" pitchFamily="49" charset="0"/>
+                <a:ea typeface="新細明體" pitchFamily="18" charset="-120"/>
+                <a:cs typeface="Consolas" pitchFamily="49" charset="0"/>
+              </a:rPr>
+              <a:t># coding=UTF-</a:t>
+            </a:r>
+            <a:r>
+              <a:rPr kumimoji="1" lang="zh-TW" altLang="zh-TW" sz="3200" b="0" i="0" u="none" strike="noStrike" cap="none" normalizeH="0" baseline="0" dirty="0" smtClean="0">
+                <a:ln>
+                  <a:noFill/>
+                </a:ln>
+                <a:solidFill>
+                  <a:srgbClr val="009900"/>
+                </a:solidFill>
+                <a:effectLst/>
+                <a:latin typeface="Consolas" pitchFamily="49" charset="0"/>
+                <a:ea typeface="新細明體" pitchFamily="18" charset="-120"/>
+                <a:cs typeface="Consolas" pitchFamily="49" charset="0"/>
+              </a:rPr>
+              <a:t>8</a:t>
+            </a:r>
+            <a:endParaRPr kumimoji="1" lang="zh-TW" altLang="zh-TW" sz="4800" b="0" i="0" u="none" strike="noStrike" cap="none" normalizeH="0" baseline="0" dirty="0" smtClean="0">
+              <a:ln>
+                <a:noFill/>
+              </a:ln>
+              <a:solidFill>
+                <a:schemeClr val="tx1"/>
+              </a:solidFill>
+              <a:effectLst/>
+              <a:latin typeface="Arial" pitchFamily="34" charset="0"/>
+              <a:ea typeface="新細明體" pitchFamily="18" charset="-120"/>
+              <a:cs typeface="新細明體" pitchFamily="18" charset="-120"/>
+            </a:endParaRPr>
+          </a:p>
+          <a:p>
+            <a:pPr marL="0" marR="0" lvl="0" indent="0" algn="l" defTabSz="914400" rtl="0" eaLnBrk="0" fontAlgn="base" latinLnBrk="0" hangingPunct="0">
+              <a:lnSpc>
+                <a:spcPct val="100000"/>
+              </a:lnSpc>
+              <a:spcBef>
+                <a:spcPct val="0"/>
+              </a:spcBef>
+              <a:spcAft>
+                <a:spcPct val="0"/>
+              </a:spcAft>
+              <a:buClrTx/>
+              <a:buSzTx/>
+              <a:buFontTx/>
+              <a:buNone/>
+              <a:tabLst/>
+            </a:pPr>
+            <a:r>
+              <a:rPr kumimoji="1" lang="zh-TW" altLang="zh-TW" sz="3200" b="0" i="0" u="none" strike="noStrike" cap="none" normalizeH="0" baseline="0" dirty="0" smtClean="0">
+                <a:ln>
+                  <a:noFill/>
+                </a:ln>
+                <a:solidFill>
+                  <a:srgbClr val="000000"/>
+                </a:solidFill>
+                <a:effectLst/>
+                <a:latin typeface="Consolas" pitchFamily="49" charset="0"/>
+                <a:ea typeface="新細明體" pitchFamily="18" charset="-120"/>
+                <a:cs typeface="Consolas" pitchFamily="49" charset="0"/>
+              </a:rPr>
+              <a:t>text = u</a:t>
+            </a:r>
+            <a:r>
+              <a:rPr kumimoji="1" lang="zh-TW" altLang="zh-TW" sz="3200" b="0" i="0" u="none" strike="noStrike" cap="none" normalizeH="0" baseline="0" dirty="0" smtClean="0">
+                <a:ln>
+                  <a:noFill/>
+                </a:ln>
+                <a:solidFill>
+                  <a:srgbClr val="0000FF"/>
+                </a:solidFill>
+                <a:effectLst/>
+                <a:latin typeface="Consolas" pitchFamily="49" charset="0"/>
+                <a:ea typeface="新細明體" pitchFamily="18" charset="-120"/>
+                <a:cs typeface="Consolas" pitchFamily="49" charset="0"/>
+              </a:rPr>
+              <a:t>'測試'</a:t>
+            </a:r>
+            <a:endParaRPr kumimoji="1" lang="zh-TW" altLang="zh-TW" sz="4800" b="0" i="0" u="none" strike="noStrike" cap="none" normalizeH="0" baseline="0" dirty="0" smtClean="0">
+              <a:ln>
+                <a:noFill/>
+              </a:ln>
+              <a:solidFill>
+                <a:schemeClr val="tx1"/>
+              </a:solidFill>
+              <a:effectLst/>
+              <a:latin typeface="Arial" pitchFamily="34" charset="0"/>
+              <a:ea typeface="新細明體" pitchFamily="18" charset="-120"/>
+              <a:cs typeface="新細明體" pitchFamily="18" charset="-120"/>
+            </a:endParaRPr>
+          </a:p>
+          <a:p>
+            <a:pPr marL="0" marR="0" lvl="0" indent="0" algn="l" defTabSz="914400" rtl="0" eaLnBrk="0" fontAlgn="base" latinLnBrk="0" hangingPunct="0">
+              <a:lnSpc>
+                <a:spcPct val="100000"/>
+              </a:lnSpc>
+              <a:spcBef>
+                <a:spcPct val="0"/>
+              </a:spcBef>
+              <a:spcAft>
+                <a:spcPct val="0"/>
+              </a:spcAft>
+              <a:buClrTx/>
+              <a:buSzTx/>
+              <a:buFontTx/>
+              <a:buNone/>
+              <a:tabLst/>
+            </a:pPr>
+            <a:r>
+              <a:rPr kumimoji="1" lang="zh-TW" altLang="zh-TW" sz="3200" b="0" i="0" u="none" strike="noStrike" cap="none" normalizeH="0" baseline="0" dirty="0" smtClean="0">
+                <a:ln>
+                  <a:noFill/>
+                </a:ln>
+                <a:solidFill>
+                  <a:srgbClr val="000000"/>
+                </a:solidFill>
+                <a:effectLst/>
+                <a:latin typeface="Consolas" pitchFamily="49" charset="0"/>
+                <a:ea typeface="新細明體" pitchFamily="18" charset="-120"/>
+                <a:cs typeface="Consolas" pitchFamily="49" charset="0"/>
+              </a:rPr>
+              <a:t>print type(text) # 顯示 </a:t>
+            </a:r>
+            <a:r>
+              <a:rPr kumimoji="1" lang="zh-TW" altLang="zh-TW" sz="3200" b="0" i="0" u="none" strike="noStrike" cap="none" normalizeH="0" baseline="0" dirty="0" smtClean="0">
+                <a:ln>
+                  <a:noFill/>
+                </a:ln>
+                <a:solidFill>
+                  <a:srgbClr val="0000FF"/>
+                </a:solidFill>
+                <a:effectLst/>
+                <a:latin typeface="Consolas" pitchFamily="49" charset="0"/>
+                <a:ea typeface="新細明體" pitchFamily="18" charset="-120"/>
+                <a:cs typeface="Consolas" pitchFamily="49" charset="0"/>
+              </a:rPr>
+              <a:t>"&lt;type 'unicode'&gt;"</a:t>
+            </a:r>
+            <a:endParaRPr kumimoji="1" lang="zh-TW" altLang="zh-TW" sz="4800" b="0" i="0" u="none" strike="noStrike" cap="none" normalizeH="0" baseline="0" dirty="0" smtClean="0">
+              <a:ln>
+                <a:noFill/>
+              </a:ln>
+              <a:solidFill>
+                <a:schemeClr val="tx1"/>
+              </a:solidFill>
+              <a:effectLst/>
+              <a:latin typeface="Arial" pitchFamily="34" charset="0"/>
+              <a:ea typeface="新細明體" pitchFamily="18" charset="-120"/>
+              <a:cs typeface="新細明體" pitchFamily="18" charset="-120"/>
+            </a:endParaRPr>
+          </a:p>
+          <a:p>
+            <a:pPr marL="0" marR="0" lvl="0" indent="0" algn="l" defTabSz="914400" rtl="0" eaLnBrk="0" fontAlgn="base" latinLnBrk="0" hangingPunct="0">
+              <a:lnSpc>
+                <a:spcPct val="100000"/>
+              </a:lnSpc>
+              <a:spcBef>
+                <a:spcPct val="0"/>
+              </a:spcBef>
+              <a:spcAft>
+                <a:spcPct val="0"/>
+              </a:spcAft>
+              <a:buClrTx/>
+              <a:buSzTx/>
+              <a:buFontTx/>
+              <a:buNone/>
+              <a:tabLst/>
+            </a:pPr>
+            <a:r>
+              <a:rPr kumimoji="1" lang="zh-TW" altLang="zh-TW" sz="3200" b="0" i="0" u="none" strike="noStrike" cap="none" normalizeH="0" baseline="0" dirty="0" smtClean="0">
+                <a:ln>
+                  <a:noFill/>
+                </a:ln>
+                <a:solidFill>
+                  <a:srgbClr val="000000"/>
+                </a:solidFill>
+                <a:effectLst/>
+                <a:latin typeface="Consolas" pitchFamily="49" charset="0"/>
+                <a:ea typeface="新細明體" pitchFamily="18" charset="-120"/>
+                <a:cs typeface="Consolas" pitchFamily="49" charset="0"/>
+              </a:rPr>
+              <a:t>print len(text) # 顯示 </a:t>
+            </a:r>
+            <a:r>
+              <a:rPr kumimoji="1" lang="zh-TW" altLang="zh-TW" sz="3200" b="0" i="0" u="none" strike="noStrike" cap="none" normalizeH="0" baseline="0" dirty="0" smtClean="0">
+                <a:ln>
+                  <a:noFill/>
+                </a:ln>
+                <a:solidFill>
+                  <a:srgbClr val="009900"/>
+                </a:solidFill>
+                <a:effectLst/>
+                <a:latin typeface="Consolas" pitchFamily="49" charset="0"/>
+                <a:ea typeface="新細明體" pitchFamily="18" charset="-120"/>
+                <a:cs typeface="Consolas" pitchFamily="49" charset="0"/>
+              </a:rPr>
+              <a:t>2</a:t>
+            </a:r>
+            <a:endParaRPr kumimoji="1" lang="zh-TW" altLang="zh-TW" sz="6600" b="0" i="0" u="none" strike="noStrike" cap="none" normalizeH="0" baseline="0" dirty="0" smtClean="0">
+              <a:ln>
+                <a:noFill/>
+              </a:ln>
+              <a:solidFill>
+                <a:schemeClr val="tx1"/>
+              </a:solidFill>
+              <a:effectLst/>
+              <a:latin typeface="Arial" pitchFamily="34" charset="0"/>
+              <a:ea typeface="新細明體" pitchFamily="18" charset="-120"/>
+              <a:cs typeface="新細明體" pitchFamily="18" charset="-120"/>
+            </a:endParaRPr>
           </a:p>
         </p:txBody>
       </p:sp>
     </p:spTree>
+    <p:extLst>
+      <p:ext uri="{BB962C8B-B14F-4D97-AF65-F5344CB8AC3E}">
+        <p14:creationId xmlns:p14="http://schemas.microsoft.com/office/powerpoint/2010/main" val="3852701643"/>
+      </p:ext>
+    </p:extLst>
   </p:cSld>
   <p:clrMapOvr>
     <a:masterClrMapping/>
   </p:clrMapOvr>
+  <p:timing>
+    <p:tnLst>
+      <p:par>
+        <p:cTn id="1" dur="indefinite" restart="never" nodeType="tmRoot"/>
+      </p:par>
+    </p:tnLst>
+  </p:timing>
+</p:sld>
+</file>
+
+<file path=ppt/slides/slide17.xml><?xml version="1.0" encoding="utf-8"?>
+<p:sld xmlns:a="http://schemas.openxmlformats.org/drawingml/2006/main" xmlns:r="http://schemas.openxmlformats.org/officeDocument/2006/relationships" xmlns:p="http://schemas.openxmlformats.org/presentationml/2006/main">
+  <p:cSld>
+    <p:spTree>
+      <p:nvGrpSpPr>
+        <p:cNvPr id="1" name=""/>
+        <p:cNvGrpSpPr/>
+        <p:nvPr/>
+      </p:nvGrpSpPr>
+      <p:grpSpPr>
+        <a:xfrm>
+          <a:off x="0" y="0"/>
+          <a:ext cx="0" cy="0"/>
+          <a:chOff x="0" y="0"/>
+          <a:chExt cx="0" cy="0"/>
+        </a:xfrm>
+      </p:grpSpPr>
+      <p:sp>
+        <p:nvSpPr>
+          <p:cNvPr id="2" name="標題 1"/>
+          <p:cNvSpPr>
+            <a:spLocks noGrp="1"/>
+          </p:cNvSpPr>
+          <p:nvPr>
+            <p:ph type="title"/>
+          </p:nvPr>
+        </p:nvSpPr>
+        <p:spPr/>
+        <p:txBody>
+          <a:bodyPr/>
+          <a:lstStyle/>
+          <a:p>
+            <a:r>
+              <a:rPr lang="en-US" altLang="zh-TW" dirty="0" smtClean="0">
+                <a:latin typeface="Noto Sans CJK TC Regular" pitchFamily="34" charset="-120"/>
+                <a:ea typeface="Noto Sans CJK TC Regular"/>
+              </a:rPr>
+              <a:t>Python2</a:t>
+            </a:r>
+            <a:r>
+              <a:rPr lang="zh-TW" altLang="en-US" dirty="0" smtClean="0">
+                <a:latin typeface="Noto Sans CJK TC Regular" pitchFamily="34" charset="-120"/>
+                <a:ea typeface="Noto Sans CJK TC Regular"/>
+              </a:rPr>
+              <a:t>與</a:t>
+            </a:r>
+            <a:r>
+              <a:rPr lang="en-US" altLang="zh-TW" dirty="0" smtClean="0">
+                <a:latin typeface="Noto Sans CJK TC Regular" pitchFamily="34" charset="-120"/>
+                <a:ea typeface="Noto Sans CJK TC Regular"/>
+              </a:rPr>
+              <a:t>Python</a:t>
+            </a:r>
+            <a:r>
+              <a:rPr lang="en-US" altLang="zh-TW" dirty="0" smtClean="0">
+                <a:latin typeface="Noto Sans CJK TC Regular" pitchFamily="34" charset="-120"/>
+                <a:ea typeface="Noto Sans CJK TC Regular"/>
+              </a:rPr>
+              <a:t>3</a:t>
+            </a:r>
+            <a:r>
+              <a:rPr lang="zh-TW" altLang="en-US" dirty="0" smtClean="0">
+                <a:latin typeface="Noto Sans CJK TC Regular" pitchFamily="34" charset="-120"/>
+                <a:ea typeface="Noto Sans CJK TC Regular"/>
+              </a:rPr>
+              <a:t>的不同</a:t>
+            </a:r>
+            <a:endParaRPr lang="zh-TW" altLang="en-US" dirty="0">
+              <a:latin typeface="Noto Sans CJK TC Regular" pitchFamily="34" charset="-120"/>
+              <a:ea typeface="Noto Sans CJK TC Regular"/>
+            </a:endParaRPr>
+          </a:p>
+        </p:txBody>
+      </p:sp>
+      <p:sp>
+        <p:nvSpPr>
+          <p:cNvPr id="3" name="內容版面配置區 2"/>
+          <p:cNvSpPr>
+            <a:spLocks noGrp="1"/>
+          </p:cNvSpPr>
+          <p:nvPr>
+            <p:ph idx="1"/>
+          </p:nvPr>
+        </p:nvSpPr>
+        <p:spPr>
+          <a:xfrm>
+            <a:off x="838200" y="1825624"/>
+            <a:ext cx="10515600" cy="5032375"/>
+          </a:xfrm>
+        </p:spPr>
+        <p:txBody>
+          <a:bodyPr>
+            <a:normAutofit/>
+          </a:bodyPr>
+          <a:lstStyle/>
+          <a:p>
+            <a:r>
+              <a:rPr lang="en-US" altLang="zh-TW" sz="3600" dirty="0" smtClean="0">
+                <a:solidFill>
+                  <a:srgbClr val="FF0000"/>
+                </a:solidFill>
+                <a:latin typeface="Noto Sans CJK TC Regular" pitchFamily="34" charset="-120"/>
+                <a:ea typeface="Noto Sans CJK TC Regular"/>
+              </a:rPr>
+              <a:t>Python2</a:t>
+            </a:r>
+            <a:r>
+              <a:rPr lang="zh-TW" altLang="en-US" sz="3600" dirty="0" smtClean="0">
+                <a:latin typeface="Noto Sans CJK TC Regular" pitchFamily="34" charset="-120"/>
+                <a:ea typeface="Noto Sans CJK TC Regular"/>
+              </a:rPr>
+              <a:t>以</a:t>
+            </a:r>
+            <a:r>
+              <a:rPr lang="en-US" altLang="zh-TW" sz="3600" dirty="0">
+                <a:solidFill>
+                  <a:srgbClr val="FF0000"/>
+                </a:solidFill>
+                <a:ea typeface="Noto Sans CJK TC Regular"/>
+              </a:rPr>
+              <a:t>ASCII </a:t>
+            </a:r>
+            <a:r>
+              <a:rPr lang="zh-TW" altLang="en-US" sz="3600" dirty="0">
+                <a:solidFill>
+                  <a:srgbClr val="FF0000"/>
+                </a:solidFill>
+                <a:ea typeface="Noto Sans CJK TC Regular"/>
+              </a:rPr>
+              <a:t>編碼</a:t>
+            </a:r>
+            <a:r>
+              <a:rPr lang="zh-TW" altLang="en-US" sz="3600" dirty="0">
+                <a:ea typeface="Noto Sans CJK TC Regular"/>
+              </a:rPr>
+              <a:t>來解讀</a:t>
+            </a:r>
+            <a:r>
+              <a:rPr lang="zh-TW" altLang="en-US" sz="3600" dirty="0" smtClean="0">
+                <a:ea typeface="Noto Sans CJK TC Regular"/>
+              </a:rPr>
+              <a:t>原始碼</a:t>
+            </a:r>
+            <a:endParaRPr lang="en-US" altLang="zh-TW" sz="3600" dirty="0" smtClean="0">
+              <a:ea typeface="Noto Sans CJK TC Regular"/>
+            </a:endParaRPr>
+          </a:p>
+          <a:p>
+            <a:r>
+              <a:rPr lang="en-US" altLang="zh-TW" sz="3600" dirty="0" err="1" smtClean="0">
+                <a:ea typeface="Noto Sans CJK TC Regular"/>
+              </a:rPr>
+              <a:t>Str</a:t>
+            </a:r>
+            <a:r>
+              <a:rPr lang="zh-TW" altLang="en-US" sz="3600" dirty="0" smtClean="0">
+                <a:ea typeface="Noto Sans CJK TC Regular"/>
+              </a:rPr>
+              <a:t>代表位元組序列</a:t>
+            </a:r>
+            <a:endParaRPr lang="en-US" altLang="zh-TW" sz="3600" dirty="0" smtClean="0">
+              <a:ea typeface="Noto Sans CJK TC Regular"/>
+            </a:endParaRPr>
+          </a:p>
+          <a:p>
+            <a:r>
+              <a:rPr lang="en-US" altLang="zh-TW" sz="3600" dirty="0" smtClean="0">
+                <a:solidFill>
+                  <a:srgbClr val="FF0000"/>
+                </a:solidFill>
+                <a:latin typeface="Noto Sans CJK TC Regular" pitchFamily="34" charset="-120"/>
+                <a:ea typeface="Noto Sans CJK TC Regular"/>
+              </a:rPr>
+              <a:t>Python3</a:t>
+            </a:r>
+            <a:r>
+              <a:rPr lang="zh-TW" altLang="en-US" sz="3600" dirty="0" smtClean="0">
+                <a:latin typeface="Noto Sans CJK TC Regular" pitchFamily="34" charset="-120"/>
+                <a:ea typeface="Noto Sans CJK TC Regular"/>
+              </a:rPr>
+              <a:t>以</a:t>
+            </a:r>
+            <a:r>
+              <a:rPr lang="en-US" altLang="zh-TW" sz="3600" dirty="0" smtClean="0">
+                <a:solidFill>
+                  <a:srgbClr val="FF0000"/>
+                </a:solidFill>
+                <a:ea typeface="Noto Sans CJK TC Regular"/>
+              </a:rPr>
+              <a:t>UTF-8 </a:t>
+            </a:r>
+            <a:r>
+              <a:rPr lang="zh-TW" altLang="en-US" sz="3600" dirty="0">
+                <a:solidFill>
+                  <a:srgbClr val="FF0000"/>
+                </a:solidFill>
+                <a:ea typeface="Noto Sans CJK TC Regular"/>
+              </a:rPr>
+              <a:t>編碼</a:t>
+            </a:r>
+            <a:r>
+              <a:rPr lang="zh-TW" altLang="en-US" sz="3600" dirty="0">
+                <a:ea typeface="Noto Sans CJK TC Regular"/>
+              </a:rPr>
+              <a:t>來解讀</a:t>
+            </a:r>
+            <a:r>
+              <a:rPr lang="zh-TW" altLang="en-US" sz="3600" dirty="0" smtClean="0">
+                <a:ea typeface="Noto Sans CJK TC Regular"/>
+              </a:rPr>
+              <a:t>原始碼</a:t>
+            </a:r>
+            <a:endParaRPr lang="en-US" altLang="zh-TW" sz="3600" dirty="0" smtClean="0">
+              <a:ea typeface="Noto Sans CJK TC Regular"/>
+            </a:endParaRPr>
+          </a:p>
+          <a:p>
+            <a:r>
+              <a:rPr lang="en-US" altLang="zh-TW" sz="3600" dirty="0" err="1" smtClean="0">
+                <a:ea typeface="Noto Sans CJK TC Regular"/>
+              </a:rPr>
+              <a:t>Str</a:t>
+            </a:r>
+            <a:r>
+              <a:rPr lang="zh-TW" altLang="en-US" sz="3600" dirty="0" smtClean="0">
+                <a:ea typeface="Noto Sans CJK TC Regular"/>
+              </a:rPr>
+              <a:t>代表</a:t>
+            </a:r>
+            <a:r>
+              <a:rPr lang="en-US" altLang="zh-TW" sz="3600" dirty="0" smtClean="0">
+                <a:ea typeface="Noto Sans CJK TC Regular"/>
+              </a:rPr>
+              <a:t>Unicode</a:t>
+            </a:r>
+            <a:endParaRPr lang="en-US" altLang="zh-TW" sz="3600" dirty="0">
+              <a:ea typeface="Noto Sans CJK TC Regular"/>
+            </a:endParaRPr>
+          </a:p>
+          <a:p>
+            <a:endParaRPr lang="en-US" altLang="zh-TW" sz="3600" dirty="0" smtClean="0">
+              <a:ea typeface="Noto Sans CJK TC Regular"/>
+            </a:endParaRPr>
+          </a:p>
+          <a:p>
+            <a:endParaRPr lang="en-US" altLang="zh-TW" sz="3600" dirty="0">
+              <a:latin typeface="Noto Sans CJK TC Regular" pitchFamily="34" charset="-120"/>
+              <a:ea typeface="Noto Sans CJK TC Regular"/>
+            </a:endParaRPr>
+          </a:p>
+        </p:txBody>
+      </p:sp>
+    </p:spTree>
+    <p:extLst>
+      <p:ext uri="{BB962C8B-B14F-4D97-AF65-F5344CB8AC3E}">
+        <p14:creationId xmlns:p14="http://schemas.microsoft.com/office/powerpoint/2010/main" val="626394581"/>
+      </p:ext>
+    </p:extLst>
+  </p:cSld>
+  <p:clrMapOvr>
+    <a:masterClrMapping/>
+  </p:clrMapOvr>
+  <p:timing>
+    <p:tnLst>
+      <p:par>
+        <p:cTn id="1" dur="indefinite" restart="never" nodeType="tmRoot"/>
+      </p:par>
+    </p:tnLst>
+  </p:timing>
+</p:sld>
+</file>
+
+<file path=ppt/slides/slide18.xml><?xml version="1.0" encoding="utf-8"?>
+<p:sld xmlns:a="http://schemas.openxmlformats.org/drawingml/2006/main" xmlns:r="http://schemas.openxmlformats.org/officeDocument/2006/relationships" xmlns:p="http://schemas.openxmlformats.org/presentationml/2006/main">
+  <p:cSld>
+    <p:spTree>
+      <p:nvGrpSpPr>
+        <p:cNvPr id="1" name=""/>
+        <p:cNvGrpSpPr/>
+        <p:nvPr/>
+      </p:nvGrpSpPr>
+      <p:grpSpPr>
+        <a:xfrm>
+          <a:off x="0" y="0"/>
+          <a:ext cx="0" cy="0"/>
+          <a:chOff x="0" y="0"/>
+          <a:chExt cx="0" cy="0"/>
+        </a:xfrm>
+      </p:grpSpPr>
+      <p:sp>
+        <p:nvSpPr>
+          <p:cNvPr id="2" name="標題 1"/>
+          <p:cNvSpPr>
+            <a:spLocks noGrp="1"/>
+          </p:cNvSpPr>
+          <p:nvPr>
+            <p:ph type="title"/>
+          </p:nvPr>
+        </p:nvSpPr>
+        <p:spPr/>
+        <p:txBody>
+          <a:bodyPr/>
+          <a:lstStyle/>
+          <a:p>
+            <a:r>
+              <a:rPr lang="zh-TW" altLang="en-US" dirty="0" smtClean="0">
+                <a:latin typeface="Noto Sans CJK TC Regular" pitchFamily="34" charset="-120"/>
+                <a:ea typeface="Noto Sans CJK TC Regular" pitchFamily="34" charset="-120"/>
+              </a:rPr>
+              <a:t>基本</a:t>
+            </a:r>
+            <a:r>
+              <a:rPr lang="en-US" altLang="zh-TW" dirty="0" smtClean="0">
+                <a:latin typeface="Noto Sans CJK TC Regular" pitchFamily="34" charset="-120"/>
+                <a:ea typeface="Noto Sans CJK TC Regular" pitchFamily="34" charset="-120"/>
+              </a:rPr>
+              <a:t>I/O</a:t>
+            </a:r>
+            <a:endParaRPr lang="zh-TW" altLang="en-US" dirty="0">
+              <a:latin typeface="Noto Sans CJK TC Regular" pitchFamily="34" charset="-120"/>
+              <a:ea typeface="Noto Sans CJK TC Regular" pitchFamily="34" charset="-120"/>
+            </a:endParaRPr>
+          </a:p>
+        </p:txBody>
+      </p:sp>
+      <p:sp>
+        <p:nvSpPr>
+          <p:cNvPr id="3" name="內容版面配置區 2"/>
+          <p:cNvSpPr>
+            <a:spLocks noGrp="1"/>
+          </p:cNvSpPr>
+          <p:nvPr>
+            <p:ph idx="1"/>
+          </p:nvPr>
+        </p:nvSpPr>
+        <p:spPr>
+          <a:xfrm>
+            <a:off x="838200" y="1825624"/>
+            <a:ext cx="10515600" cy="5032375"/>
+          </a:xfrm>
+        </p:spPr>
+        <p:txBody>
+          <a:bodyPr>
+            <a:normAutofit/>
+          </a:bodyPr>
+          <a:lstStyle/>
+          <a:p>
+            <a:r>
+              <a:rPr lang="zh-TW" altLang="en-US" sz="3600" dirty="0" smtClean="0">
+                <a:latin typeface="Noto Sans CJK TC Regular" pitchFamily="34" charset="-120"/>
+                <a:ea typeface="Noto Sans CJK TC Regular" pitchFamily="34" charset="-120"/>
+              </a:rPr>
+              <a:t>使用 </a:t>
+            </a:r>
+            <a:r>
+              <a:rPr lang="en-US" altLang="zh-TW" sz="3600" dirty="0">
+                <a:latin typeface="Noto Sans CJK TC Regular" pitchFamily="34" charset="-120"/>
+                <a:ea typeface="Noto Sans CJK TC Regular" pitchFamily="34" charset="-120"/>
+              </a:rPr>
+              <a:t>open </a:t>
+            </a:r>
+            <a:r>
+              <a:rPr lang="zh-TW" altLang="en-US" sz="3600" dirty="0">
+                <a:latin typeface="Noto Sans CJK TC Regular" pitchFamily="34" charset="-120"/>
+                <a:ea typeface="Noto Sans CJK TC Regular" pitchFamily="34" charset="-120"/>
+              </a:rPr>
+              <a:t>函式來開啟檔案，開啟時指定存取模式，</a:t>
+            </a:r>
+            <a:r>
+              <a:rPr lang="en-US" altLang="zh-TW" sz="3600" dirty="0">
+                <a:latin typeface="Noto Sans CJK TC Regular" pitchFamily="34" charset="-120"/>
+                <a:ea typeface="Noto Sans CJK TC Regular" pitchFamily="34" charset="-120"/>
+              </a:rPr>
+              <a:t>'r' </a:t>
+            </a:r>
+            <a:r>
+              <a:rPr lang="zh-TW" altLang="en-US" sz="3600" dirty="0">
+                <a:latin typeface="Noto Sans CJK TC Regular" pitchFamily="34" charset="-120"/>
+                <a:ea typeface="Noto Sans CJK TC Regular" pitchFamily="34" charset="-120"/>
+              </a:rPr>
+              <a:t>表示讀取，</a:t>
+            </a:r>
+            <a:r>
+              <a:rPr lang="en-US" altLang="zh-TW" sz="3600" dirty="0">
+                <a:latin typeface="Noto Sans CJK TC Regular" pitchFamily="34" charset="-120"/>
+                <a:ea typeface="Noto Sans CJK TC Regular" pitchFamily="34" charset="-120"/>
+              </a:rPr>
+              <a:t>'w' </a:t>
+            </a:r>
+            <a:r>
+              <a:rPr lang="zh-TW" altLang="en-US" sz="3600" dirty="0">
+                <a:latin typeface="Noto Sans CJK TC Regular" pitchFamily="34" charset="-120"/>
+                <a:ea typeface="Noto Sans CJK TC Regular" pitchFamily="34" charset="-120"/>
+              </a:rPr>
+              <a:t>表示寫入，</a:t>
+            </a:r>
+            <a:r>
+              <a:rPr lang="en-US" altLang="zh-TW" sz="3600" dirty="0">
+                <a:latin typeface="Noto Sans CJK TC Regular" pitchFamily="34" charset="-120"/>
+                <a:ea typeface="Noto Sans CJK TC Regular" pitchFamily="34" charset="-120"/>
+              </a:rPr>
+              <a:t>open </a:t>
+            </a:r>
+            <a:r>
+              <a:rPr lang="zh-TW" altLang="en-US" sz="3600" dirty="0">
+                <a:latin typeface="Noto Sans CJK TC Regular" pitchFamily="34" charset="-120"/>
+                <a:ea typeface="Noto Sans CJK TC Regular" pitchFamily="34" charset="-120"/>
+              </a:rPr>
+              <a:t>函式會傳回 </a:t>
+            </a:r>
+            <a:r>
+              <a:rPr lang="en-US" altLang="zh-TW" sz="3600" dirty="0">
+                <a:latin typeface="Noto Sans CJK TC Regular" pitchFamily="34" charset="-120"/>
+                <a:ea typeface="Noto Sans CJK TC Regular" pitchFamily="34" charset="-120"/>
+              </a:rPr>
+              <a:t>file </a:t>
+            </a:r>
+            <a:r>
+              <a:rPr lang="zh-TW" altLang="en-US" sz="3600" dirty="0">
+                <a:latin typeface="Noto Sans CJK TC Regular" pitchFamily="34" charset="-120"/>
+                <a:ea typeface="Noto Sans CJK TC Regular" pitchFamily="34" charset="-120"/>
+              </a:rPr>
+              <a:t>實例，使用 </a:t>
+            </a:r>
+            <a:r>
+              <a:rPr lang="en-US" altLang="zh-TW" sz="3600" dirty="0">
+                <a:latin typeface="Noto Sans CJK TC Regular" pitchFamily="34" charset="-120"/>
+                <a:ea typeface="Noto Sans CJK TC Regular" pitchFamily="34" charset="-120"/>
+              </a:rPr>
+              <a:t>read </a:t>
+            </a:r>
+            <a:r>
+              <a:rPr lang="zh-TW" altLang="en-US" sz="3600" dirty="0">
+                <a:latin typeface="Noto Sans CJK TC Regular" pitchFamily="34" charset="-120"/>
+                <a:ea typeface="Noto Sans CJK TC Regular" pitchFamily="34" charset="-120"/>
+              </a:rPr>
+              <a:t>方法可以讀取檔案內容，以 </a:t>
+            </a:r>
+            <a:r>
+              <a:rPr lang="en-US" altLang="zh-TW" sz="3600" dirty="0" err="1">
+                <a:latin typeface="Noto Sans CJK TC Regular" pitchFamily="34" charset="-120"/>
+                <a:ea typeface="Noto Sans CJK TC Regular" pitchFamily="34" charset="-120"/>
+              </a:rPr>
+              <a:t>str</a:t>
+            </a:r>
+            <a:r>
+              <a:rPr lang="en-US" altLang="zh-TW" sz="3600" dirty="0">
+                <a:latin typeface="Noto Sans CJK TC Regular" pitchFamily="34" charset="-120"/>
+                <a:ea typeface="Noto Sans CJK TC Regular" pitchFamily="34" charset="-120"/>
+              </a:rPr>
+              <a:t> </a:t>
+            </a:r>
+            <a:r>
+              <a:rPr lang="zh-TW" altLang="en-US" sz="3600" dirty="0">
+                <a:latin typeface="Noto Sans CJK TC Regular" pitchFamily="34" charset="-120"/>
+                <a:ea typeface="Noto Sans CJK TC Regular" pitchFamily="34" charset="-120"/>
+              </a:rPr>
+              <a:t>型態</a:t>
+            </a:r>
+            <a:r>
+              <a:rPr lang="zh-TW" altLang="en-US" sz="3600" dirty="0" smtClean="0">
+                <a:latin typeface="Noto Sans CJK TC Regular" pitchFamily="34" charset="-120"/>
+                <a:ea typeface="Noto Sans CJK TC Regular" pitchFamily="34" charset="-120"/>
+              </a:rPr>
+              <a:t>傳回位元組</a:t>
+            </a:r>
+            <a:r>
+              <a:rPr lang="zh-TW" altLang="en-US" sz="3600" dirty="0">
+                <a:latin typeface="Noto Sans CJK TC Regular" pitchFamily="34" charset="-120"/>
+                <a:ea typeface="Noto Sans CJK TC Regular" pitchFamily="34" charset="-120"/>
+              </a:rPr>
+              <a:t>序列</a:t>
+            </a:r>
+            <a:r>
+              <a:rPr lang="zh-TW" altLang="en-US" sz="3600" dirty="0" smtClean="0">
+                <a:latin typeface="Noto Sans CJK TC Regular" pitchFamily="34" charset="-120"/>
+                <a:ea typeface="Noto Sans CJK TC Regular" pitchFamily="34" charset="-120"/>
+              </a:rPr>
+              <a:t>。</a:t>
+            </a:r>
+            <a:endParaRPr lang="en-US" altLang="zh-TW" sz="3200" dirty="0">
+              <a:latin typeface="Noto Sans CJK TC Regular" pitchFamily="34" charset="-120"/>
+              <a:ea typeface="Noto Sans CJK TC Regular" pitchFamily="34" charset="-120"/>
+            </a:endParaRPr>
+          </a:p>
+        </p:txBody>
+      </p:sp>
+    </p:spTree>
+    <p:extLst>
+      <p:ext uri="{BB962C8B-B14F-4D97-AF65-F5344CB8AC3E}">
+        <p14:creationId xmlns:p14="http://schemas.microsoft.com/office/powerpoint/2010/main" val="2102597890"/>
+      </p:ext>
+    </p:extLst>
+  </p:cSld>
+  <p:clrMapOvr>
+    <a:masterClrMapping/>
+  </p:clrMapOvr>
+  <p:timing>
+    <p:tnLst>
+      <p:par>
+        <p:cTn id="1" dur="indefinite" restart="never" nodeType="tmRoot"/>
+      </p:par>
+    </p:tnLst>
+  </p:timing>
+</p:sld>
+</file>
+
+<file path=ppt/slides/slide19.xml><?xml version="1.0" encoding="utf-8"?>
+<p:sld xmlns:a="http://schemas.openxmlformats.org/drawingml/2006/main" xmlns:r="http://schemas.openxmlformats.org/officeDocument/2006/relationships" xmlns:p="http://schemas.openxmlformats.org/presentationml/2006/main">
+  <p:cSld>
+    <p:spTree>
+      <p:nvGrpSpPr>
+        <p:cNvPr id="1" name=""/>
+        <p:cNvGrpSpPr/>
+        <p:nvPr/>
+      </p:nvGrpSpPr>
+      <p:grpSpPr>
+        <a:xfrm>
+          <a:off x="0" y="0"/>
+          <a:ext cx="0" cy="0"/>
+          <a:chOff x="0" y="0"/>
+          <a:chExt cx="0" cy="0"/>
+        </a:xfrm>
+      </p:grpSpPr>
+      <p:sp>
+        <p:nvSpPr>
+          <p:cNvPr id="2" name="標題 1"/>
+          <p:cNvSpPr>
+            <a:spLocks noGrp="1"/>
+          </p:cNvSpPr>
+          <p:nvPr>
+            <p:ph type="title"/>
+          </p:nvPr>
+        </p:nvSpPr>
+        <p:spPr/>
+        <p:txBody>
+          <a:bodyPr/>
+          <a:lstStyle/>
+          <a:p>
+            <a:r>
+              <a:rPr lang="zh-TW" altLang="en-US" dirty="0">
+                <a:latin typeface="Noto Sans CJK TC Regular" pitchFamily="34" charset="-120"/>
+                <a:ea typeface="Noto Sans CJK TC Regular" pitchFamily="34" charset="-120"/>
+              </a:rPr>
+              <a:t>基本</a:t>
+            </a:r>
+            <a:r>
+              <a:rPr lang="en-US" altLang="zh-TW" dirty="0">
+                <a:latin typeface="Noto Sans CJK TC Regular" pitchFamily="34" charset="-120"/>
+                <a:ea typeface="Noto Sans CJK TC Regular" pitchFamily="34" charset="-120"/>
+              </a:rPr>
+              <a:t>I/O</a:t>
+            </a:r>
+            <a:endParaRPr lang="zh-TW" altLang="en-US" dirty="0">
+              <a:latin typeface="Noto Sans CJK TC Regular" pitchFamily="34" charset="-120"/>
+              <a:ea typeface="Noto Sans CJK TC Regular" pitchFamily="34" charset="-120"/>
+            </a:endParaRPr>
+          </a:p>
+        </p:txBody>
+      </p:sp>
+      <p:sp>
+        <p:nvSpPr>
+          <p:cNvPr id="3" name="內容版面配置區 2"/>
+          <p:cNvSpPr>
+            <a:spLocks noGrp="1"/>
+          </p:cNvSpPr>
+          <p:nvPr>
+            <p:ph idx="1"/>
+          </p:nvPr>
+        </p:nvSpPr>
+        <p:spPr>
+          <a:xfrm>
+            <a:off x="838200" y="1825624"/>
+            <a:ext cx="10515600" cy="5032375"/>
+          </a:xfrm>
+        </p:spPr>
+        <p:txBody>
+          <a:bodyPr>
+            <a:normAutofit/>
+          </a:bodyPr>
+          <a:lstStyle/>
+          <a:p>
+            <a:r>
+              <a:rPr lang="zh-TW" altLang="en-US" sz="3600" dirty="0" smtClean="0">
+                <a:latin typeface="Noto Sans CJK TC Regular" pitchFamily="34" charset="-120"/>
+                <a:ea typeface="Noto Sans CJK TC Regular" pitchFamily="34" charset="-120"/>
+              </a:rPr>
+              <a:t>程式範例</a:t>
+            </a:r>
+            <a:endParaRPr lang="en-US" altLang="zh-TW" sz="3200" dirty="0">
+              <a:latin typeface="Noto Sans CJK TC Regular" pitchFamily="34" charset="-120"/>
+              <a:ea typeface="Noto Sans CJK TC Regular" pitchFamily="34" charset="-120"/>
+            </a:endParaRPr>
+          </a:p>
+        </p:txBody>
+      </p:sp>
+      <p:sp>
+        <p:nvSpPr>
+          <p:cNvPr id="5" name="Rectangle 2"/>
+          <p:cNvSpPr>
+            <a:spLocks noChangeArrowheads="1"/>
+          </p:cNvSpPr>
+          <p:nvPr/>
+        </p:nvSpPr>
+        <p:spPr bwMode="auto">
+          <a:xfrm>
+            <a:off x="1473200" y="2589446"/>
+            <a:ext cx="7344959" cy="2769989"/>
+          </a:xfrm>
+          <a:prstGeom prst="rect">
+            <a:avLst/>
+          </a:prstGeom>
+          <a:noFill/>
+          <a:ln>
+            <a:noFill/>
+          </a:ln>
+          <a:effectLst/>
+          <a:extLst>
+            <a:ext uri="{909E8E84-426E-40DD-AFC4-6F175D3DCCD1}">
+              <a14:hiddenFill xmlns:a14="http://schemas.microsoft.com/office/drawing/2010/main">
+                <a:solidFill>
+                  <a:schemeClr val="accent1"/>
+                </a:solidFill>
+              </a14:hiddenFill>
+            </a:ext>
+            <a:ext uri="{91240B29-F687-4F45-9708-019B960494DF}">
+              <a14:hiddenLine xmlns:a14="http://schemas.microsoft.com/office/drawing/2010/main" w="9525">
+                <a:solidFill>
+                  <a:schemeClr val="tx1"/>
+                </a:solidFill>
+                <a:miter lim="800000"/>
+                <a:headEnd/>
+                <a:tailEnd/>
+              </a14:hiddenLine>
+            </a:ext>
+            <a:ext uri="{AF507438-7753-43E0-B8FC-AC1667EBCBE1}">
+              <a14:hiddenEffects xmlns:a14="http://schemas.microsoft.com/office/drawing/2010/main">
+                <a:effectLst>
+                  <a:outerShdw dist="35921" dir="2700000" algn="ctr" rotWithShape="0">
+                    <a:schemeClr val="bg2"/>
+                  </a:outerShdw>
+                </a:effectLst>
+              </a14:hiddenEffects>
+            </a:ext>
+          </a:extLst>
+        </p:spPr>
+        <p:txBody>
+          <a:bodyPr vert="horz" wrap="none" lIns="0" tIns="0" rIns="0" bIns="0" numCol="1" anchor="ctr" anchorCtr="0" compatLnSpc="1">
+            <a:prstTxWarp prst="textNoShape">
+              <a:avLst/>
+            </a:prstTxWarp>
+            <a:spAutoFit/>
+          </a:bodyPr>
+          <a:lstStyle>
+            <a:lvl1pPr fontAlgn="base">
+              <a:spcBef>
+                <a:spcPct val="0"/>
+              </a:spcBef>
+              <a:spcAft>
+                <a:spcPct val="0"/>
+              </a:spcAft>
+              <a:defRPr kumimoji="1">
+                <a:solidFill>
+                  <a:schemeClr val="tx1"/>
+                </a:solidFill>
+                <a:latin typeface="Arial" pitchFamily="34" charset="0"/>
+                <a:ea typeface="新細明體" pitchFamily="18" charset="-120"/>
+                <a:cs typeface="新細明體" pitchFamily="18" charset="-120"/>
+              </a:defRPr>
+            </a:lvl1pPr>
+            <a:lvl2pPr fontAlgn="base">
+              <a:spcBef>
+                <a:spcPct val="0"/>
+              </a:spcBef>
+              <a:spcAft>
+                <a:spcPct val="0"/>
+              </a:spcAft>
+              <a:defRPr kumimoji="1">
+                <a:solidFill>
+                  <a:schemeClr val="tx1"/>
+                </a:solidFill>
+                <a:latin typeface="Arial" pitchFamily="34" charset="0"/>
+                <a:ea typeface="新細明體" pitchFamily="18" charset="-120"/>
+                <a:cs typeface="新細明體" pitchFamily="18" charset="-120"/>
+              </a:defRPr>
+            </a:lvl2pPr>
+            <a:lvl3pPr fontAlgn="base">
+              <a:spcBef>
+                <a:spcPct val="0"/>
+              </a:spcBef>
+              <a:spcAft>
+                <a:spcPct val="0"/>
+              </a:spcAft>
+              <a:defRPr kumimoji="1">
+                <a:solidFill>
+                  <a:schemeClr val="tx1"/>
+                </a:solidFill>
+                <a:latin typeface="Arial" pitchFamily="34" charset="0"/>
+                <a:ea typeface="新細明體" pitchFamily="18" charset="-120"/>
+                <a:cs typeface="新細明體" pitchFamily="18" charset="-120"/>
+              </a:defRPr>
+            </a:lvl3pPr>
+            <a:lvl4pPr fontAlgn="base">
+              <a:spcBef>
+                <a:spcPct val="0"/>
+              </a:spcBef>
+              <a:spcAft>
+                <a:spcPct val="0"/>
+              </a:spcAft>
+              <a:defRPr kumimoji="1">
+                <a:solidFill>
+                  <a:schemeClr val="tx1"/>
+                </a:solidFill>
+                <a:latin typeface="Arial" pitchFamily="34" charset="0"/>
+                <a:ea typeface="新細明體" pitchFamily="18" charset="-120"/>
+                <a:cs typeface="新細明體" pitchFamily="18" charset="-120"/>
+              </a:defRPr>
+            </a:lvl4pPr>
+            <a:lvl5pPr fontAlgn="base">
+              <a:spcBef>
+                <a:spcPct val="0"/>
+              </a:spcBef>
+              <a:spcAft>
+                <a:spcPct val="0"/>
+              </a:spcAft>
+              <a:defRPr kumimoji="1">
+                <a:solidFill>
+                  <a:schemeClr val="tx1"/>
+                </a:solidFill>
+                <a:latin typeface="Arial" pitchFamily="34" charset="0"/>
+                <a:ea typeface="新細明體" pitchFamily="18" charset="-120"/>
+                <a:cs typeface="新細明體" pitchFamily="18" charset="-120"/>
+              </a:defRPr>
+            </a:lvl5pPr>
+            <a:lvl6pPr fontAlgn="base">
+              <a:spcBef>
+                <a:spcPct val="0"/>
+              </a:spcBef>
+              <a:spcAft>
+                <a:spcPct val="0"/>
+              </a:spcAft>
+              <a:defRPr kumimoji="1">
+                <a:solidFill>
+                  <a:schemeClr val="tx1"/>
+                </a:solidFill>
+                <a:latin typeface="Arial" pitchFamily="34" charset="0"/>
+                <a:ea typeface="新細明體" pitchFamily="18" charset="-120"/>
+                <a:cs typeface="新細明體" pitchFamily="18" charset="-120"/>
+              </a:defRPr>
+            </a:lvl6pPr>
+            <a:lvl7pPr fontAlgn="base">
+              <a:spcBef>
+                <a:spcPct val="0"/>
+              </a:spcBef>
+              <a:spcAft>
+                <a:spcPct val="0"/>
+              </a:spcAft>
+              <a:defRPr kumimoji="1">
+                <a:solidFill>
+                  <a:schemeClr val="tx1"/>
+                </a:solidFill>
+                <a:latin typeface="Arial" pitchFamily="34" charset="0"/>
+                <a:ea typeface="新細明體" pitchFamily="18" charset="-120"/>
+                <a:cs typeface="新細明體" pitchFamily="18" charset="-120"/>
+              </a:defRPr>
+            </a:lvl7pPr>
+            <a:lvl8pPr fontAlgn="base">
+              <a:spcBef>
+                <a:spcPct val="0"/>
+              </a:spcBef>
+              <a:spcAft>
+                <a:spcPct val="0"/>
+              </a:spcAft>
+              <a:defRPr kumimoji="1">
+                <a:solidFill>
+                  <a:schemeClr val="tx1"/>
+                </a:solidFill>
+                <a:latin typeface="Arial" pitchFamily="34" charset="0"/>
+                <a:ea typeface="新細明體" pitchFamily="18" charset="-120"/>
+                <a:cs typeface="新細明體" pitchFamily="18" charset="-120"/>
+              </a:defRPr>
+            </a:lvl8pPr>
+            <a:lvl9pPr fontAlgn="base">
+              <a:spcBef>
+                <a:spcPct val="0"/>
+              </a:spcBef>
+              <a:spcAft>
+                <a:spcPct val="0"/>
+              </a:spcAft>
+              <a:defRPr kumimoji="1">
+                <a:solidFill>
+                  <a:schemeClr val="tx1"/>
+                </a:solidFill>
+                <a:latin typeface="Arial" pitchFamily="34" charset="0"/>
+                <a:ea typeface="新細明體" pitchFamily="18" charset="-120"/>
+                <a:cs typeface="新細明體" pitchFamily="18" charset="-120"/>
+              </a:defRPr>
+            </a:lvl9pPr>
+          </a:lstStyle>
+          <a:p>
+            <a:pPr marL="0" marR="0" lvl="0" indent="0" algn="l" defTabSz="914400" rtl="0" eaLnBrk="1" fontAlgn="base" latinLnBrk="0" hangingPunct="1">
+              <a:lnSpc>
+                <a:spcPct val="100000"/>
+              </a:lnSpc>
+              <a:spcBef>
+                <a:spcPct val="0"/>
+              </a:spcBef>
+              <a:spcAft>
+                <a:spcPct val="0"/>
+              </a:spcAft>
+              <a:buClrTx/>
+              <a:buSzTx/>
+              <a:buFontTx/>
+              <a:buNone/>
+              <a:tabLst/>
+            </a:pPr>
+            <a:r>
+              <a:rPr kumimoji="1" lang="zh-TW" altLang="zh-TW" sz="3600" b="1" i="0" u="none" strike="noStrike" cap="none" normalizeH="0" baseline="0" dirty="0" smtClean="0">
+                <a:ln>
+                  <a:noFill/>
+                </a:ln>
+                <a:solidFill>
+                  <a:srgbClr val="006699"/>
+                </a:solidFill>
+                <a:effectLst/>
+                <a:latin typeface="Consolas" pitchFamily="49" charset="0"/>
+                <a:ea typeface="新細明體" pitchFamily="18" charset="-120"/>
+                <a:cs typeface="Consolas" pitchFamily="49" charset="0"/>
+              </a:rPr>
+              <a:t>import</a:t>
+            </a:r>
+            <a:r>
+              <a:rPr kumimoji="1" lang="zh-TW" altLang="zh-TW" sz="3600" b="0" i="0" u="none" strike="noStrike" cap="none" normalizeH="0" baseline="0" dirty="0" smtClean="0">
+                <a:ln>
+                  <a:noFill/>
+                </a:ln>
+                <a:solidFill>
+                  <a:srgbClr val="000000"/>
+                </a:solidFill>
+                <a:effectLst/>
+                <a:latin typeface="Consolas" pitchFamily="49" charset="0"/>
+                <a:ea typeface="新細明體" pitchFamily="18" charset="-120"/>
+                <a:cs typeface="Consolas" pitchFamily="49" charset="0"/>
+              </a:rPr>
+              <a:t> sys</a:t>
+            </a:r>
+            <a:endParaRPr kumimoji="1" lang="zh-TW" altLang="zh-TW" sz="5400" b="0" i="0" u="none" strike="noStrike" cap="none" normalizeH="0" baseline="0" dirty="0" smtClean="0">
+              <a:ln>
+                <a:noFill/>
+              </a:ln>
+              <a:solidFill>
+                <a:schemeClr val="tx1"/>
+              </a:solidFill>
+              <a:effectLst/>
+              <a:latin typeface="Arial" pitchFamily="34" charset="0"/>
+              <a:ea typeface="新細明體" pitchFamily="18" charset="-120"/>
+              <a:cs typeface="新細明體" pitchFamily="18" charset="-120"/>
+            </a:endParaRPr>
+          </a:p>
+          <a:p>
+            <a:pPr marL="0" marR="0" lvl="0" indent="0" algn="l" defTabSz="914400" rtl="0" eaLnBrk="0" fontAlgn="base" latinLnBrk="0" hangingPunct="0">
+              <a:lnSpc>
+                <a:spcPct val="100000"/>
+              </a:lnSpc>
+              <a:spcBef>
+                <a:spcPct val="0"/>
+              </a:spcBef>
+              <a:spcAft>
+                <a:spcPct val="0"/>
+              </a:spcAft>
+              <a:buClrTx/>
+              <a:buSzTx/>
+              <a:buFontTx/>
+              <a:buNone/>
+              <a:tabLst/>
+            </a:pPr>
+            <a:r>
+              <a:rPr kumimoji="1" lang="zh-TW" altLang="zh-TW" sz="3600" b="0" i="0" u="none" strike="noStrike" cap="none" normalizeH="0" baseline="0" dirty="0" smtClean="0">
+                <a:ln>
+                  <a:noFill/>
+                </a:ln>
+                <a:solidFill>
+                  <a:srgbClr val="000000"/>
+                </a:solidFill>
+                <a:effectLst/>
+                <a:latin typeface="Consolas" pitchFamily="49" charset="0"/>
+                <a:ea typeface="新細明體" pitchFamily="18" charset="-120"/>
+                <a:cs typeface="Consolas" pitchFamily="49" charset="0"/>
+              </a:rPr>
+              <a:t>file = open(sys.argv[</a:t>
+            </a:r>
+            <a:r>
+              <a:rPr kumimoji="1" lang="zh-TW" altLang="zh-TW" sz="3600" b="0" i="0" u="none" strike="noStrike" cap="none" normalizeH="0" baseline="0" dirty="0" smtClean="0">
+                <a:ln>
+                  <a:noFill/>
+                </a:ln>
+                <a:solidFill>
+                  <a:srgbClr val="009900"/>
+                </a:solidFill>
+                <a:effectLst/>
+                <a:latin typeface="Consolas" pitchFamily="49" charset="0"/>
+                <a:ea typeface="新細明體" pitchFamily="18" charset="-120"/>
+                <a:cs typeface="Consolas" pitchFamily="49" charset="0"/>
+              </a:rPr>
+              <a:t>1</a:t>
+            </a:r>
+            <a:r>
+              <a:rPr kumimoji="1" lang="zh-TW" altLang="zh-TW" sz="3600" b="0" i="0" u="none" strike="noStrike" cap="none" normalizeH="0" baseline="0" dirty="0" smtClean="0">
+                <a:ln>
+                  <a:noFill/>
+                </a:ln>
+                <a:solidFill>
+                  <a:srgbClr val="000000"/>
+                </a:solidFill>
+                <a:effectLst/>
+                <a:latin typeface="Consolas" pitchFamily="49" charset="0"/>
+                <a:ea typeface="新細明體" pitchFamily="18" charset="-120"/>
+                <a:cs typeface="Consolas" pitchFamily="49" charset="0"/>
+              </a:rPr>
+              <a:t>], </a:t>
+            </a:r>
+            <a:r>
+              <a:rPr kumimoji="1" lang="zh-TW" altLang="zh-TW" sz="3600" b="0" i="0" u="none" strike="noStrike" cap="none" normalizeH="0" baseline="0" dirty="0" smtClean="0">
+                <a:ln>
+                  <a:noFill/>
+                </a:ln>
+                <a:solidFill>
+                  <a:srgbClr val="0000FF"/>
+                </a:solidFill>
+                <a:effectLst/>
+                <a:latin typeface="Consolas" pitchFamily="49" charset="0"/>
+                <a:ea typeface="新細明體" pitchFamily="18" charset="-120"/>
+                <a:cs typeface="Consolas" pitchFamily="49" charset="0"/>
+              </a:rPr>
+              <a:t>'r'</a:t>
+            </a:r>
+            <a:r>
+              <a:rPr kumimoji="1" lang="zh-TW" altLang="zh-TW" sz="3600" b="0" i="0" u="none" strike="noStrike" cap="none" normalizeH="0" baseline="0" dirty="0" smtClean="0">
+                <a:ln>
+                  <a:noFill/>
+                </a:ln>
+                <a:solidFill>
+                  <a:srgbClr val="000000"/>
+                </a:solidFill>
+                <a:effectLst/>
+                <a:latin typeface="Consolas" pitchFamily="49" charset="0"/>
+                <a:ea typeface="新細明體" pitchFamily="18" charset="-120"/>
+                <a:cs typeface="Consolas" pitchFamily="49" charset="0"/>
+              </a:rPr>
+              <a:t>)</a:t>
+            </a:r>
+            <a:endParaRPr kumimoji="1" lang="zh-TW" altLang="zh-TW" sz="5400" b="0" i="0" u="none" strike="noStrike" cap="none" normalizeH="0" baseline="0" dirty="0" smtClean="0">
+              <a:ln>
+                <a:noFill/>
+              </a:ln>
+              <a:solidFill>
+                <a:schemeClr val="tx1"/>
+              </a:solidFill>
+              <a:effectLst/>
+              <a:latin typeface="Arial" pitchFamily="34" charset="0"/>
+              <a:ea typeface="新細明體" pitchFamily="18" charset="-120"/>
+              <a:cs typeface="新細明體" pitchFamily="18" charset="-120"/>
+            </a:endParaRPr>
+          </a:p>
+          <a:p>
+            <a:pPr marL="0" marR="0" lvl="0" indent="0" algn="l" defTabSz="914400" rtl="0" eaLnBrk="0" fontAlgn="base" latinLnBrk="0" hangingPunct="0">
+              <a:lnSpc>
+                <a:spcPct val="100000"/>
+              </a:lnSpc>
+              <a:spcBef>
+                <a:spcPct val="0"/>
+              </a:spcBef>
+              <a:spcAft>
+                <a:spcPct val="0"/>
+              </a:spcAft>
+              <a:buClrTx/>
+              <a:buSzTx/>
+              <a:buFontTx/>
+              <a:buNone/>
+              <a:tabLst/>
+            </a:pPr>
+            <a:r>
+              <a:rPr kumimoji="1" lang="zh-TW" altLang="zh-TW" sz="3600" b="0" i="0" u="none" strike="noStrike" cap="none" normalizeH="0" baseline="0" dirty="0" smtClean="0">
+                <a:ln>
+                  <a:noFill/>
+                </a:ln>
+                <a:solidFill>
+                  <a:srgbClr val="000000"/>
+                </a:solidFill>
+                <a:effectLst/>
+                <a:latin typeface="Consolas" pitchFamily="49" charset="0"/>
+                <a:ea typeface="新細明體" pitchFamily="18" charset="-120"/>
+                <a:cs typeface="Consolas" pitchFamily="49" charset="0"/>
+              </a:rPr>
+              <a:t>content = file.read()</a:t>
+            </a:r>
+            <a:endParaRPr kumimoji="1" lang="zh-TW" altLang="zh-TW" sz="5400" b="0" i="0" u="none" strike="noStrike" cap="none" normalizeH="0" baseline="0" dirty="0" smtClean="0">
+              <a:ln>
+                <a:noFill/>
+              </a:ln>
+              <a:solidFill>
+                <a:schemeClr val="tx1"/>
+              </a:solidFill>
+              <a:effectLst/>
+              <a:latin typeface="Arial" pitchFamily="34" charset="0"/>
+              <a:ea typeface="新細明體" pitchFamily="18" charset="-120"/>
+              <a:cs typeface="新細明體" pitchFamily="18" charset="-120"/>
+            </a:endParaRPr>
+          </a:p>
+          <a:p>
+            <a:pPr marL="0" marR="0" lvl="0" indent="0" algn="l" defTabSz="914400" rtl="0" eaLnBrk="0" fontAlgn="base" latinLnBrk="0" hangingPunct="0">
+              <a:lnSpc>
+                <a:spcPct val="100000"/>
+              </a:lnSpc>
+              <a:spcBef>
+                <a:spcPct val="0"/>
+              </a:spcBef>
+              <a:spcAft>
+                <a:spcPct val="0"/>
+              </a:spcAft>
+              <a:buClrTx/>
+              <a:buSzTx/>
+              <a:buFontTx/>
+              <a:buNone/>
+              <a:tabLst/>
+            </a:pPr>
+            <a:r>
+              <a:rPr kumimoji="1" lang="zh-TW" altLang="zh-TW" sz="3600" b="0" i="0" u="none" strike="noStrike" cap="none" normalizeH="0" baseline="0" dirty="0" smtClean="0">
+                <a:ln>
+                  <a:noFill/>
+                </a:ln>
+                <a:solidFill>
+                  <a:srgbClr val="000000"/>
+                </a:solidFill>
+                <a:effectLst/>
+                <a:latin typeface="Consolas" pitchFamily="49" charset="0"/>
+                <a:ea typeface="新細明體" pitchFamily="18" charset="-120"/>
+                <a:cs typeface="Consolas" pitchFamily="49" charset="0"/>
+              </a:rPr>
+              <a:t>print content</a:t>
+            </a:r>
+            <a:endParaRPr kumimoji="1" lang="zh-TW" altLang="zh-TW" sz="5400" b="0" i="0" u="none" strike="noStrike" cap="none" normalizeH="0" baseline="0" dirty="0" smtClean="0">
+              <a:ln>
+                <a:noFill/>
+              </a:ln>
+              <a:solidFill>
+                <a:schemeClr val="tx1"/>
+              </a:solidFill>
+              <a:effectLst/>
+              <a:latin typeface="Arial" pitchFamily="34" charset="0"/>
+              <a:ea typeface="新細明體" pitchFamily="18" charset="-120"/>
+              <a:cs typeface="新細明體" pitchFamily="18" charset="-120"/>
+            </a:endParaRPr>
+          </a:p>
+          <a:p>
+            <a:pPr marL="0" marR="0" lvl="0" indent="0" algn="l" defTabSz="914400" rtl="0" eaLnBrk="0" fontAlgn="base" latinLnBrk="0" hangingPunct="0">
+              <a:lnSpc>
+                <a:spcPct val="100000"/>
+              </a:lnSpc>
+              <a:spcBef>
+                <a:spcPct val="0"/>
+              </a:spcBef>
+              <a:spcAft>
+                <a:spcPct val="0"/>
+              </a:spcAft>
+              <a:buClrTx/>
+              <a:buSzTx/>
+              <a:buFontTx/>
+              <a:buNone/>
+              <a:tabLst/>
+            </a:pPr>
+            <a:r>
+              <a:rPr kumimoji="1" lang="zh-TW" altLang="zh-TW" sz="3600" b="0" i="0" u="none" strike="noStrike" cap="none" normalizeH="0" baseline="0" dirty="0" smtClean="0">
+                <a:ln>
+                  <a:noFill/>
+                </a:ln>
+                <a:solidFill>
+                  <a:srgbClr val="000000"/>
+                </a:solidFill>
+                <a:effectLst/>
+                <a:latin typeface="Consolas" pitchFamily="49" charset="0"/>
+                <a:ea typeface="新細明體" pitchFamily="18" charset="-120"/>
+                <a:cs typeface="Consolas" pitchFamily="49" charset="0"/>
+              </a:rPr>
+              <a:t>file.close()</a:t>
+            </a:r>
+            <a:endParaRPr kumimoji="1" lang="zh-TW" altLang="zh-TW" sz="7200" b="0" i="0" u="none" strike="noStrike" cap="none" normalizeH="0" baseline="0" dirty="0" smtClean="0">
+              <a:ln>
+                <a:noFill/>
+              </a:ln>
+              <a:solidFill>
+                <a:schemeClr val="tx1"/>
+              </a:solidFill>
+              <a:effectLst/>
+              <a:latin typeface="Arial" pitchFamily="34" charset="0"/>
+              <a:ea typeface="新細明體" pitchFamily="18" charset="-120"/>
+              <a:cs typeface="新細明體" pitchFamily="18" charset="-120"/>
+            </a:endParaRPr>
+          </a:p>
+        </p:txBody>
+      </p:sp>
+    </p:spTree>
+    <p:extLst>
+      <p:ext uri="{BB962C8B-B14F-4D97-AF65-F5344CB8AC3E}">
+        <p14:creationId xmlns:p14="http://schemas.microsoft.com/office/powerpoint/2010/main" val="1175307782"/>
+      </p:ext>
+    </p:extLst>
+  </p:cSld>
+  <p:clrMapOvr>
+    <a:masterClrMapping/>
+  </p:clrMapOvr>
+  <p:timing>
+    <p:tnLst>
+      <p:par>
+        <p:cTn id="1" dur="indefinite" restart="never" nodeType="tmRoot"/>
+      </p:par>
+    </p:tnLst>
+  </p:timing>
 </p:sld>
 </file>
 
@@ -3549,7 +6989,7 @@
       </p:grpSpPr>
       <p:sp>
         <p:nvSpPr>
-          <p:cNvPr id="2" name="標題 1"/>
+          <p:cNvPr id="4" name="標題 3"/>
           <p:cNvSpPr>
             <a:spLocks noGrp="1"/>
           </p:cNvSpPr>
@@ -3563,12 +7003,101 @@
           <a:lstStyle/>
           <a:p>
             <a:r>
+              <a:rPr lang="zh-TW" altLang="en-US" dirty="0" smtClean="0">
+                <a:ea typeface="Noto Sans CJK TC Regular"/>
+              </a:rPr>
+              <a:t>揭開序幕</a:t>
+            </a:r>
+            <a:endParaRPr lang="zh-TW" altLang="en-US" dirty="0">
+              <a:ea typeface="Noto Sans CJK TC Regular"/>
+            </a:endParaRPr>
+          </a:p>
+        </p:txBody>
+      </p:sp>
+      <p:sp>
+        <p:nvSpPr>
+          <p:cNvPr id="5" name="文字版面配置區 4"/>
+          <p:cNvSpPr>
+            <a:spLocks noGrp="1"/>
+          </p:cNvSpPr>
+          <p:nvPr>
+            <p:ph type="body" idx="1"/>
+          </p:nvPr>
+        </p:nvSpPr>
+        <p:spPr/>
+        <p:txBody>
+          <a:bodyPr/>
+          <a:lstStyle/>
+          <a:p>
+            <a:endParaRPr lang="zh-TW" altLang="en-US">
+              <a:ea typeface="Noto Sans CJK TC Regular"/>
+            </a:endParaRPr>
+          </a:p>
+        </p:txBody>
+      </p:sp>
+    </p:spTree>
+    <p:extLst>
+      <p:ext uri="{BB962C8B-B14F-4D97-AF65-F5344CB8AC3E}">
+        <p14:creationId xmlns:p14="http://schemas.microsoft.com/office/powerpoint/2010/main" val="1495180149"/>
+      </p:ext>
+    </p:extLst>
+  </p:cSld>
+  <p:clrMapOvr>
+    <a:masterClrMapping/>
+  </p:clrMapOvr>
+</p:sld>
+</file>
+
+<file path=ppt/slides/slide20.xml><?xml version="1.0" encoding="utf-8"?>
+<p:sld xmlns:a="http://schemas.openxmlformats.org/drawingml/2006/main" xmlns:r="http://schemas.openxmlformats.org/officeDocument/2006/relationships" xmlns:p="http://schemas.openxmlformats.org/presentationml/2006/main">
+  <p:cSld>
+    <p:spTree>
+      <p:nvGrpSpPr>
+        <p:cNvPr id="1" name=""/>
+        <p:cNvGrpSpPr/>
+        <p:nvPr/>
+      </p:nvGrpSpPr>
+      <p:grpSpPr>
+        <a:xfrm>
+          <a:off x="0" y="0"/>
+          <a:ext cx="0" cy="0"/>
+          <a:chOff x="0" y="0"/>
+          <a:chExt cx="0" cy="0"/>
+        </a:xfrm>
+      </p:grpSpPr>
+      <p:sp>
+        <p:nvSpPr>
+          <p:cNvPr id="2" name="標題 1"/>
+          <p:cNvSpPr>
+            <a:spLocks noGrp="1"/>
+          </p:cNvSpPr>
+          <p:nvPr>
+            <p:ph type="title"/>
+          </p:nvPr>
+        </p:nvSpPr>
+        <p:spPr/>
+        <p:txBody>
+          <a:bodyPr/>
+          <a:lstStyle/>
+          <a:p>
+            <a:r>
               <a:rPr lang="zh-TW" altLang="en-US" dirty="0">
                 <a:latin typeface="Noto Sans CJK TC Regular" pitchFamily="34" charset="-120"/>
                 <a:ea typeface="Noto Sans CJK TC Regular" pitchFamily="34" charset="-120"/>
               </a:rPr>
-              <a:t>課程目的</a:t>
-            </a:r>
+              <a:t>基本</a:t>
+            </a:r>
+            <a:r>
+              <a:rPr lang="en-US" altLang="zh-TW" dirty="0">
+                <a:latin typeface="Noto Sans CJK TC Regular" pitchFamily="34" charset="-120"/>
+                <a:ea typeface="Noto Sans CJK TC Regular" pitchFamily="34" charset="-120"/>
+              </a:rPr>
+              <a:t>I/O</a:t>
+            </a:r>
+            <a:endParaRPr lang="zh-TW" altLang="en-US" dirty="0">
+              <a:latin typeface="Noto Sans CJK TC Regular" pitchFamily="34" charset="-120"/>
+              <a:ea typeface="Noto Sans CJK TC Regular" pitchFamily="34" charset="-120"/>
+            </a:endParaRPr>
           </a:p>
         </p:txBody>
       </p:sp>
@@ -3582,7 +7111,12 @@
             <p:ph idx="1"/>
           </p:nvPr>
         </p:nvSpPr>
-        <p:spPr/>
+        <p:spPr>
+          <a:xfrm>
+            <a:off x="838200" y="1825624"/>
+            <a:ext cx="10515600" cy="5032375"/>
+          </a:xfrm>
+        </p:spPr>
         <p:txBody>
           <a:bodyPr>
             <a:normAutofit/>
@@ -3590,26 +7124,39 @@
           <a:lstStyle/>
           <a:p>
             <a:r>
+              <a:rPr lang="zh-TW" altLang="en-US" sz="3600" dirty="0">
+                <a:latin typeface="Noto Sans CJK TC Regular" pitchFamily="34" charset="-120"/>
+                <a:ea typeface="Noto Sans CJK TC Regular" pitchFamily="34" charset="-120"/>
+              </a:rPr>
+              <a:t>第</a:t>
+            </a:r>
+            <a:r>
               <a:rPr lang="zh-TW" altLang="en-US" sz="3600" dirty="0" smtClean="0">
                 <a:latin typeface="Noto Sans CJK TC Regular" pitchFamily="34" charset="-120"/>
                 <a:ea typeface="Noto Sans CJK TC Regular" pitchFamily="34" charset="-120"/>
               </a:rPr>
-              <a:t>學習</a:t>
+              <a:t>一行匯入</a:t>
             </a:r>
             <a:r>
               <a:rPr lang="en-US" altLang="zh-TW" sz="3600" dirty="0" smtClean="0">
                 <a:latin typeface="Noto Sans CJK TC Regular" pitchFamily="34" charset="-120"/>
                 <a:ea typeface="Noto Sans CJK TC Regular" pitchFamily="34" charset="-120"/>
               </a:rPr>
-              <a:t>Python</a:t>
+              <a:t>sys</a:t>
             </a:r>
             <a:r>
               <a:rPr lang="zh-TW" altLang="en-US" sz="3600" dirty="0" smtClean="0">
                 <a:latin typeface="Noto Sans CJK TC Regular" pitchFamily="34" charset="-120"/>
                 <a:ea typeface="Noto Sans CJK TC Regular" pitchFamily="34" charset="-120"/>
               </a:rPr>
-              <a:t>生態系</a:t>
-            </a:r>
+              <a:t>模組</a:t>
+            </a:r>
+            <a:endParaRPr lang="en-US" altLang="zh-TW" sz="3600" dirty="0" smtClean="0">
+              <a:latin typeface="Noto Sans CJK TC Regular" pitchFamily="34" charset="-120"/>
+              <a:ea typeface="Noto Sans CJK TC Regular" pitchFamily="34" charset="-120"/>
+            </a:endParaRPr>
+          </a:p>
+          <a:p>
             <a:endParaRPr lang="en-US" altLang="zh-TW" sz="3600" dirty="0" smtClean="0">
               <a:latin typeface="Noto Sans CJK TC Regular" pitchFamily="34" charset="-120"/>
               <a:ea typeface="Noto Sans CJK TC Regular" pitchFamily="34" charset="-120"/>
@@ -3621,68 +7168,20 @@
               <a:buChar char="­"/>
             </a:pPr>
             <a:r>
-              <a:rPr lang="zh-TW" altLang="en-US" sz="3200" dirty="0">
-                <a:latin typeface="Noto Sans CJK TC Regular" pitchFamily="34" charset="-120"/>
-                <a:ea typeface="Noto Sans CJK TC Regular" pitchFamily="34" charset="-120"/>
-              </a:rPr>
-              <a:t>語言</a:t>
+              <a:rPr lang="en-US" altLang="zh-TW" sz="3200" dirty="0" smtClean="0">
+                <a:latin typeface="Noto Sans CJK TC Regular" pitchFamily="34" charset="-120"/>
+                <a:ea typeface="Noto Sans CJK TC Regular" pitchFamily="34" charset="-120"/>
+              </a:rPr>
+              <a:t>Python</a:t>
             </a:r>
             <a:r>
               <a:rPr lang="zh-TW" altLang="en-US" sz="3200" dirty="0" smtClean="0">
                 <a:latin typeface="Noto Sans CJK TC Regular" pitchFamily="34" charset="-120"/>
                 <a:ea typeface="Noto Sans CJK TC Regular" pitchFamily="34" charset="-120"/>
               </a:rPr>
-              <a:t>、工具</a:t>
-            </a:r>
-            <a:r>
-              <a:rPr lang="zh-TW" altLang="en-US" sz="3200" dirty="0" smtClean="0">
-                <a:latin typeface="Noto Sans CJK TC Regular" pitchFamily="34" charset="-120"/>
-                <a:ea typeface="Noto Sans CJK TC Regular" pitchFamily="34" charset="-120"/>
-              </a:rPr>
-              <a:t>、</a:t>
-            </a:r>
-            <a:r>
-              <a:rPr lang="zh-TW" altLang="en-US" sz="3200" dirty="0" smtClean="0">
-                <a:latin typeface="Noto Sans CJK TC Regular" pitchFamily="34" charset="-120"/>
-                <a:ea typeface="Noto Sans CJK TC Regular" pitchFamily="34" charset="-120"/>
-              </a:rPr>
-              <a:t>程式</a:t>
-            </a:r>
-            <a:r>
-              <a:rPr lang="zh-TW" altLang="en-US" sz="3200" dirty="0">
-                <a:latin typeface="Noto Sans CJK TC Regular" pitchFamily="34" charset="-120"/>
-                <a:ea typeface="Noto Sans CJK TC Regular" pitchFamily="34" charset="-120"/>
-              </a:rPr>
-              <a:t>庫</a:t>
+              <a:t>的內建標準程式庫</a:t>
             </a:r>
             <a:endParaRPr lang="en-US" altLang="zh-TW" sz="3200" dirty="0" smtClean="0">
-              <a:latin typeface="Noto Sans CJK TC Regular" pitchFamily="34" charset="-120"/>
-              <a:ea typeface="Noto Sans CJK TC Regular" pitchFamily="34" charset="-120"/>
-            </a:endParaRPr>
-          </a:p>
-          <a:p>
-            <a:r>
-              <a:rPr lang="zh-TW" altLang="en-US" sz="3600" dirty="0">
-                <a:latin typeface="Noto Sans CJK TC Regular" pitchFamily="34" charset="-120"/>
-                <a:ea typeface="Noto Sans CJK TC Regular" pitchFamily="34" charset="-120"/>
-              </a:rPr>
-              <a:t>了解</a:t>
-            </a:r>
-            <a:r>
-              <a:rPr lang="en-US" altLang="zh-TW" sz="3600" dirty="0" smtClean="0">
-                <a:latin typeface="Noto Sans CJK TC Regular" pitchFamily="34" charset="-120"/>
-                <a:ea typeface="Noto Sans CJK TC Regular" pitchFamily="34" charset="-120"/>
-              </a:rPr>
-              <a:t>Python</a:t>
-            </a:r>
-            <a:r>
-              <a:rPr lang="zh-TW" altLang="en-US" sz="3600" dirty="0" smtClean="0">
-                <a:latin typeface="Noto Sans CJK TC Regular" pitchFamily="34" charset="-120"/>
-                <a:ea typeface="Noto Sans CJK TC Regular" pitchFamily="34" charset="-120"/>
-              </a:rPr>
-              <a:t>社區核心文化</a:t>
-            </a:r>
-            <a:endParaRPr lang="en-US" altLang="zh-TW" sz="3600" dirty="0">
               <a:latin typeface="Noto Sans CJK TC Regular" pitchFamily="34" charset="-120"/>
               <a:ea typeface="Noto Sans CJK TC Regular" pitchFamily="34" charset="-120"/>
             </a:endParaRPr>
@@ -3697,14 +7196,31 @@
                 <a:latin typeface="Noto Sans CJK TC Regular" pitchFamily="34" charset="-120"/>
                 <a:ea typeface="Noto Sans CJK TC Regular" pitchFamily="34" charset="-120"/>
               </a:rPr>
-              <a:t>編碼風格、範例、文</a:t>
-            </a:r>
-            <a:r>
-              <a:rPr lang="zh-TW" altLang="en-US" sz="3200" dirty="0">
-                <a:latin typeface="Noto Sans CJK TC Regular" pitchFamily="34" charset="-120"/>
-                <a:ea typeface="Noto Sans CJK TC Regular" pitchFamily="34" charset="-120"/>
-              </a:rPr>
-              <a:t>檔</a:t>
+              <a:t>適用於簡單安裝</a:t>
+            </a:r>
+            <a:endParaRPr lang="en-US" altLang="zh-TW" sz="3200" dirty="0" smtClean="0">
+              <a:latin typeface="Noto Sans CJK TC Regular" pitchFamily="34" charset="-120"/>
+              <a:ea typeface="Noto Sans CJK TC Regular" pitchFamily="34" charset="-120"/>
+            </a:endParaRPr>
+          </a:p>
+          <a:p>
+            <a:pPr lvl="1">
+              <a:buFont typeface="Noto Sans CJK TC Regular" pitchFamily="34" charset="-120"/>
+              <a:buChar char="­"/>
+            </a:pPr>
+            <a:r>
+              <a:rPr lang="zh-TW" altLang="en-US" sz="3200" dirty="0" smtClean="0">
+                <a:latin typeface="Noto Sans CJK TC Regular" pitchFamily="34" charset="-120"/>
+                <a:ea typeface="Noto Sans CJK TC Regular" pitchFamily="34" charset="-120"/>
+              </a:rPr>
+              <a:t>用法</a:t>
+            </a:r>
+            <a:r>
+              <a:rPr lang="en-US" altLang="zh-TW" sz="3200" dirty="0" smtClean="0">
+                <a:latin typeface="Noto Sans CJK TC Regular" pitchFamily="34" charset="-120"/>
+                <a:ea typeface="Noto Sans CJK TC Regular" pitchFamily="34" charset="-120"/>
+              </a:rPr>
+              <a:t>:python setup.py install</a:t>
             </a:r>
             <a:endParaRPr lang="en-US" altLang="zh-TW" sz="3200" dirty="0">
               <a:latin typeface="Noto Sans CJK TC Regular" pitchFamily="34" charset="-120"/>
@@ -3712,19 +7228,17 @@
             </a:endParaRPr>
           </a:p>
           <a:p>
-            <a:r>
-              <a:rPr lang="zh-TW" altLang="en-US" sz="3600" dirty="0" smtClean="0">
-                <a:latin typeface="Noto Sans CJK TC Regular" pitchFamily="34" charset="-120"/>
-                <a:ea typeface="Noto Sans CJK TC Regular" pitchFamily="34" charset="-120"/>
-              </a:rPr>
-              <a:t>學會</a:t>
-            </a:r>
-            <a:r>
-              <a:rPr lang="en-US" altLang="zh-TW" sz="3600" dirty="0" smtClean="0">
-                <a:latin typeface="Noto Sans CJK TC Regular" pitchFamily="34" charset="-120"/>
-                <a:ea typeface="Noto Sans CJK TC Regular" pitchFamily="34" charset="-120"/>
-              </a:rPr>
-              <a:t>Python</a:t>
+            <a:pPr marL="228600" lvl="1">
+              <a:spcBef>
+                <a:spcPts val="1000"/>
+              </a:spcBef>
+            </a:pPr>
+            <a:r>
+              <a:rPr lang="en-US" altLang="zh-TW" sz="3600" dirty="0" err="1" smtClean="0">
+                <a:latin typeface="Noto Sans CJK TC Regular" pitchFamily="34" charset="-120"/>
+                <a:ea typeface="Noto Sans CJK TC Regular" pitchFamily="34" charset="-120"/>
+              </a:rPr>
+              <a:t>Setuptools</a:t>
             </a:r>
             <a:endParaRPr lang="en-US" altLang="zh-TW" sz="3600" dirty="0" smtClean="0">
               <a:latin typeface="Noto Sans CJK TC Regular" pitchFamily="34" charset="-120"/>
@@ -3732,7 +7246,60 @@
             </a:endParaRPr>
           </a:p>
           <a:p>
-            <a:endParaRPr lang="zh-TW" altLang="en-US" sz="3600" dirty="0">
+            <a:pPr lvl="1">
+              <a:buFont typeface="Noto Sans CJK TC Regular" pitchFamily="34" charset="-120"/>
+              <a:buChar char="­"/>
+            </a:pPr>
+            <a:r>
+              <a:rPr lang="zh-TW" altLang="en-US" sz="3200" dirty="0" smtClean="0">
+                <a:latin typeface="Noto Sans CJK TC Regular" pitchFamily="34" charset="-120"/>
+                <a:ea typeface="Noto Sans CJK TC Regular" pitchFamily="34" charset="-120"/>
+              </a:rPr>
+              <a:t>下載、安裝、升級、移除套件的標準</a:t>
+            </a:r>
+            <a:endParaRPr lang="en-US" altLang="zh-TW" sz="3200" dirty="0" smtClean="0">
+              <a:latin typeface="Noto Sans CJK TC Regular" pitchFamily="34" charset="-120"/>
+              <a:ea typeface="Noto Sans CJK TC Regular" pitchFamily="34" charset="-120"/>
+            </a:endParaRPr>
+          </a:p>
+          <a:p>
+            <a:pPr marL="228600" lvl="1">
+              <a:spcBef>
+                <a:spcPts val="1000"/>
+              </a:spcBef>
+            </a:pPr>
+            <a:r>
+              <a:rPr lang="zh-TW" altLang="en-US" sz="3600" dirty="0">
+                <a:latin typeface="Noto Sans CJK TC Regular" pitchFamily="34" charset="-120"/>
+                <a:ea typeface="Noto Sans CJK TC Regular" pitchFamily="34" charset="-120"/>
+              </a:rPr>
+              <a:t>不論</a:t>
+            </a:r>
+            <a:r>
+              <a:rPr lang="zh-TW" altLang="en-US" sz="3600" dirty="0" smtClean="0">
+                <a:latin typeface="Noto Sans CJK TC Regular" pitchFamily="34" charset="-120"/>
+                <a:ea typeface="Noto Sans CJK TC Regular" pitchFamily="34" charset="-120"/>
+              </a:rPr>
+              <a:t>是上述兩個都有</a:t>
+            </a:r>
+            <a:r>
+              <a:rPr lang="en-US" altLang="zh-TW" sz="3600" dirty="0" err="1" smtClean="0">
+                <a:latin typeface="Noto Sans CJK TC Regular" pitchFamily="34" charset="-120"/>
+                <a:ea typeface="Noto Sans CJK TC Regular" pitchFamily="34" charset="-120"/>
+              </a:rPr>
+              <a:t>easy_install</a:t>
+            </a:r>
+            <a:endParaRPr lang="en-US" altLang="zh-TW" sz="3200" dirty="0">
+              <a:latin typeface="Noto Sans CJK TC Regular" pitchFamily="34" charset="-120"/>
+              <a:ea typeface="Noto Sans CJK TC Regular" pitchFamily="34" charset="-120"/>
+            </a:endParaRPr>
+          </a:p>
+          <a:p>
+            <a:pPr lvl="1">
+              <a:buFont typeface="Noto Sans CJK TC Regular" pitchFamily="34" charset="-120"/>
+              <a:buChar char="­"/>
+            </a:pPr>
+            <a:endParaRPr lang="en-US" altLang="zh-TW" sz="3200" dirty="0">
               <a:latin typeface="Noto Sans CJK TC Regular" pitchFamily="34" charset="-120"/>
               <a:ea typeface="Noto Sans CJK TC Regular" pitchFamily="34" charset="-120"/>
             </a:endParaRPr>
@@ -3742,7 +7309,856 @@
     </p:spTree>
     <p:extLst>
       <p:ext uri="{BB962C8B-B14F-4D97-AF65-F5344CB8AC3E}">
-        <p14:creationId xmlns:p14="http://schemas.microsoft.com/office/powerpoint/2010/main" val="4024766235"/>
+        <p14:creationId xmlns:p14="http://schemas.microsoft.com/office/powerpoint/2010/main" val="4013980336"/>
+      </p:ext>
+    </p:extLst>
+  </p:cSld>
+  <p:clrMapOvr>
+    <a:masterClrMapping/>
+  </p:clrMapOvr>
+  <p:timing>
+    <p:tnLst>
+      <p:par>
+        <p:cTn id="1" dur="indefinite" restart="never" nodeType="tmRoot"/>
+      </p:par>
+    </p:tnLst>
+  </p:timing>
+</p:sld>
+</file>
+
+<file path=ppt/slides/slide21.xml><?xml version="1.0" encoding="utf-8"?>
+<p:sld xmlns:a="http://schemas.openxmlformats.org/drawingml/2006/main" xmlns:r="http://schemas.openxmlformats.org/officeDocument/2006/relationships" xmlns:p="http://schemas.openxmlformats.org/presentationml/2006/main">
+  <p:cSld>
+    <p:spTree>
+      <p:nvGrpSpPr>
+        <p:cNvPr id="1" name=""/>
+        <p:cNvGrpSpPr/>
+        <p:nvPr/>
+      </p:nvGrpSpPr>
+      <p:grpSpPr>
+        <a:xfrm>
+          <a:off x="0" y="0"/>
+          <a:ext cx="0" cy="0"/>
+          <a:chOff x="0" y="0"/>
+          <a:chExt cx="0" cy="0"/>
+        </a:xfrm>
+      </p:grpSpPr>
+      <p:sp>
+        <p:nvSpPr>
+          <p:cNvPr id="2" name="標題 1"/>
+          <p:cNvSpPr>
+            <a:spLocks noGrp="1"/>
+          </p:cNvSpPr>
+          <p:nvPr>
+            <p:ph type="title"/>
+          </p:nvPr>
+        </p:nvSpPr>
+        <p:spPr/>
+        <p:txBody>
+          <a:bodyPr/>
+          <a:lstStyle/>
+          <a:p>
+            <a:r>
+              <a:rPr lang="zh-TW" altLang="en-US" dirty="0" smtClean="0">
+                <a:latin typeface="Noto Sans CJK TC Regular" pitchFamily="34" charset="-120"/>
+                <a:ea typeface="Noto Sans CJK TC Regular" pitchFamily="34" charset="-120"/>
+              </a:rPr>
+              <a:t>基本</a:t>
+            </a:r>
+            <a:r>
+              <a:rPr lang="en-US" altLang="zh-TW" dirty="0" smtClean="0">
+                <a:latin typeface="Noto Sans CJK TC Regular" pitchFamily="34" charset="-120"/>
+                <a:ea typeface="Noto Sans CJK TC Regular" pitchFamily="34" charset="-120"/>
+              </a:rPr>
+              <a:t>I/O</a:t>
+            </a:r>
+            <a:endParaRPr lang="zh-TW" altLang="en-US" dirty="0">
+              <a:latin typeface="Noto Sans CJK TC Regular" pitchFamily="34" charset="-120"/>
+              <a:ea typeface="Noto Sans CJK TC Regular" pitchFamily="34" charset="-120"/>
+            </a:endParaRPr>
+          </a:p>
+        </p:txBody>
+      </p:sp>
+      <p:sp>
+        <p:nvSpPr>
+          <p:cNvPr id="3" name="內容版面配置區 2"/>
+          <p:cNvSpPr>
+            <a:spLocks noGrp="1"/>
+          </p:cNvSpPr>
+          <p:nvPr>
+            <p:ph idx="1"/>
+          </p:nvPr>
+        </p:nvSpPr>
+        <p:spPr>
+          <a:xfrm>
+            <a:off x="838200" y="1825624"/>
+            <a:ext cx="10515600" cy="5032375"/>
+          </a:xfrm>
+        </p:spPr>
+        <p:txBody>
+          <a:bodyPr>
+            <a:normAutofit/>
+          </a:bodyPr>
+          <a:lstStyle/>
+          <a:p>
+            <a:r>
+              <a:rPr lang="zh-TW" altLang="en-US" sz="3600" dirty="0" smtClean="0">
+                <a:latin typeface="Noto Sans CJK TC Regular" pitchFamily="34" charset="-120"/>
+                <a:ea typeface="Noto Sans CJK TC Regular" pitchFamily="34" charset="-120"/>
+              </a:rPr>
+              <a:t>使用 </a:t>
+            </a:r>
+            <a:r>
+              <a:rPr lang="en-US" altLang="zh-TW" sz="3600" dirty="0">
+                <a:latin typeface="Noto Sans CJK TC Regular" pitchFamily="34" charset="-120"/>
+                <a:ea typeface="Noto Sans CJK TC Regular" pitchFamily="34" charset="-120"/>
+              </a:rPr>
+              <a:t>open </a:t>
+            </a:r>
+            <a:r>
+              <a:rPr lang="zh-TW" altLang="en-US" sz="3600" dirty="0">
+                <a:latin typeface="Noto Sans CJK TC Regular" pitchFamily="34" charset="-120"/>
+                <a:ea typeface="Noto Sans CJK TC Regular" pitchFamily="34" charset="-120"/>
+              </a:rPr>
+              <a:t>函式來開啟檔案，開啟時指定存取模式，</a:t>
+            </a:r>
+            <a:r>
+              <a:rPr lang="en-US" altLang="zh-TW" sz="3600" dirty="0">
+                <a:latin typeface="Noto Sans CJK TC Regular" pitchFamily="34" charset="-120"/>
+                <a:ea typeface="Noto Sans CJK TC Regular" pitchFamily="34" charset="-120"/>
+              </a:rPr>
+              <a:t>'r' </a:t>
+            </a:r>
+            <a:r>
+              <a:rPr lang="zh-TW" altLang="en-US" sz="3600" dirty="0">
+                <a:latin typeface="Noto Sans CJK TC Regular" pitchFamily="34" charset="-120"/>
+                <a:ea typeface="Noto Sans CJK TC Regular" pitchFamily="34" charset="-120"/>
+              </a:rPr>
+              <a:t>表示讀取，</a:t>
+            </a:r>
+            <a:r>
+              <a:rPr lang="en-US" altLang="zh-TW" sz="3600" dirty="0">
+                <a:latin typeface="Noto Sans CJK TC Regular" pitchFamily="34" charset="-120"/>
+                <a:ea typeface="Noto Sans CJK TC Regular" pitchFamily="34" charset="-120"/>
+              </a:rPr>
+              <a:t>'w' </a:t>
+            </a:r>
+            <a:r>
+              <a:rPr lang="zh-TW" altLang="en-US" sz="3600" dirty="0">
+                <a:latin typeface="Noto Sans CJK TC Regular" pitchFamily="34" charset="-120"/>
+                <a:ea typeface="Noto Sans CJK TC Regular" pitchFamily="34" charset="-120"/>
+              </a:rPr>
+              <a:t>表示寫入，</a:t>
+            </a:r>
+            <a:r>
+              <a:rPr lang="en-US" altLang="zh-TW" sz="3600" dirty="0">
+                <a:latin typeface="Noto Sans CJK TC Regular" pitchFamily="34" charset="-120"/>
+                <a:ea typeface="Noto Sans CJK TC Regular" pitchFamily="34" charset="-120"/>
+              </a:rPr>
+              <a:t>open </a:t>
+            </a:r>
+            <a:r>
+              <a:rPr lang="zh-TW" altLang="en-US" sz="3600" dirty="0">
+                <a:latin typeface="Noto Sans CJK TC Regular" pitchFamily="34" charset="-120"/>
+                <a:ea typeface="Noto Sans CJK TC Regular" pitchFamily="34" charset="-120"/>
+              </a:rPr>
+              <a:t>函式會傳回 </a:t>
+            </a:r>
+            <a:r>
+              <a:rPr lang="en-US" altLang="zh-TW" sz="3600" dirty="0">
+                <a:latin typeface="Noto Sans CJK TC Regular" pitchFamily="34" charset="-120"/>
+                <a:ea typeface="Noto Sans CJK TC Regular" pitchFamily="34" charset="-120"/>
+              </a:rPr>
+              <a:t>file </a:t>
+            </a:r>
+            <a:r>
+              <a:rPr lang="zh-TW" altLang="en-US" sz="3600" dirty="0">
+                <a:latin typeface="Noto Sans CJK TC Regular" pitchFamily="34" charset="-120"/>
+                <a:ea typeface="Noto Sans CJK TC Regular" pitchFamily="34" charset="-120"/>
+              </a:rPr>
+              <a:t>實例，使用 </a:t>
+            </a:r>
+            <a:r>
+              <a:rPr lang="en-US" altLang="zh-TW" sz="3600" dirty="0">
+                <a:latin typeface="Noto Sans CJK TC Regular" pitchFamily="34" charset="-120"/>
+                <a:ea typeface="Noto Sans CJK TC Regular" pitchFamily="34" charset="-120"/>
+              </a:rPr>
+              <a:t>read </a:t>
+            </a:r>
+            <a:r>
+              <a:rPr lang="zh-TW" altLang="en-US" sz="3600" dirty="0">
+                <a:latin typeface="Noto Sans CJK TC Regular" pitchFamily="34" charset="-120"/>
+                <a:ea typeface="Noto Sans CJK TC Regular" pitchFamily="34" charset="-120"/>
+              </a:rPr>
+              <a:t>方法可以讀取檔案內容，以 </a:t>
+            </a:r>
+            <a:r>
+              <a:rPr lang="en-US" altLang="zh-TW" sz="3600" dirty="0" err="1">
+                <a:latin typeface="Noto Sans CJK TC Regular" pitchFamily="34" charset="-120"/>
+                <a:ea typeface="Noto Sans CJK TC Regular" pitchFamily="34" charset="-120"/>
+              </a:rPr>
+              <a:t>str</a:t>
+            </a:r>
+            <a:r>
+              <a:rPr lang="en-US" altLang="zh-TW" sz="3600" dirty="0">
+                <a:latin typeface="Noto Sans CJK TC Regular" pitchFamily="34" charset="-120"/>
+                <a:ea typeface="Noto Sans CJK TC Regular" pitchFamily="34" charset="-120"/>
+              </a:rPr>
+              <a:t> </a:t>
+            </a:r>
+            <a:r>
+              <a:rPr lang="zh-TW" altLang="en-US" sz="3600" dirty="0">
+                <a:latin typeface="Noto Sans CJK TC Regular" pitchFamily="34" charset="-120"/>
+                <a:ea typeface="Noto Sans CJK TC Regular" pitchFamily="34" charset="-120"/>
+              </a:rPr>
+              <a:t>型態</a:t>
+            </a:r>
+            <a:r>
+              <a:rPr lang="zh-TW" altLang="en-US" sz="3600" dirty="0" smtClean="0">
+                <a:latin typeface="Noto Sans CJK TC Regular" pitchFamily="34" charset="-120"/>
+                <a:ea typeface="Noto Sans CJK TC Regular" pitchFamily="34" charset="-120"/>
+              </a:rPr>
+              <a:t>傳回位元組</a:t>
+            </a:r>
+            <a:r>
+              <a:rPr lang="zh-TW" altLang="en-US" sz="3600" dirty="0">
+                <a:latin typeface="Noto Sans CJK TC Regular" pitchFamily="34" charset="-120"/>
+                <a:ea typeface="Noto Sans CJK TC Regular" pitchFamily="34" charset="-120"/>
+              </a:rPr>
+              <a:t>序列</a:t>
+            </a:r>
+            <a:r>
+              <a:rPr lang="zh-TW" altLang="en-US" sz="3600" dirty="0" smtClean="0">
+                <a:latin typeface="Noto Sans CJK TC Regular" pitchFamily="34" charset="-120"/>
+                <a:ea typeface="Noto Sans CJK TC Regular" pitchFamily="34" charset="-120"/>
+              </a:rPr>
+              <a:t>。</a:t>
+            </a:r>
+            <a:endParaRPr lang="en-US" altLang="zh-TW" sz="3200" dirty="0">
+              <a:latin typeface="Noto Sans CJK TC Regular" pitchFamily="34" charset="-120"/>
+              <a:ea typeface="Noto Sans CJK TC Regular" pitchFamily="34" charset="-120"/>
+            </a:endParaRPr>
+          </a:p>
+        </p:txBody>
+      </p:sp>
+    </p:spTree>
+    <p:extLst>
+      <p:ext uri="{BB962C8B-B14F-4D97-AF65-F5344CB8AC3E}">
+        <p14:creationId xmlns:p14="http://schemas.microsoft.com/office/powerpoint/2010/main" val="942660169"/>
+      </p:ext>
+    </p:extLst>
+  </p:cSld>
+  <p:clrMapOvr>
+    <a:masterClrMapping/>
+  </p:clrMapOvr>
+  <p:timing>
+    <p:tnLst>
+      <p:par>
+        <p:cTn id="1" dur="indefinite" restart="never" nodeType="tmRoot"/>
+      </p:par>
+    </p:tnLst>
+  </p:timing>
+</p:sld>
+</file>
+
+<file path=ppt/slides/slide22.xml><?xml version="1.0" encoding="utf-8"?>
+<p:sld xmlns:a="http://schemas.openxmlformats.org/drawingml/2006/main" xmlns:r="http://schemas.openxmlformats.org/officeDocument/2006/relationships" xmlns:p="http://schemas.openxmlformats.org/presentationml/2006/main">
+  <p:cSld>
+    <p:spTree>
+      <p:nvGrpSpPr>
+        <p:cNvPr id="1" name=""/>
+        <p:cNvGrpSpPr/>
+        <p:nvPr/>
+      </p:nvGrpSpPr>
+      <p:grpSpPr>
+        <a:xfrm>
+          <a:off x="0" y="0"/>
+          <a:ext cx="0" cy="0"/>
+          <a:chOff x="0" y="0"/>
+          <a:chExt cx="0" cy="0"/>
+        </a:xfrm>
+      </p:grpSpPr>
+      <p:sp>
+        <p:nvSpPr>
+          <p:cNvPr id="2" name="標題 1"/>
+          <p:cNvSpPr>
+            <a:spLocks noGrp="1"/>
+          </p:cNvSpPr>
+          <p:nvPr>
+            <p:ph type="title"/>
+          </p:nvPr>
+        </p:nvSpPr>
+        <p:spPr/>
+        <p:txBody>
+          <a:bodyPr/>
+          <a:lstStyle/>
+          <a:p>
+            <a:r>
+              <a:rPr lang="zh-TW" altLang="en-US" dirty="0">
+                <a:latin typeface="Noto Sans CJK TC Regular" pitchFamily="34" charset="-120"/>
+                <a:ea typeface="Noto Sans CJK TC Regular" pitchFamily="34" charset="-120"/>
+              </a:rPr>
+              <a:t>基本</a:t>
+            </a:r>
+            <a:r>
+              <a:rPr lang="en-US" altLang="zh-TW" dirty="0">
+                <a:latin typeface="Noto Sans CJK TC Regular" pitchFamily="34" charset="-120"/>
+                <a:ea typeface="Noto Sans CJK TC Regular" pitchFamily="34" charset="-120"/>
+              </a:rPr>
+              <a:t>I/O</a:t>
+            </a:r>
+            <a:endParaRPr lang="zh-TW" altLang="en-US" dirty="0">
+              <a:latin typeface="Noto Sans CJK TC Regular" pitchFamily="34" charset="-120"/>
+              <a:ea typeface="Noto Sans CJK TC Regular" pitchFamily="34" charset="-120"/>
+            </a:endParaRPr>
+          </a:p>
+        </p:txBody>
+      </p:sp>
+      <p:sp>
+        <p:nvSpPr>
+          <p:cNvPr id="3" name="內容版面配置區 2"/>
+          <p:cNvSpPr>
+            <a:spLocks noGrp="1"/>
+          </p:cNvSpPr>
+          <p:nvPr>
+            <p:ph idx="1"/>
+          </p:nvPr>
+        </p:nvSpPr>
+        <p:spPr>
+          <a:xfrm>
+            <a:off x="838200" y="1825624"/>
+            <a:ext cx="10515600" cy="5032375"/>
+          </a:xfrm>
+        </p:spPr>
+        <p:txBody>
+          <a:bodyPr>
+            <a:normAutofit/>
+          </a:bodyPr>
+          <a:lstStyle/>
+          <a:p>
+            <a:r>
+              <a:rPr lang="zh-TW" altLang="en-US" sz="3600" dirty="0" smtClean="0">
+                <a:latin typeface="Noto Sans CJK TC Regular" pitchFamily="34" charset="-120"/>
+                <a:ea typeface="Noto Sans CJK TC Regular" pitchFamily="34" charset="-120"/>
+              </a:rPr>
+              <a:t>程式範例</a:t>
+            </a:r>
+            <a:endParaRPr lang="en-US" altLang="zh-TW" sz="3200" dirty="0">
+              <a:latin typeface="Noto Sans CJK TC Regular" pitchFamily="34" charset="-120"/>
+              <a:ea typeface="Noto Sans CJK TC Regular" pitchFamily="34" charset="-120"/>
+            </a:endParaRPr>
+          </a:p>
+        </p:txBody>
+      </p:sp>
+      <p:sp>
+        <p:nvSpPr>
+          <p:cNvPr id="5" name="Rectangle 2"/>
+          <p:cNvSpPr>
+            <a:spLocks noChangeArrowheads="1"/>
+          </p:cNvSpPr>
+          <p:nvPr/>
+        </p:nvSpPr>
+        <p:spPr bwMode="auto">
+          <a:xfrm>
+            <a:off x="1473200" y="2589446"/>
+            <a:ext cx="7344959" cy="2769989"/>
+          </a:xfrm>
+          <a:prstGeom prst="rect">
+            <a:avLst/>
+          </a:prstGeom>
+          <a:noFill/>
+          <a:ln>
+            <a:noFill/>
+          </a:ln>
+          <a:effectLst/>
+          <a:extLst>
+            <a:ext uri="{909E8E84-426E-40DD-AFC4-6F175D3DCCD1}">
+              <a14:hiddenFill xmlns:a14="http://schemas.microsoft.com/office/drawing/2010/main">
+                <a:solidFill>
+                  <a:schemeClr val="accent1"/>
+                </a:solidFill>
+              </a14:hiddenFill>
+            </a:ext>
+            <a:ext uri="{91240B29-F687-4F45-9708-019B960494DF}">
+              <a14:hiddenLine xmlns:a14="http://schemas.microsoft.com/office/drawing/2010/main" w="9525">
+                <a:solidFill>
+                  <a:schemeClr val="tx1"/>
+                </a:solidFill>
+                <a:miter lim="800000"/>
+                <a:headEnd/>
+                <a:tailEnd/>
+              </a14:hiddenLine>
+            </a:ext>
+            <a:ext uri="{AF507438-7753-43E0-B8FC-AC1667EBCBE1}">
+              <a14:hiddenEffects xmlns:a14="http://schemas.microsoft.com/office/drawing/2010/main">
+                <a:effectLst>
+                  <a:outerShdw dist="35921" dir="2700000" algn="ctr" rotWithShape="0">
+                    <a:schemeClr val="bg2"/>
+                  </a:outerShdw>
+                </a:effectLst>
+              </a14:hiddenEffects>
+            </a:ext>
+          </a:extLst>
+        </p:spPr>
+        <p:txBody>
+          <a:bodyPr vert="horz" wrap="none" lIns="0" tIns="0" rIns="0" bIns="0" numCol="1" anchor="ctr" anchorCtr="0" compatLnSpc="1">
+            <a:prstTxWarp prst="textNoShape">
+              <a:avLst/>
+            </a:prstTxWarp>
+            <a:spAutoFit/>
+          </a:bodyPr>
+          <a:lstStyle>
+            <a:lvl1pPr fontAlgn="base">
+              <a:spcBef>
+                <a:spcPct val="0"/>
+              </a:spcBef>
+              <a:spcAft>
+                <a:spcPct val="0"/>
+              </a:spcAft>
+              <a:defRPr kumimoji="1">
+                <a:solidFill>
+                  <a:schemeClr val="tx1"/>
+                </a:solidFill>
+                <a:latin typeface="Arial" pitchFamily="34" charset="0"/>
+                <a:ea typeface="新細明體" pitchFamily="18" charset="-120"/>
+                <a:cs typeface="新細明體" pitchFamily="18" charset="-120"/>
+              </a:defRPr>
+            </a:lvl1pPr>
+            <a:lvl2pPr fontAlgn="base">
+              <a:spcBef>
+                <a:spcPct val="0"/>
+              </a:spcBef>
+              <a:spcAft>
+                <a:spcPct val="0"/>
+              </a:spcAft>
+              <a:defRPr kumimoji="1">
+                <a:solidFill>
+                  <a:schemeClr val="tx1"/>
+                </a:solidFill>
+                <a:latin typeface="Arial" pitchFamily="34" charset="0"/>
+                <a:ea typeface="新細明體" pitchFamily="18" charset="-120"/>
+                <a:cs typeface="新細明體" pitchFamily="18" charset="-120"/>
+              </a:defRPr>
+            </a:lvl2pPr>
+            <a:lvl3pPr fontAlgn="base">
+              <a:spcBef>
+                <a:spcPct val="0"/>
+              </a:spcBef>
+              <a:spcAft>
+                <a:spcPct val="0"/>
+              </a:spcAft>
+              <a:defRPr kumimoji="1">
+                <a:solidFill>
+                  <a:schemeClr val="tx1"/>
+                </a:solidFill>
+                <a:latin typeface="Arial" pitchFamily="34" charset="0"/>
+                <a:ea typeface="新細明體" pitchFamily="18" charset="-120"/>
+                <a:cs typeface="新細明體" pitchFamily="18" charset="-120"/>
+              </a:defRPr>
+            </a:lvl3pPr>
+            <a:lvl4pPr fontAlgn="base">
+              <a:spcBef>
+                <a:spcPct val="0"/>
+              </a:spcBef>
+              <a:spcAft>
+                <a:spcPct val="0"/>
+              </a:spcAft>
+              <a:defRPr kumimoji="1">
+                <a:solidFill>
+                  <a:schemeClr val="tx1"/>
+                </a:solidFill>
+                <a:latin typeface="Arial" pitchFamily="34" charset="0"/>
+                <a:ea typeface="新細明體" pitchFamily="18" charset="-120"/>
+                <a:cs typeface="新細明體" pitchFamily="18" charset="-120"/>
+              </a:defRPr>
+            </a:lvl4pPr>
+            <a:lvl5pPr fontAlgn="base">
+              <a:spcBef>
+                <a:spcPct val="0"/>
+              </a:spcBef>
+              <a:spcAft>
+                <a:spcPct val="0"/>
+              </a:spcAft>
+              <a:defRPr kumimoji="1">
+                <a:solidFill>
+                  <a:schemeClr val="tx1"/>
+                </a:solidFill>
+                <a:latin typeface="Arial" pitchFamily="34" charset="0"/>
+                <a:ea typeface="新細明體" pitchFamily="18" charset="-120"/>
+                <a:cs typeface="新細明體" pitchFamily="18" charset="-120"/>
+              </a:defRPr>
+            </a:lvl5pPr>
+            <a:lvl6pPr fontAlgn="base">
+              <a:spcBef>
+                <a:spcPct val="0"/>
+              </a:spcBef>
+              <a:spcAft>
+                <a:spcPct val="0"/>
+              </a:spcAft>
+              <a:defRPr kumimoji="1">
+                <a:solidFill>
+                  <a:schemeClr val="tx1"/>
+                </a:solidFill>
+                <a:latin typeface="Arial" pitchFamily="34" charset="0"/>
+                <a:ea typeface="新細明體" pitchFamily="18" charset="-120"/>
+                <a:cs typeface="新細明體" pitchFamily="18" charset="-120"/>
+              </a:defRPr>
+            </a:lvl6pPr>
+            <a:lvl7pPr fontAlgn="base">
+              <a:spcBef>
+                <a:spcPct val="0"/>
+              </a:spcBef>
+              <a:spcAft>
+                <a:spcPct val="0"/>
+              </a:spcAft>
+              <a:defRPr kumimoji="1">
+                <a:solidFill>
+                  <a:schemeClr val="tx1"/>
+                </a:solidFill>
+                <a:latin typeface="Arial" pitchFamily="34" charset="0"/>
+                <a:ea typeface="新細明體" pitchFamily="18" charset="-120"/>
+                <a:cs typeface="新細明體" pitchFamily="18" charset="-120"/>
+              </a:defRPr>
+            </a:lvl7pPr>
+            <a:lvl8pPr fontAlgn="base">
+              <a:spcBef>
+                <a:spcPct val="0"/>
+              </a:spcBef>
+              <a:spcAft>
+                <a:spcPct val="0"/>
+              </a:spcAft>
+              <a:defRPr kumimoji="1">
+                <a:solidFill>
+                  <a:schemeClr val="tx1"/>
+                </a:solidFill>
+                <a:latin typeface="Arial" pitchFamily="34" charset="0"/>
+                <a:ea typeface="新細明體" pitchFamily="18" charset="-120"/>
+                <a:cs typeface="新細明體" pitchFamily="18" charset="-120"/>
+              </a:defRPr>
+            </a:lvl8pPr>
+            <a:lvl9pPr fontAlgn="base">
+              <a:spcBef>
+                <a:spcPct val="0"/>
+              </a:spcBef>
+              <a:spcAft>
+                <a:spcPct val="0"/>
+              </a:spcAft>
+              <a:defRPr kumimoji="1">
+                <a:solidFill>
+                  <a:schemeClr val="tx1"/>
+                </a:solidFill>
+                <a:latin typeface="Arial" pitchFamily="34" charset="0"/>
+                <a:ea typeface="新細明體" pitchFamily="18" charset="-120"/>
+                <a:cs typeface="新細明體" pitchFamily="18" charset="-120"/>
+              </a:defRPr>
+            </a:lvl9pPr>
+          </a:lstStyle>
+          <a:p>
+            <a:pPr marL="0" marR="0" lvl="0" indent="0" algn="l" defTabSz="914400" rtl="0" eaLnBrk="1" fontAlgn="base" latinLnBrk="0" hangingPunct="1">
+              <a:lnSpc>
+                <a:spcPct val="100000"/>
+              </a:lnSpc>
+              <a:spcBef>
+                <a:spcPct val="0"/>
+              </a:spcBef>
+              <a:spcAft>
+                <a:spcPct val="0"/>
+              </a:spcAft>
+              <a:buClrTx/>
+              <a:buSzTx/>
+              <a:buFontTx/>
+              <a:buNone/>
+              <a:tabLst/>
+            </a:pPr>
+            <a:r>
+              <a:rPr kumimoji="1" lang="zh-TW" altLang="zh-TW" sz="3600" b="1" i="0" u="none" strike="noStrike" cap="none" normalizeH="0" baseline="0" dirty="0" smtClean="0">
+                <a:ln>
+                  <a:noFill/>
+                </a:ln>
+                <a:solidFill>
+                  <a:srgbClr val="006699"/>
+                </a:solidFill>
+                <a:effectLst/>
+                <a:latin typeface="Consolas" pitchFamily="49" charset="0"/>
+                <a:ea typeface="新細明體" pitchFamily="18" charset="-120"/>
+                <a:cs typeface="Consolas" pitchFamily="49" charset="0"/>
+              </a:rPr>
+              <a:t>import</a:t>
+            </a:r>
+            <a:r>
+              <a:rPr kumimoji="1" lang="zh-TW" altLang="zh-TW" sz="3600" b="0" i="0" u="none" strike="noStrike" cap="none" normalizeH="0" baseline="0" dirty="0" smtClean="0">
+                <a:ln>
+                  <a:noFill/>
+                </a:ln>
+                <a:solidFill>
+                  <a:srgbClr val="000000"/>
+                </a:solidFill>
+                <a:effectLst/>
+                <a:latin typeface="Consolas" pitchFamily="49" charset="0"/>
+                <a:ea typeface="新細明體" pitchFamily="18" charset="-120"/>
+                <a:cs typeface="Consolas" pitchFamily="49" charset="0"/>
+              </a:rPr>
+              <a:t> sys</a:t>
+            </a:r>
+            <a:endParaRPr kumimoji="1" lang="zh-TW" altLang="zh-TW" sz="5400" b="0" i="0" u="none" strike="noStrike" cap="none" normalizeH="0" baseline="0" dirty="0" smtClean="0">
+              <a:ln>
+                <a:noFill/>
+              </a:ln>
+              <a:solidFill>
+                <a:schemeClr val="tx1"/>
+              </a:solidFill>
+              <a:effectLst/>
+              <a:latin typeface="Arial" pitchFamily="34" charset="0"/>
+              <a:ea typeface="新細明體" pitchFamily="18" charset="-120"/>
+              <a:cs typeface="新細明體" pitchFamily="18" charset="-120"/>
+            </a:endParaRPr>
+          </a:p>
+          <a:p>
+            <a:pPr marL="0" marR="0" lvl="0" indent="0" algn="l" defTabSz="914400" rtl="0" eaLnBrk="0" fontAlgn="base" latinLnBrk="0" hangingPunct="0">
+              <a:lnSpc>
+                <a:spcPct val="100000"/>
+              </a:lnSpc>
+              <a:spcBef>
+                <a:spcPct val="0"/>
+              </a:spcBef>
+              <a:spcAft>
+                <a:spcPct val="0"/>
+              </a:spcAft>
+              <a:buClrTx/>
+              <a:buSzTx/>
+              <a:buFontTx/>
+              <a:buNone/>
+              <a:tabLst/>
+            </a:pPr>
+            <a:r>
+              <a:rPr kumimoji="1" lang="zh-TW" altLang="zh-TW" sz="3600" b="0" i="0" u="none" strike="noStrike" cap="none" normalizeH="0" baseline="0" dirty="0" smtClean="0">
+                <a:ln>
+                  <a:noFill/>
+                </a:ln>
+                <a:solidFill>
+                  <a:srgbClr val="000000"/>
+                </a:solidFill>
+                <a:effectLst/>
+                <a:latin typeface="Consolas" pitchFamily="49" charset="0"/>
+                <a:ea typeface="新細明體" pitchFamily="18" charset="-120"/>
+                <a:cs typeface="Consolas" pitchFamily="49" charset="0"/>
+              </a:rPr>
+              <a:t>file = open(sys.argv[</a:t>
+            </a:r>
+            <a:r>
+              <a:rPr kumimoji="1" lang="zh-TW" altLang="zh-TW" sz="3600" b="0" i="0" u="none" strike="noStrike" cap="none" normalizeH="0" baseline="0" dirty="0" smtClean="0">
+                <a:ln>
+                  <a:noFill/>
+                </a:ln>
+                <a:solidFill>
+                  <a:srgbClr val="009900"/>
+                </a:solidFill>
+                <a:effectLst/>
+                <a:latin typeface="Consolas" pitchFamily="49" charset="0"/>
+                <a:ea typeface="新細明體" pitchFamily="18" charset="-120"/>
+                <a:cs typeface="Consolas" pitchFamily="49" charset="0"/>
+              </a:rPr>
+              <a:t>1</a:t>
+            </a:r>
+            <a:r>
+              <a:rPr kumimoji="1" lang="zh-TW" altLang="zh-TW" sz="3600" b="0" i="0" u="none" strike="noStrike" cap="none" normalizeH="0" baseline="0" dirty="0" smtClean="0">
+                <a:ln>
+                  <a:noFill/>
+                </a:ln>
+                <a:solidFill>
+                  <a:srgbClr val="000000"/>
+                </a:solidFill>
+                <a:effectLst/>
+                <a:latin typeface="Consolas" pitchFamily="49" charset="0"/>
+                <a:ea typeface="新細明體" pitchFamily="18" charset="-120"/>
+                <a:cs typeface="Consolas" pitchFamily="49" charset="0"/>
+              </a:rPr>
+              <a:t>], </a:t>
+            </a:r>
+            <a:r>
+              <a:rPr kumimoji="1" lang="zh-TW" altLang="zh-TW" sz="3600" b="0" i="0" u="none" strike="noStrike" cap="none" normalizeH="0" baseline="0" dirty="0" smtClean="0">
+                <a:ln>
+                  <a:noFill/>
+                </a:ln>
+                <a:solidFill>
+                  <a:srgbClr val="0000FF"/>
+                </a:solidFill>
+                <a:effectLst/>
+                <a:latin typeface="Consolas" pitchFamily="49" charset="0"/>
+                <a:ea typeface="新細明體" pitchFamily="18" charset="-120"/>
+                <a:cs typeface="Consolas" pitchFamily="49" charset="0"/>
+              </a:rPr>
+              <a:t>'r'</a:t>
+            </a:r>
+            <a:r>
+              <a:rPr kumimoji="1" lang="zh-TW" altLang="zh-TW" sz="3600" b="0" i="0" u="none" strike="noStrike" cap="none" normalizeH="0" baseline="0" dirty="0" smtClean="0">
+                <a:ln>
+                  <a:noFill/>
+                </a:ln>
+                <a:solidFill>
+                  <a:srgbClr val="000000"/>
+                </a:solidFill>
+                <a:effectLst/>
+                <a:latin typeface="Consolas" pitchFamily="49" charset="0"/>
+                <a:ea typeface="新細明體" pitchFamily="18" charset="-120"/>
+                <a:cs typeface="Consolas" pitchFamily="49" charset="0"/>
+              </a:rPr>
+              <a:t>)</a:t>
+            </a:r>
+            <a:endParaRPr kumimoji="1" lang="zh-TW" altLang="zh-TW" sz="5400" b="0" i="0" u="none" strike="noStrike" cap="none" normalizeH="0" baseline="0" dirty="0" smtClean="0">
+              <a:ln>
+                <a:noFill/>
+              </a:ln>
+              <a:solidFill>
+                <a:schemeClr val="tx1"/>
+              </a:solidFill>
+              <a:effectLst/>
+              <a:latin typeface="Arial" pitchFamily="34" charset="0"/>
+              <a:ea typeface="新細明體" pitchFamily="18" charset="-120"/>
+              <a:cs typeface="新細明體" pitchFamily="18" charset="-120"/>
+            </a:endParaRPr>
+          </a:p>
+          <a:p>
+            <a:pPr marL="0" marR="0" lvl="0" indent="0" algn="l" defTabSz="914400" rtl="0" eaLnBrk="0" fontAlgn="base" latinLnBrk="0" hangingPunct="0">
+              <a:lnSpc>
+                <a:spcPct val="100000"/>
+              </a:lnSpc>
+              <a:spcBef>
+                <a:spcPct val="0"/>
+              </a:spcBef>
+              <a:spcAft>
+                <a:spcPct val="0"/>
+              </a:spcAft>
+              <a:buClrTx/>
+              <a:buSzTx/>
+              <a:buFontTx/>
+              <a:buNone/>
+              <a:tabLst/>
+            </a:pPr>
+            <a:r>
+              <a:rPr kumimoji="1" lang="zh-TW" altLang="zh-TW" sz="3600" b="0" i="0" u="none" strike="noStrike" cap="none" normalizeH="0" baseline="0" dirty="0" smtClean="0">
+                <a:ln>
+                  <a:noFill/>
+                </a:ln>
+                <a:solidFill>
+                  <a:srgbClr val="000000"/>
+                </a:solidFill>
+                <a:effectLst/>
+                <a:latin typeface="Consolas" pitchFamily="49" charset="0"/>
+                <a:ea typeface="新細明體" pitchFamily="18" charset="-120"/>
+                <a:cs typeface="Consolas" pitchFamily="49" charset="0"/>
+              </a:rPr>
+              <a:t>content = file.read()</a:t>
+            </a:r>
+            <a:endParaRPr kumimoji="1" lang="zh-TW" altLang="zh-TW" sz="5400" b="0" i="0" u="none" strike="noStrike" cap="none" normalizeH="0" baseline="0" dirty="0" smtClean="0">
+              <a:ln>
+                <a:noFill/>
+              </a:ln>
+              <a:solidFill>
+                <a:schemeClr val="tx1"/>
+              </a:solidFill>
+              <a:effectLst/>
+              <a:latin typeface="Arial" pitchFamily="34" charset="0"/>
+              <a:ea typeface="新細明體" pitchFamily="18" charset="-120"/>
+              <a:cs typeface="新細明體" pitchFamily="18" charset="-120"/>
+            </a:endParaRPr>
+          </a:p>
+          <a:p>
+            <a:pPr marL="0" marR="0" lvl="0" indent="0" algn="l" defTabSz="914400" rtl="0" eaLnBrk="0" fontAlgn="base" latinLnBrk="0" hangingPunct="0">
+              <a:lnSpc>
+                <a:spcPct val="100000"/>
+              </a:lnSpc>
+              <a:spcBef>
+                <a:spcPct val="0"/>
+              </a:spcBef>
+              <a:spcAft>
+                <a:spcPct val="0"/>
+              </a:spcAft>
+              <a:buClrTx/>
+              <a:buSzTx/>
+              <a:buFontTx/>
+              <a:buNone/>
+              <a:tabLst/>
+            </a:pPr>
+            <a:r>
+              <a:rPr kumimoji="1" lang="zh-TW" altLang="zh-TW" sz="3600" b="0" i="0" u="none" strike="noStrike" cap="none" normalizeH="0" baseline="0" dirty="0" smtClean="0">
+                <a:ln>
+                  <a:noFill/>
+                </a:ln>
+                <a:solidFill>
+                  <a:srgbClr val="000000"/>
+                </a:solidFill>
+                <a:effectLst/>
+                <a:latin typeface="Consolas" pitchFamily="49" charset="0"/>
+                <a:ea typeface="新細明體" pitchFamily="18" charset="-120"/>
+                <a:cs typeface="Consolas" pitchFamily="49" charset="0"/>
+              </a:rPr>
+              <a:t>print content</a:t>
+            </a:r>
+            <a:endParaRPr kumimoji="1" lang="zh-TW" altLang="zh-TW" sz="5400" b="0" i="0" u="none" strike="noStrike" cap="none" normalizeH="0" baseline="0" dirty="0" smtClean="0">
+              <a:ln>
+                <a:noFill/>
+              </a:ln>
+              <a:solidFill>
+                <a:schemeClr val="tx1"/>
+              </a:solidFill>
+              <a:effectLst/>
+              <a:latin typeface="Arial" pitchFamily="34" charset="0"/>
+              <a:ea typeface="新細明體" pitchFamily="18" charset="-120"/>
+              <a:cs typeface="新細明體" pitchFamily="18" charset="-120"/>
+            </a:endParaRPr>
+          </a:p>
+          <a:p>
+            <a:pPr marL="0" marR="0" lvl="0" indent="0" algn="l" defTabSz="914400" rtl="0" eaLnBrk="0" fontAlgn="base" latinLnBrk="0" hangingPunct="0">
+              <a:lnSpc>
+                <a:spcPct val="100000"/>
+              </a:lnSpc>
+              <a:spcBef>
+                <a:spcPct val="0"/>
+              </a:spcBef>
+              <a:spcAft>
+                <a:spcPct val="0"/>
+              </a:spcAft>
+              <a:buClrTx/>
+              <a:buSzTx/>
+              <a:buFontTx/>
+              <a:buNone/>
+              <a:tabLst/>
+            </a:pPr>
+            <a:r>
+              <a:rPr kumimoji="1" lang="zh-TW" altLang="zh-TW" sz="3600" b="0" i="0" u="none" strike="noStrike" cap="none" normalizeH="0" baseline="0" dirty="0" smtClean="0">
+                <a:ln>
+                  <a:noFill/>
+                </a:ln>
+                <a:solidFill>
+                  <a:srgbClr val="000000"/>
+                </a:solidFill>
+                <a:effectLst/>
+                <a:latin typeface="Consolas" pitchFamily="49" charset="0"/>
+                <a:ea typeface="新細明體" pitchFamily="18" charset="-120"/>
+                <a:cs typeface="Consolas" pitchFamily="49" charset="0"/>
+              </a:rPr>
+              <a:t>file.close()</a:t>
+            </a:r>
+            <a:endParaRPr kumimoji="1" lang="zh-TW" altLang="zh-TW" sz="7200" b="0" i="0" u="none" strike="noStrike" cap="none" normalizeH="0" baseline="0" dirty="0" smtClean="0">
+              <a:ln>
+                <a:noFill/>
+              </a:ln>
+              <a:solidFill>
+                <a:schemeClr val="tx1"/>
+              </a:solidFill>
+              <a:effectLst/>
+              <a:latin typeface="Arial" pitchFamily="34" charset="0"/>
+              <a:ea typeface="新細明體" pitchFamily="18" charset="-120"/>
+              <a:cs typeface="新細明體" pitchFamily="18" charset="-120"/>
+            </a:endParaRPr>
+          </a:p>
+        </p:txBody>
+      </p:sp>
+    </p:spTree>
+    <p:extLst>
+      <p:ext uri="{BB962C8B-B14F-4D97-AF65-F5344CB8AC3E}">
+        <p14:creationId xmlns:p14="http://schemas.microsoft.com/office/powerpoint/2010/main" val="2269206845"/>
       </p:ext>
     </p:extLst>
   </p:cSld>
@@ -3792,23 +8208,12 @@
           <a:lstStyle/>
           <a:p>
             <a:r>
-              <a:rPr lang="zh-TW" altLang="en-US" dirty="0" smtClean="0">
-                <a:latin typeface="Noto Sans CJK TC Regular" pitchFamily="34" charset="-120"/>
-                <a:ea typeface="Noto Sans CJK TC Regular" pitchFamily="34" charset="-120"/>
-              </a:rPr>
-              <a:t>目</a:t>
-            </a:r>
-            <a:r>
               <a:rPr lang="zh-TW" altLang="en-US" dirty="0">
                 <a:latin typeface="Noto Sans CJK TC Regular" pitchFamily="34" charset="-120"/>
                 <a:ea typeface="Noto Sans CJK TC Regular" pitchFamily="34" charset="-120"/>
               </a:rPr>
-              <a:t>錄</a:t>
-            </a:r>
-            <a:endParaRPr lang="zh-TW" altLang="en-US" dirty="0">
-              <a:latin typeface="Noto Sans CJK TC Regular" pitchFamily="34" charset="-120"/>
-              <a:ea typeface="Noto Sans CJK TC Regular" pitchFamily="34" charset="-120"/>
-            </a:endParaRPr>
+              <a:t>課程目的</a:t>
+            </a:r>
           </a:p>
         </p:txBody>
       </p:sp>
@@ -3834,7 +8239,21 @@
                 <a:latin typeface="Noto Sans CJK TC Regular" pitchFamily="34" charset="-120"/>
                 <a:ea typeface="Noto Sans CJK TC Regular" pitchFamily="34" charset="-120"/>
               </a:rPr>
-              <a:t>版本選擇</a:t>
+              <a:t>學習</a:t>
+            </a:r>
+            <a:r>
+              <a:rPr lang="en-US" altLang="zh-TW" sz="3600" dirty="0" smtClean="0">
+                <a:latin typeface="Noto Sans CJK TC Regular" pitchFamily="34" charset="-120"/>
+                <a:ea typeface="Noto Sans CJK TC Regular" pitchFamily="34" charset="-120"/>
+              </a:rPr>
+              <a:t>Python</a:t>
+            </a:r>
+            <a:r>
+              <a:rPr lang="zh-TW" altLang="en-US" sz="3600" dirty="0" smtClean="0">
+                <a:latin typeface="Noto Sans CJK TC Regular" pitchFamily="34" charset="-120"/>
+                <a:ea typeface="Noto Sans CJK TC Regular" pitchFamily="34" charset="-120"/>
+              </a:rPr>
+              <a:t>生態系</a:t>
             </a:r>
             <a:endParaRPr lang="en-US" altLang="zh-TW" sz="3600" dirty="0" smtClean="0">
               <a:latin typeface="Noto Sans CJK TC Regular" pitchFamily="34" charset="-120"/>
@@ -3842,14 +8261,32 @@
             </a:endParaRPr>
           </a:p>
           <a:p>
-            <a:r>
-              <a:rPr lang="zh-TW" altLang="en-US" sz="3600" dirty="0" smtClean="0">
-                <a:latin typeface="Noto Sans CJK TC Regular" pitchFamily="34" charset="-120"/>
-                <a:ea typeface="Noto Sans CJK TC Regular" pitchFamily="34" charset="-120"/>
-              </a:rPr>
-              <a:t>安裝</a:t>
-            </a:r>
-            <a:endParaRPr lang="en-US" altLang="zh-TW" sz="3600" dirty="0" smtClean="0">
+            <a:pPr lvl="1">
+              <a:buFont typeface="Noto Sans CJK TC Regular" pitchFamily="34" charset="-120"/>
+              <a:buChar char="­"/>
+            </a:pPr>
+            <a:r>
+              <a:rPr lang="zh-TW" altLang="en-US" sz="3200" dirty="0">
+                <a:latin typeface="Noto Sans CJK TC Regular" pitchFamily="34" charset="-120"/>
+                <a:ea typeface="Noto Sans CJK TC Regular" pitchFamily="34" charset="-120"/>
+              </a:rPr>
+              <a:t>語言</a:t>
+            </a:r>
+            <a:r>
+              <a:rPr lang="zh-TW" altLang="en-US" sz="3200" dirty="0" smtClean="0">
+                <a:latin typeface="Noto Sans CJK TC Regular" pitchFamily="34" charset="-120"/>
+                <a:ea typeface="Noto Sans CJK TC Regular" pitchFamily="34" charset="-120"/>
+              </a:rPr>
+              <a:t>、工具、程式</a:t>
+            </a:r>
+            <a:r>
+              <a:rPr lang="zh-TW" altLang="en-US" sz="3200" dirty="0">
+                <a:latin typeface="Noto Sans CJK TC Regular" pitchFamily="34" charset="-120"/>
+                <a:ea typeface="Noto Sans CJK TC Regular" pitchFamily="34" charset="-120"/>
+              </a:rPr>
+              <a:t>庫</a:t>
+            </a:r>
+            <a:endParaRPr lang="en-US" altLang="zh-TW" sz="3200" dirty="0" smtClean="0">
               <a:latin typeface="Noto Sans CJK TC Regular" pitchFamily="34" charset="-120"/>
               <a:ea typeface="Noto Sans CJK TC Regular" pitchFamily="34" charset="-120"/>
             </a:endParaRPr>
@@ -3860,28 +8297,17 @@
                 <a:latin typeface="Noto Sans CJK TC Regular" pitchFamily="34" charset="-120"/>
                 <a:ea typeface="Noto Sans CJK TC Regular" pitchFamily="34" charset="-120"/>
               </a:rPr>
-              <a:t>準備環境</a:t>
-            </a:r>
-            <a:endParaRPr lang="en-US" altLang="zh-TW" sz="3600" dirty="0" smtClean="0">
-              <a:latin typeface="Noto Sans CJK TC Regular" pitchFamily="34" charset="-120"/>
-              <a:ea typeface="Noto Sans CJK TC Regular" pitchFamily="34" charset="-120"/>
-            </a:endParaRPr>
-          </a:p>
-          <a:p>
-            <a:r>
-              <a:rPr lang="zh-TW" altLang="en-US" sz="3600" smtClean="0">
-                <a:latin typeface="Noto Sans CJK TC Regular" pitchFamily="34" charset="-120"/>
-                <a:ea typeface="Noto Sans CJK TC Regular" pitchFamily="34" charset="-120"/>
-              </a:rPr>
-              <a:t>我</a:t>
-            </a:r>
-            <a:r>
-              <a:rPr lang="zh-TW" altLang="en-US" sz="3600">
-                <a:latin typeface="Noto Sans CJK TC Regular" pitchFamily="34" charset="-120"/>
-                <a:ea typeface="Noto Sans CJK TC Regular" pitchFamily="34" charset="-120"/>
-              </a:rPr>
-              <a:t>的</a:t>
-            </a:r>
+              <a:t>學會</a:t>
+            </a:r>
+            <a:r>
+              <a:rPr lang="en-US" altLang="zh-TW" sz="3600" dirty="0" smtClean="0">
+                <a:latin typeface="Noto Sans CJK TC Regular" pitchFamily="34" charset="-120"/>
+                <a:ea typeface="Noto Sans CJK TC Regular" pitchFamily="34" charset="-120"/>
+              </a:rPr>
+              <a:t>Python</a:t>
+            </a:r>
+          </a:p>
+          <a:p>
             <a:endParaRPr lang="zh-TW" altLang="en-US" sz="3600" dirty="0">
               <a:latin typeface="Noto Sans CJK TC Regular" pitchFamily="34" charset="-120"/>
               <a:ea typeface="Noto Sans CJK TC Regular" pitchFamily="34" charset="-120"/>
@@ -3892,7 +8318,7 @@
     </p:spTree>
     <p:extLst>
       <p:ext uri="{BB962C8B-B14F-4D97-AF65-F5344CB8AC3E}">
-        <p14:creationId xmlns:p14="http://schemas.microsoft.com/office/powerpoint/2010/main" val="692929113"/>
+        <p14:creationId xmlns:p14="http://schemas.microsoft.com/office/powerpoint/2010/main" val="396150425"/>
       </p:ext>
     </p:extLst>
   </p:cSld>
@@ -3946,21 +8372,14 @@
                 <a:latin typeface="Noto Sans CJK TC Regular" pitchFamily="34" charset="-120"/>
                 <a:ea typeface="Noto Sans CJK TC Regular" pitchFamily="34" charset="-120"/>
               </a:rPr>
-              <a:t>什麼</a:t>
+              <a:t>第一堂課程</a:t>
             </a:r>
             <a:r>
               <a:rPr lang="zh-TW" altLang="en-US" dirty="0">
                 <a:latin typeface="Noto Sans CJK TC Regular" pitchFamily="34" charset="-120"/>
                 <a:ea typeface="Noto Sans CJK TC Regular" pitchFamily="34" charset="-120"/>
               </a:rPr>
-              <a:t>事</a:t>
-            </a:r>
-            <a:r>
-              <a:rPr lang="en-US" altLang="zh-TW" dirty="0" err="1" smtClean="0">
-                <a:latin typeface="Noto Sans CJK TC Regular" pitchFamily="34" charset="-120"/>
-                <a:ea typeface="Noto Sans CJK TC Regular" pitchFamily="34" charset="-120"/>
-              </a:rPr>
-              <a:t>Ptyhon</a:t>
+              <a:t>內容</a:t>
             </a:r>
             <a:endParaRPr lang="zh-TW" altLang="en-US" dirty="0">
               <a:latin typeface="Noto Sans CJK TC Regular" pitchFamily="34" charset="-120"/>
@@ -3979,51 +8398,272 @@
             <p:ph idx="1"/>
           </p:nvPr>
         </p:nvSpPr>
-        <p:spPr/>
-        <p:txBody>
-          <a:bodyPr/>
+        <p:spPr>
+          <a:xfrm>
+            <a:off x="838200" y="1825624"/>
+            <a:ext cx="10515600" cy="5032375"/>
+          </a:xfrm>
+        </p:spPr>
+        <p:txBody>
+          <a:bodyPr>
+            <a:normAutofit/>
+          </a:bodyPr>
           <a:lstStyle/>
           <a:p>
             <a:r>
-              <a:rPr lang="zh-TW" altLang="en-US" dirty="0" smtClean="0">
-                <a:latin typeface="Noto Sans CJK TC Regular" pitchFamily="34" charset="-120"/>
-                <a:ea typeface="Noto Sans CJK TC Regular" pitchFamily="34" charset="-120"/>
-              </a:rPr>
-              <a:t>通用</a:t>
-            </a:r>
-            <a:endParaRPr lang="en-US" altLang="zh-TW" dirty="0" smtClean="0">
+              <a:rPr lang="en-US" altLang="zh-TW" sz="3600" dirty="0" smtClean="0">
+                <a:latin typeface="Noto Sans CJK TC Regular" pitchFamily="34" charset="-120"/>
+                <a:ea typeface="Noto Sans CJK TC Regular" pitchFamily="34" charset="-120"/>
+              </a:rPr>
+              <a:t>Python</a:t>
+            </a:r>
+            <a:r>
+              <a:rPr lang="zh-TW" altLang="en-US" sz="3600" dirty="0" smtClean="0">
+                <a:latin typeface="Noto Sans CJK TC Regular" pitchFamily="34" charset="-120"/>
+                <a:ea typeface="Noto Sans CJK TC Regular" pitchFamily="34" charset="-120"/>
+              </a:rPr>
+              <a:t>簡單用</a:t>
+            </a:r>
+            <a:endParaRPr lang="en-US" altLang="zh-TW" sz="3600" dirty="0" smtClean="0">
               <a:latin typeface="Noto Sans CJK TC Regular" pitchFamily="34" charset="-120"/>
               <a:ea typeface="Noto Sans CJK TC Regular" pitchFamily="34" charset="-120"/>
             </a:endParaRPr>
           </a:p>
           <a:p>
-            <a:r>
-              <a:rPr lang="zh-TW" altLang="en-US" dirty="0" smtClean="0">
-                <a:latin typeface="Noto Sans CJK TC Regular" pitchFamily="34" charset="-120"/>
-                <a:ea typeface="Noto Sans CJK TC Regular" pitchFamily="34" charset="-120"/>
-              </a:rPr>
-              <a:t>直譯</a:t>
-            </a:r>
-            <a:endParaRPr lang="en-US" altLang="zh-TW" dirty="0" smtClean="0">
+            <a:pPr lvl="1">
+              <a:buFont typeface="Noto Sans CJK TC Regular" pitchFamily="34" charset="-120"/>
+              <a:buChar char="­"/>
+            </a:pPr>
+            <a:r>
+              <a:rPr lang="zh-TW" altLang="en-US" sz="3200" dirty="0">
+                <a:latin typeface="Noto Sans CJK TC Regular" pitchFamily="34" charset="-120"/>
+                <a:ea typeface="Noto Sans CJK TC Regular" pitchFamily="34" charset="-120"/>
+              </a:rPr>
+              <a:t>環境</a:t>
+            </a:r>
+            <a:r>
+              <a:rPr lang="zh-TW" altLang="en-US" sz="3200" dirty="0" smtClean="0">
+                <a:latin typeface="Noto Sans CJK TC Regular" pitchFamily="34" charset="-120"/>
+                <a:ea typeface="Noto Sans CJK TC Regular" pitchFamily="34" charset="-120"/>
+              </a:rPr>
+              <a:t>建置</a:t>
+            </a:r>
+            <a:endParaRPr lang="en-US" altLang="zh-TW" sz="3200" dirty="0" smtClean="0">
               <a:latin typeface="Noto Sans CJK TC Regular" pitchFamily="34" charset="-120"/>
               <a:ea typeface="Noto Sans CJK TC Regular" pitchFamily="34" charset="-120"/>
             </a:endParaRPr>
           </a:p>
           <a:p>
-            <a:r>
-              <a:rPr lang="zh-TW" altLang="en-US" dirty="0" smtClean="0">
-                <a:latin typeface="Noto Sans CJK TC Regular" pitchFamily="34" charset="-120"/>
-                <a:ea typeface="Noto Sans CJK TC Regular" pitchFamily="34" charset="-120"/>
-              </a:rPr>
-              <a:t>物件導向</a:t>
-            </a:r>
-            <a:endParaRPr lang="en-US" altLang="zh-TW" dirty="0" smtClean="0">
+            <a:pPr lvl="1">
+              <a:buFont typeface="Noto Sans CJK TC Regular" pitchFamily="34" charset="-120"/>
+              <a:buChar char="­"/>
+            </a:pPr>
+            <a:r>
+              <a:rPr lang="en-US" altLang="zh-TW" sz="3200" dirty="0" err="1" smtClean="0">
+                <a:latin typeface="Noto Sans CJK TC Regular" pitchFamily="34" charset="-120"/>
+                <a:ea typeface="Noto Sans CJK TC Regular" pitchFamily="34" charset="-120"/>
+              </a:rPr>
+              <a:t>Distutils</a:t>
+            </a:r>
+            <a:r>
+              <a:rPr lang="zh-TW" altLang="en-US" sz="3200" dirty="0" smtClean="0">
+                <a:latin typeface="Noto Sans CJK TC Regular" pitchFamily="34" charset="-120"/>
+                <a:ea typeface="Noto Sans CJK TC Regular" pitchFamily="34" charset="-120"/>
+              </a:rPr>
+              <a:t>、</a:t>
+            </a:r>
+            <a:r>
+              <a:rPr lang="en-US" altLang="zh-TW" sz="3200" dirty="0" smtClean="0">
+                <a:latin typeface="Noto Sans CJK TC Regular" pitchFamily="34" charset="-120"/>
+                <a:ea typeface="Noto Sans CJK TC Regular" pitchFamily="34" charset="-120"/>
+              </a:rPr>
+              <a:t>Distribute</a:t>
+            </a:r>
+            <a:r>
+              <a:rPr lang="zh-TW" altLang="en-US" sz="3200" dirty="0" smtClean="0">
+                <a:latin typeface="Noto Sans CJK TC Regular" pitchFamily="34" charset="-120"/>
+                <a:ea typeface="Noto Sans CJK TC Regular" pitchFamily="34" charset="-120"/>
+              </a:rPr>
+              <a:t>、</a:t>
+            </a:r>
+            <a:r>
+              <a:rPr lang="en-US" altLang="zh-TW" sz="3200" dirty="0" smtClean="0">
+                <a:latin typeface="Noto Sans CJK TC Regular" pitchFamily="34" charset="-120"/>
+                <a:ea typeface="Noto Sans CJK TC Regular" pitchFamily="34" charset="-120"/>
+              </a:rPr>
+              <a:t>Pip</a:t>
+            </a:r>
+            <a:r>
+              <a:rPr lang="zh-TW" altLang="en-US" sz="3200" dirty="0" smtClean="0">
+                <a:latin typeface="Noto Sans CJK TC Regular" pitchFamily="34" charset="-120"/>
+                <a:ea typeface="Noto Sans CJK TC Regular" pitchFamily="34" charset="-120"/>
+              </a:rPr>
+              <a:t>之關係</a:t>
+            </a:r>
+            <a:endParaRPr lang="en-US" altLang="zh-TW" sz="3200" dirty="0" smtClean="0">
               <a:latin typeface="Noto Sans CJK TC Regular" pitchFamily="34" charset="-120"/>
               <a:ea typeface="Noto Sans CJK TC Regular" pitchFamily="34" charset="-120"/>
             </a:endParaRPr>
           </a:p>
           <a:p>
-            <a:endParaRPr lang="zh-TW" altLang="en-US" dirty="0">
+            <a:pPr lvl="1">
+              <a:buFont typeface="Noto Sans CJK TC Regular" pitchFamily="34" charset="-120"/>
+              <a:buChar char="­"/>
+            </a:pPr>
+            <a:r>
+              <a:rPr lang="zh-TW" altLang="en-US" sz="3200" dirty="0" smtClean="0">
+                <a:latin typeface="Noto Sans CJK TC Regular" pitchFamily="34" charset="-120"/>
+                <a:ea typeface="Noto Sans CJK TC Regular" pitchFamily="34" charset="-120"/>
+              </a:rPr>
+              <a:t>使用</a:t>
+            </a:r>
+            <a:r>
+              <a:rPr lang="en-US" altLang="zh-TW" sz="3200" dirty="0" err="1" smtClean="0">
+                <a:latin typeface="Noto Sans CJK TC Regular" pitchFamily="34" charset="-120"/>
+                <a:ea typeface="Noto Sans CJK TC Regular" pitchFamily="34" charset="-120"/>
+              </a:rPr>
+              <a:t>Virtualenv</a:t>
+            </a:r>
+            <a:endParaRPr lang="en-US" altLang="zh-TW" sz="3200" dirty="0" smtClean="0">
+              <a:latin typeface="Noto Sans CJK TC Regular" pitchFamily="34" charset="-120"/>
+              <a:ea typeface="Noto Sans CJK TC Regular" pitchFamily="34" charset="-120"/>
+            </a:endParaRPr>
+          </a:p>
+          <a:p>
+            <a:pPr lvl="1">
+              <a:buFont typeface="Noto Sans CJK TC Regular" pitchFamily="34" charset="-120"/>
+              <a:buChar char="­"/>
+            </a:pPr>
+            <a:r>
+              <a:rPr lang="zh-TW" altLang="en-US" sz="3200" dirty="0">
+                <a:latin typeface="Noto Sans CJK TC Regular" pitchFamily="34" charset="-120"/>
+                <a:ea typeface="Noto Sans CJK TC Regular" pitchFamily="34" charset="-120"/>
+              </a:rPr>
+              <a:t>哈囉</a:t>
+            </a:r>
+            <a:r>
+              <a:rPr lang="en-US" altLang="zh-TW" sz="3200" dirty="0">
+                <a:latin typeface="Noto Sans CJK TC Regular" pitchFamily="34" charset="-120"/>
+                <a:ea typeface="Noto Sans CJK TC Regular" pitchFamily="34" charset="-120"/>
+              </a:rPr>
+              <a:t>!</a:t>
+            </a:r>
+            <a:r>
+              <a:rPr lang="zh-TW" altLang="en-US" sz="3200" dirty="0" smtClean="0">
+                <a:latin typeface="Noto Sans CJK TC Regular" pitchFamily="34" charset="-120"/>
+                <a:ea typeface="Noto Sans CJK TC Regular" pitchFamily="34" charset="-120"/>
+              </a:rPr>
+              <a:t>世界</a:t>
+            </a:r>
+            <a:r>
+              <a:rPr lang="en-US" altLang="zh-TW" sz="3200" dirty="0" smtClean="0">
+                <a:latin typeface="Noto Sans CJK TC Regular" pitchFamily="34" charset="-120"/>
+                <a:ea typeface="Noto Sans CJK TC Regular" pitchFamily="34" charset="-120"/>
+              </a:rPr>
+              <a:t>!</a:t>
+            </a:r>
+          </a:p>
+          <a:p>
+            <a:pPr lvl="1">
+              <a:buFont typeface="Noto Sans CJK TC Regular" pitchFamily="34" charset="-120"/>
+              <a:buChar char="­"/>
+            </a:pPr>
+            <a:r>
+              <a:rPr lang="en-US" altLang="zh-TW" sz="3200" dirty="0" smtClean="0">
+                <a:latin typeface="Noto Sans CJK TC Regular" pitchFamily="34" charset="-120"/>
+                <a:ea typeface="Noto Sans CJK TC Regular" pitchFamily="34" charset="-120"/>
+              </a:rPr>
+              <a:t>Unicode</a:t>
+            </a:r>
+            <a:r>
+              <a:rPr lang="zh-TW" altLang="en-US" sz="3200" dirty="0" smtClean="0">
+                <a:latin typeface="Noto Sans CJK TC Regular" pitchFamily="34" charset="-120"/>
+                <a:ea typeface="Noto Sans CJK TC Regular" pitchFamily="34" charset="-120"/>
+              </a:rPr>
+              <a:t>支援</a:t>
+            </a:r>
+            <a:endParaRPr lang="en-US" altLang="zh-TW" sz="3200" dirty="0" smtClean="0">
+              <a:latin typeface="Noto Sans CJK TC Regular" pitchFamily="34" charset="-120"/>
+              <a:ea typeface="Noto Sans CJK TC Regular" pitchFamily="34" charset="-120"/>
+            </a:endParaRPr>
+          </a:p>
+          <a:p>
+            <a:pPr lvl="1">
+              <a:buFont typeface="Noto Sans CJK TC Regular" pitchFamily="34" charset="-120"/>
+              <a:buChar char="­"/>
+            </a:pPr>
+            <a:r>
+              <a:rPr lang="zh-TW" altLang="en-US" sz="3200" dirty="0" smtClean="0">
+                <a:latin typeface="Noto Sans CJK TC Regular" pitchFamily="34" charset="-120"/>
+                <a:ea typeface="Noto Sans CJK TC Regular" pitchFamily="34" charset="-120"/>
+              </a:rPr>
+              <a:t>基本</a:t>
+            </a:r>
+            <a:r>
+              <a:rPr lang="en-US" altLang="zh-TW" sz="3200" dirty="0" smtClean="0">
+                <a:latin typeface="Noto Sans CJK TC Regular" pitchFamily="34" charset="-120"/>
+                <a:ea typeface="Noto Sans CJK TC Regular" pitchFamily="34" charset="-120"/>
+              </a:rPr>
+              <a:t>I/O</a:t>
+            </a:r>
+          </a:p>
+          <a:p>
+            <a:pPr lvl="1">
+              <a:buFont typeface="Noto Sans CJK TC Regular" pitchFamily="34" charset="-120"/>
+              <a:buChar char="­"/>
+            </a:pPr>
+            <a:r>
+              <a:rPr lang="zh-TW" altLang="en-US" sz="3200" dirty="0">
+                <a:latin typeface="Noto Sans CJK TC Regular" pitchFamily="34" charset="-120"/>
+                <a:ea typeface="Noto Sans CJK TC Regular" pitchFamily="34" charset="-120"/>
+              </a:rPr>
+              <a:t>開發</a:t>
+            </a:r>
+            <a:r>
+              <a:rPr lang="zh-TW" altLang="en-US" sz="3200" dirty="0" smtClean="0">
+                <a:latin typeface="Noto Sans CJK TC Regular" pitchFamily="34" charset="-120"/>
+                <a:ea typeface="Noto Sans CJK TC Regular" pitchFamily="34" charset="-120"/>
+              </a:rPr>
+              <a:t>工具</a:t>
+            </a:r>
+            <a:endParaRPr lang="en-US" altLang="zh-TW" sz="3200" dirty="0" smtClean="0">
+              <a:latin typeface="Noto Sans CJK TC Regular" pitchFamily="34" charset="-120"/>
+              <a:ea typeface="Noto Sans CJK TC Regular" pitchFamily="34" charset="-120"/>
+            </a:endParaRPr>
+          </a:p>
+          <a:p>
+            <a:pPr lvl="1">
+              <a:buFont typeface="Noto Sans CJK TC Regular" pitchFamily="34" charset="-120"/>
+              <a:buChar char="­"/>
+            </a:pPr>
+            <a:r>
+              <a:rPr lang="zh-TW" altLang="en-US" sz="3200" dirty="0" smtClean="0">
+                <a:latin typeface="Noto Sans CJK TC Regular" pitchFamily="34" charset="-120"/>
+                <a:ea typeface="Noto Sans CJK TC Regular" pitchFamily="34" charset="-120"/>
+              </a:rPr>
+              <a:t>參考資料</a:t>
+            </a:r>
+            <a:endParaRPr lang="en-US" altLang="zh-TW" sz="3200" dirty="0" smtClean="0">
+              <a:latin typeface="Noto Sans CJK TC Regular" pitchFamily="34" charset="-120"/>
+              <a:ea typeface="Noto Sans CJK TC Regular" pitchFamily="34" charset="-120"/>
+            </a:endParaRPr>
+          </a:p>
+          <a:p>
+            <a:pPr lvl="1">
+              <a:buFont typeface="Noto Sans CJK TC Regular" pitchFamily="34" charset="-120"/>
+              <a:buChar char="­"/>
+            </a:pPr>
+            <a:endParaRPr lang="en-US" altLang="zh-TW" sz="3200" dirty="0" smtClean="0">
+              <a:latin typeface="Noto Sans CJK TC Regular" pitchFamily="34" charset="-120"/>
+              <a:ea typeface="Noto Sans CJK TC Regular" pitchFamily="34" charset="-120"/>
+            </a:endParaRPr>
+          </a:p>
+          <a:p>
+            <a:pPr lvl="1">
+              <a:buFont typeface="Noto Sans CJK TC Regular" pitchFamily="34" charset="-120"/>
+              <a:buChar char="­"/>
+            </a:pPr>
+            <a:endParaRPr lang="zh-TW" altLang="en-US" sz="3600" dirty="0">
               <a:latin typeface="Noto Sans CJK TC Regular" pitchFamily="34" charset="-120"/>
               <a:ea typeface="Noto Sans CJK TC Regular" pitchFamily="34" charset="-120"/>
             </a:endParaRPr>
@@ -4033,7 +8673,7 @@
     </p:spTree>
     <p:extLst>
       <p:ext uri="{BB962C8B-B14F-4D97-AF65-F5344CB8AC3E}">
-        <p14:creationId xmlns:p14="http://schemas.microsoft.com/office/powerpoint/2010/main" val="3025630679"/>
+        <p14:creationId xmlns:p14="http://schemas.microsoft.com/office/powerpoint/2010/main" val="4024766235"/>
       </p:ext>
     </p:extLst>
   </p:cSld>
@@ -4087,21 +8727,14 @@
                 <a:latin typeface="Noto Sans CJK TC Regular" pitchFamily="34" charset="-120"/>
                 <a:ea typeface="Noto Sans CJK TC Regular" pitchFamily="34" charset="-120"/>
               </a:rPr>
-              <a:t>什麼</a:t>
+              <a:t>第二堂課程</a:t>
             </a:r>
             <a:r>
               <a:rPr lang="zh-TW" altLang="en-US" dirty="0">
                 <a:latin typeface="Noto Sans CJK TC Regular" pitchFamily="34" charset="-120"/>
                 <a:ea typeface="Noto Sans CJK TC Regular" pitchFamily="34" charset="-120"/>
               </a:rPr>
-              <a:t>事</a:t>
-            </a:r>
-            <a:r>
-              <a:rPr lang="en-US" altLang="zh-TW" dirty="0" err="1" smtClean="0">
-                <a:latin typeface="Noto Sans CJK TC Regular" pitchFamily="34" charset="-120"/>
-                <a:ea typeface="Noto Sans CJK TC Regular" pitchFamily="34" charset="-120"/>
-              </a:rPr>
-              <a:t>Ptyhon</a:t>
+              <a:t>內容</a:t>
             </a:r>
             <a:endParaRPr lang="zh-TW" altLang="en-US" dirty="0">
               <a:latin typeface="Noto Sans CJK TC Regular" pitchFamily="34" charset="-120"/>
@@ -4122,49 +8755,200 @@
         </p:nvSpPr>
         <p:spPr/>
         <p:txBody>
-          <a:bodyPr/>
+          <a:bodyPr>
+            <a:normAutofit/>
+          </a:bodyPr>
           <a:lstStyle/>
           <a:p>
             <a:r>
-              <a:rPr lang="zh-TW" altLang="en-US" dirty="0" smtClean="0">
-                <a:latin typeface="Noto Sans CJK TC Regular" pitchFamily="34" charset="-120"/>
-                <a:ea typeface="Noto Sans CJK TC Regular" pitchFamily="34" charset="-120"/>
-              </a:rPr>
-              <a:t>通用</a:t>
-            </a:r>
-            <a:endParaRPr lang="en-US" altLang="zh-TW" dirty="0" smtClean="0">
+              <a:rPr lang="zh-TW" altLang="en-US" sz="3600" dirty="0">
+                <a:latin typeface="Noto Sans CJK TC Regular" pitchFamily="34" charset="-120"/>
+                <a:ea typeface="Noto Sans CJK TC Regular" pitchFamily="34" charset="-120"/>
+              </a:rPr>
+              <a:t>學習</a:t>
+            </a:r>
+            <a:r>
+              <a:rPr lang="en-US" altLang="zh-TW" sz="3600" dirty="0" smtClean="0">
+                <a:latin typeface="Noto Sans CJK TC Regular" pitchFamily="34" charset="-120"/>
+                <a:ea typeface="Noto Sans CJK TC Regular" pitchFamily="34" charset="-120"/>
+              </a:rPr>
+              <a:t>Python</a:t>
+            </a:r>
+            <a:r>
+              <a:rPr lang="zh-TW" altLang="en-US" sz="3600" dirty="0" smtClean="0">
+                <a:latin typeface="Noto Sans CJK TC Regular" pitchFamily="34" charset="-120"/>
+                <a:ea typeface="Noto Sans CJK TC Regular" pitchFamily="34" charset="-120"/>
+              </a:rPr>
+              <a:t>語言</a:t>
+            </a:r>
+            <a:endParaRPr lang="en-US" altLang="zh-TW" sz="3600" dirty="0" smtClean="0">
               <a:latin typeface="Noto Sans CJK TC Regular" pitchFamily="34" charset="-120"/>
               <a:ea typeface="Noto Sans CJK TC Regular" pitchFamily="34" charset="-120"/>
             </a:endParaRPr>
           </a:p>
           <a:p>
-            <a:r>
-              <a:rPr lang="zh-TW" altLang="en-US" dirty="0" smtClean="0">
-                <a:latin typeface="Noto Sans CJK TC Regular" pitchFamily="34" charset="-120"/>
-                <a:ea typeface="Noto Sans CJK TC Regular" pitchFamily="34" charset="-120"/>
-              </a:rPr>
-              <a:t>直譯</a:t>
-            </a:r>
-            <a:endParaRPr lang="en-US" altLang="zh-TW" dirty="0" smtClean="0">
+            <a:pPr lvl="1">
+              <a:buFont typeface="Noto Sans CJK TC Regular" pitchFamily="34" charset="-120"/>
+              <a:buChar char="­"/>
+            </a:pPr>
+            <a:r>
+              <a:rPr lang="zh-TW" altLang="en-US" sz="3200" dirty="0" smtClean="0">
+                <a:latin typeface="Noto Sans CJK TC Regular" pitchFamily="34" charset="-120"/>
+                <a:ea typeface="Noto Sans CJK TC Regular" pitchFamily="34" charset="-120"/>
+              </a:rPr>
+              <a:t>內建型態</a:t>
+            </a:r>
+            <a:endParaRPr lang="en-US" altLang="zh-TW" sz="3200" dirty="0" smtClean="0">
               <a:latin typeface="Noto Sans CJK TC Regular" pitchFamily="34" charset="-120"/>
               <a:ea typeface="Noto Sans CJK TC Regular" pitchFamily="34" charset="-120"/>
             </a:endParaRPr>
           </a:p>
           <a:p>
-            <a:r>
-              <a:rPr lang="zh-TW" altLang="en-US" dirty="0" smtClean="0">
-                <a:latin typeface="Noto Sans CJK TC Regular" pitchFamily="34" charset="-120"/>
-                <a:ea typeface="Noto Sans CJK TC Regular" pitchFamily="34" charset="-120"/>
-              </a:rPr>
-              <a:t>物件導向</a:t>
-            </a:r>
-            <a:endParaRPr lang="en-US" altLang="zh-TW" dirty="0" smtClean="0">
+            <a:pPr lvl="1">
+              <a:buFont typeface="Noto Sans CJK TC Regular" pitchFamily="34" charset="-120"/>
+              <a:buChar char="­"/>
+            </a:pPr>
+            <a:r>
+              <a:rPr lang="zh-TW" altLang="en-US" sz="3200" dirty="0">
+                <a:latin typeface="Noto Sans CJK TC Regular" pitchFamily="34" charset="-120"/>
+                <a:ea typeface="Noto Sans CJK TC Regular" pitchFamily="34" charset="-120"/>
+              </a:rPr>
+              <a:t>數值</a:t>
+            </a:r>
+            <a:r>
+              <a:rPr lang="zh-TW" altLang="en-US" sz="3200" dirty="0" smtClean="0">
+                <a:latin typeface="Noto Sans CJK TC Regular" pitchFamily="34" charset="-120"/>
+                <a:ea typeface="Noto Sans CJK TC Regular" pitchFamily="34" charset="-120"/>
+              </a:rPr>
+              <a:t>型態</a:t>
+            </a:r>
+            <a:endParaRPr lang="en-US" altLang="zh-TW" sz="3200" dirty="0" smtClean="0">
               <a:latin typeface="Noto Sans CJK TC Regular" pitchFamily="34" charset="-120"/>
               <a:ea typeface="Noto Sans CJK TC Regular" pitchFamily="34" charset="-120"/>
             </a:endParaRPr>
           </a:p>
           <a:p>
-            <a:endParaRPr lang="zh-TW" altLang="en-US" dirty="0">
+            <a:pPr lvl="1">
+              <a:buFont typeface="Noto Sans CJK TC Regular" pitchFamily="34" charset="-120"/>
+              <a:buChar char="­"/>
+            </a:pPr>
+            <a:r>
+              <a:rPr lang="zh-TW" altLang="en-US" sz="3200" dirty="0">
+                <a:latin typeface="Noto Sans CJK TC Regular" pitchFamily="34" charset="-120"/>
+                <a:ea typeface="Noto Sans CJK TC Regular" pitchFamily="34" charset="-120"/>
+              </a:rPr>
+              <a:t>字串</a:t>
+            </a:r>
+            <a:r>
+              <a:rPr lang="zh-TW" altLang="en-US" sz="3200" dirty="0" smtClean="0">
+                <a:latin typeface="Noto Sans CJK TC Regular" pitchFamily="34" charset="-120"/>
+                <a:ea typeface="Noto Sans CJK TC Regular" pitchFamily="34" charset="-120"/>
+              </a:rPr>
+              <a:t>型態</a:t>
+            </a:r>
+            <a:endParaRPr lang="en-US" altLang="zh-TW" sz="3200" dirty="0" smtClean="0">
+              <a:latin typeface="Noto Sans CJK TC Regular" pitchFamily="34" charset="-120"/>
+              <a:ea typeface="Noto Sans CJK TC Regular" pitchFamily="34" charset="-120"/>
+            </a:endParaRPr>
+          </a:p>
+          <a:p>
+            <a:pPr lvl="1">
+              <a:buFont typeface="Noto Sans CJK TC Regular" pitchFamily="34" charset="-120"/>
+              <a:buChar char="­"/>
+            </a:pPr>
+            <a:r>
+              <a:rPr lang="zh-TW" altLang="en-US" sz="3200" dirty="0">
+                <a:latin typeface="Noto Sans CJK TC Regular" pitchFamily="34" charset="-120"/>
+                <a:ea typeface="Noto Sans CJK TC Regular" pitchFamily="34" charset="-120"/>
+              </a:rPr>
+              <a:t>清單</a:t>
+            </a:r>
+            <a:r>
+              <a:rPr lang="zh-TW" altLang="en-US" sz="3200" dirty="0" smtClean="0">
+                <a:latin typeface="Noto Sans CJK TC Regular" pitchFamily="34" charset="-120"/>
+                <a:ea typeface="Noto Sans CJK TC Regular" pitchFamily="34" charset="-120"/>
+              </a:rPr>
+              <a:t>型態</a:t>
+            </a:r>
+            <a:endParaRPr lang="en-US" altLang="zh-TW" sz="3200" dirty="0" smtClean="0">
+              <a:latin typeface="Noto Sans CJK TC Regular" pitchFamily="34" charset="-120"/>
+              <a:ea typeface="Noto Sans CJK TC Regular" pitchFamily="34" charset="-120"/>
+            </a:endParaRPr>
+          </a:p>
+          <a:p>
+            <a:pPr lvl="1">
+              <a:buFont typeface="Noto Sans CJK TC Regular" pitchFamily="34" charset="-120"/>
+              <a:buChar char="­"/>
+            </a:pPr>
+            <a:r>
+              <a:rPr lang="zh-TW" altLang="en-US" sz="3200" dirty="0">
+                <a:latin typeface="Noto Sans CJK TC Regular" pitchFamily="34" charset="-120"/>
+                <a:ea typeface="Noto Sans CJK TC Regular" pitchFamily="34" charset="-120"/>
+              </a:rPr>
+              <a:t>字典</a:t>
+            </a:r>
+            <a:r>
+              <a:rPr lang="zh-TW" altLang="en-US" sz="3200" dirty="0" smtClean="0">
+                <a:latin typeface="Noto Sans CJK TC Regular" pitchFamily="34" charset="-120"/>
+                <a:ea typeface="Noto Sans CJK TC Regular" pitchFamily="34" charset="-120"/>
+              </a:rPr>
+              <a:t>型態</a:t>
+            </a:r>
+            <a:endParaRPr lang="en-US" altLang="zh-TW" sz="3200" dirty="0" smtClean="0">
+              <a:latin typeface="Noto Sans CJK TC Regular" pitchFamily="34" charset="-120"/>
+              <a:ea typeface="Noto Sans CJK TC Regular" pitchFamily="34" charset="-120"/>
+            </a:endParaRPr>
+          </a:p>
+          <a:p>
+            <a:pPr lvl="1">
+              <a:buFont typeface="Noto Sans CJK TC Regular" pitchFamily="34" charset="-120"/>
+              <a:buChar char="­"/>
+            </a:pPr>
+            <a:r>
+              <a:rPr lang="zh-TW" altLang="en-US" sz="3200" dirty="0">
+                <a:latin typeface="Noto Sans CJK TC Regular" pitchFamily="34" charset="-120"/>
+                <a:ea typeface="Noto Sans CJK TC Regular" pitchFamily="34" charset="-120"/>
+              </a:rPr>
+              <a:t>集合</a:t>
+            </a:r>
+            <a:r>
+              <a:rPr lang="zh-TW" altLang="en-US" sz="3200" dirty="0" smtClean="0">
+                <a:latin typeface="Noto Sans CJK TC Regular" pitchFamily="34" charset="-120"/>
+                <a:ea typeface="Noto Sans CJK TC Regular" pitchFamily="34" charset="-120"/>
+              </a:rPr>
+              <a:t>型態</a:t>
+            </a:r>
+            <a:endParaRPr lang="en-US" altLang="zh-TW" sz="3200" dirty="0" smtClean="0">
+              <a:latin typeface="Noto Sans CJK TC Regular" pitchFamily="34" charset="-120"/>
+              <a:ea typeface="Noto Sans CJK TC Regular" pitchFamily="34" charset="-120"/>
+            </a:endParaRPr>
+          </a:p>
+          <a:p>
+            <a:pPr lvl="1">
+              <a:buFont typeface="Noto Sans CJK TC Regular" pitchFamily="34" charset="-120"/>
+              <a:buChar char="­"/>
+            </a:pPr>
+            <a:r>
+              <a:rPr lang="zh-TW" altLang="en-US" sz="3200" dirty="0">
+                <a:latin typeface="Noto Sans CJK TC Regular" pitchFamily="34" charset="-120"/>
+                <a:ea typeface="Noto Sans CJK TC Regular" pitchFamily="34" charset="-120"/>
+              </a:rPr>
+              <a:t>元組</a:t>
+            </a:r>
+            <a:r>
+              <a:rPr lang="zh-TW" altLang="en-US" sz="3200" dirty="0" smtClean="0">
+                <a:latin typeface="Noto Sans CJK TC Regular" pitchFamily="34" charset="-120"/>
+                <a:ea typeface="Noto Sans CJK TC Regular" pitchFamily="34" charset="-120"/>
+              </a:rPr>
+              <a:t>型態</a:t>
+            </a:r>
+            <a:endParaRPr lang="en-US" altLang="zh-TW" sz="3200" dirty="0" smtClean="0">
+              <a:latin typeface="Noto Sans CJK TC Regular" pitchFamily="34" charset="-120"/>
+              <a:ea typeface="Noto Sans CJK TC Regular" pitchFamily="34" charset="-120"/>
+            </a:endParaRPr>
+          </a:p>
+          <a:p>
+            <a:endParaRPr lang="zh-TW" altLang="en-US" sz="3600" dirty="0">
               <a:latin typeface="Noto Sans CJK TC Regular" pitchFamily="34" charset="-120"/>
               <a:ea typeface="Noto Sans CJK TC Regular" pitchFamily="34" charset="-120"/>
             </a:endParaRPr>
@@ -4174,7 +8958,7 @@
     </p:spTree>
     <p:extLst>
       <p:ext uri="{BB962C8B-B14F-4D97-AF65-F5344CB8AC3E}">
-        <p14:creationId xmlns:p14="http://schemas.microsoft.com/office/powerpoint/2010/main" val="3243581373"/>
+        <p14:creationId xmlns:p14="http://schemas.microsoft.com/office/powerpoint/2010/main" val="3040198662"/>
       </p:ext>
     </p:extLst>
   </p:cSld>
@@ -4224,10 +9008,23 @@
           <a:lstStyle/>
           <a:p>
             <a:r>
-              <a:rPr lang="zh-TW" altLang="en-US" dirty="0" smtClean="0"/>
-              <a:t>特點</a:t>
-            </a:r>
-            <a:endParaRPr lang="zh-TW" altLang="en-US" dirty="0"/>
+              <a:rPr lang="zh-TW" altLang="en-US" dirty="0" smtClean="0">
+                <a:latin typeface="Noto Sans CJK TC Regular" pitchFamily="34" charset="-120"/>
+                <a:ea typeface="Noto Sans CJK TC Regular" pitchFamily="34" charset="-120"/>
+              </a:rPr>
+              <a:t>第四堂課程</a:t>
+            </a:r>
+            <a:r>
+              <a:rPr lang="zh-TW" altLang="en-US" dirty="0">
+                <a:latin typeface="Noto Sans CJK TC Regular" pitchFamily="34" charset="-120"/>
+                <a:ea typeface="Noto Sans CJK TC Regular" pitchFamily="34" charset="-120"/>
+              </a:rPr>
+              <a:t>內容</a:t>
+            </a:r>
+            <a:endParaRPr lang="zh-TW" altLang="en-US" dirty="0">
+              <a:latin typeface="Noto Sans CJK TC Regular" pitchFamily="34" charset="-120"/>
+              <a:ea typeface="Noto Sans CJK TC Regular" pitchFamily="34" charset="-120"/>
+            </a:endParaRPr>
           </a:p>
         </p:txBody>
       </p:sp>
@@ -4243,42 +9040,141 @@
         </p:nvSpPr>
         <p:spPr/>
         <p:txBody>
-          <a:bodyPr/>
+          <a:bodyPr>
+            <a:normAutofit/>
+          </a:bodyPr>
           <a:lstStyle/>
           <a:p>
             <a:r>
-              <a:rPr lang="zh-TW" altLang="en-US" dirty="0" smtClean="0"/>
-              <a:t>簡單</a:t>
-            </a:r>
-            <a:endParaRPr lang="en-US" altLang="zh-TW" dirty="0" smtClean="0"/>
-          </a:p>
-          <a:p>
-            <a:r>
-              <a:rPr lang="zh-TW" altLang="en-US" dirty="0" smtClean="0"/>
-              <a:t>簡潔</a:t>
-            </a:r>
-            <a:endParaRPr lang="en-US" altLang="zh-TW" dirty="0" smtClean="0"/>
-          </a:p>
-          <a:p>
-            <a:r>
-              <a:rPr lang="zh-TW" altLang="en-US" dirty="0" smtClean="0"/>
-              <a:t>直覺式</a:t>
-            </a:r>
-            <a:endParaRPr lang="en-US" altLang="zh-TW" dirty="0" smtClean="0"/>
-          </a:p>
-          <a:p>
-            <a:r>
-              <a:rPr lang="zh-TW" altLang="en-US" dirty="0" smtClean="0"/>
-              <a:t>龐大的函式庫</a:t>
-            </a:r>
-            <a:endParaRPr lang="zh-TW" altLang="en-US" dirty="0"/>
+              <a:rPr lang="en-US" altLang="zh-TW" sz="3600" dirty="0">
+                <a:latin typeface="Noto Sans CJK TC Regular" pitchFamily="34" charset="-120"/>
+                <a:ea typeface="Noto Sans CJK TC Regular" pitchFamily="34" charset="-120"/>
+              </a:rPr>
+              <a:t>i</a:t>
+            </a:r>
+            <a:r>
+              <a:rPr lang="en-US" altLang="zh-TW" sz="3600" dirty="0" smtClean="0">
+                <a:latin typeface="Noto Sans CJK TC Regular" pitchFamily="34" charset="-120"/>
+                <a:ea typeface="Noto Sans CJK TC Regular" pitchFamily="34" charset="-120"/>
+              </a:rPr>
+              <a:t>f</a:t>
+            </a:r>
+            <a:r>
+              <a:rPr lang="zh-TW" altLang="en-US" sz="3600" dirty="0" smtClean="0">
+                <a:latin typeface="Noto Sans CJK TC Regular" pitchFamily="34" charset="-120"/>
+                <a:ea typeface="Noto Sans CJK TC Regular" pitchFamily="34" charset="-120"/>
+              </a:rPr>
+              <a:t>、</a:t>
+            </a:r>
+            <a:r>
+              <a:rPr lang="en-US" altLang="zh-TW" sz="3600" dirty="0" smtClean="0">
+                <a:latin typeface="Noto Sans CJK TC Regular" pitchFamily="34" charset="-120"/>
+                <a:ea typeface="Noto Sans CJK TC Regular" pitchFamily="34" charset="-120"/>
+              </a:rPr>
+              <a:t>while</a:t>
+            </a:r>
+            <a:r>
+              <a:rPr lang="zh-TW" altLang="en-US" sz="3600" dirty="0" smtClean="0">
+                <a:latin typeface="Noto Sans CJK TC Regular" pitchFamily="34" charset="-120"/>
+                <a:ea typeface="Noto Sans CJK TC Regular" pitchFamily="34" charset="-120"/>
+              </a:rPr>
+              <a:t>、</a:t>
+            </a:r>
+            <a:r>
+              <a:rPr lang="en-US" altLang="zh-TW" sz="3600" dirty="0" smtClean="0">
+                <a:latin typeface="Noto Sans CJK TC Regular" pitchFamily="34" charset="-120"/>
+                <a:ea typeface="Noto Sans CJK TC Regular" pitchFamily="34" charset="-120"/>
+              </a:rPr>
+              <a:t>for</a:t>
+            </a:r>
+            <a:r>
+              <a:rPr lang="zh-TW" altLang="en-US" sz="3600" dirty="0" smtClean="0">
+                <a:latin typeface="Noto Sans CJK TC Regular" pitchFamily="34" charset="-120"/>
+                <a:ea typeface="Noto Sans CJK TC Regular" pitchFamily="34" charset="-120"/>
+              </a:rPr>
+              <a:t>包含式</a:t>
+            </a:r>
+            <a:endParaRPr lang="en-US" altLang="zh-TW" sz="3600" dirty="0" smtClean="0">
+              <a:latin typeface="Noto Sans CJK TC Regular" pitchFamily="34" charset="-120"/>
+              <a:ea typeface="Noto Sans CJK TC Regular" pitchFamily="34" charset="-120"/>
+            </a:endParaRPr>
+          </a:p>
+          <a:p>
+            <a:pPr lvl="1">
+              <a:buFont typeface="Noto Sans CJK TC Regular" pitchFamily="34" charset="-120"/>
+              <a:buChar char="­"/>
+            </a:pPr>
+            <a:r>
+              <a:rPr lang="en-US" altLang="zh-TW" sz="3200" dirty="0" smtClean="0">
+                <a:latin typeface="Noto Sans CJK TC Regular" pitchFamily="34" charset="-120"/>
+                <a:ea typeface="Noto Sans CJK TC Regular" pitchFamily="34" charset="-120"/>
+              </a:rPr>
+              <a:t>if…else</a:t>
+            </a:r>
+          </a:p>
+          <a:p>
+            <a:pPr lvl="1">
+              <a:buFont typeface="Noto Sans CJK TC Regular" pitchFamily="34" charset="-120"/>
+              <a:buChar char="­"/>
+            </a:pPr>
+            <a:r>
+              <a:rPr lang="en-US" altLang="zh-TW" sz="3200" dirty="0" smtClean="0">
+                <a:latin typeface="Noto Sans CJK TC Regular" pitchFamily="34" charset="-120"/>
+                <a:ea typeface="Noto Sans CJK TC Regular" pitchFamily="34" charset="-120"/>
+              </a:rPr>
+              <a:t>for</a:t>
+            </a:r>
+            <a:r>
+              <a:rPr lang="zh-TW" altLang="en-US" sz="3200" dirty="0" smtClean="0">
+                <a:latin typeface="Noto Sans CJK TC Regular" pitchFamily="34" charset="-120"/>
+                <a:ea typeface="Noto Sans CJK TC Regular" pitchFamily="34" charset="-120"/>
+              </a:rPr>
+              <a:t>與</a:t>
+            </a:r>
+            <a:r>
+              <a:rPr lang="en-US" altLang="zh-TW" sz="3200" dirty="0" smtClean="0">
+                <a:latin typeface="Noto Sans CJK TC Regular" pitchFamily="34" charset="-120"/>
+                <a:ea typeface="Noto Sans CJK TC Regular" pitchFamily="34" charset="-120"/>
+              </a:rPr>
+              <a:t>while</a:t>
+            </a:r>
+          </a:p>
+          <a:p>
+            <a:pPr lvl="1">
+              <a:buFont typeface="Noto Sans CJK TC Regular" pitchFamily="34" charset="-120"/>
+              <a:buChar char="­"/>
+            </a:pPr>
+            <a:r>
+              <a:rPr lang="en-US" altLang="zh-TW" sz="3200" dirty="0" smtClean="0">
+                <a:latin typeface="Noto Sans CJK TC Regular" pitchFamily="34" charset="-120"/>
+                <a:ea typeface="Noto Sans CJK TC Regular" pitchFamily="34" charset="-120"/>
+              </a:rPr>
+              <a:t>for</a:t>
+            </a:r>
+            <a:r>
+              <a:rPr lang="zh-TW" altLang="en-US" sz="3200" dirty="0" smtClean="0">
+                <a:latin typeface="Noto Sans CJK TC Regular" pitchFamily="34" charset="-120"/>
+                <a:ea typeface="Noto Sans CJK TC Regular" pitchFamily="34" charset="-120"/>
+              </a:rPr>
+              <a:t>包含式</a:t>
+            </a:r>
+            <a:endParaRPr lang="en-US" altLang="zh-TW" sz="3200" dirty="0" smtClean="0">
+              <a:latin typeface="Noto Sans CJK TC Regular" pitchFamily="34" charset="-120"/>
+              <a:ea typeface="Noto Sans CJK TC Regular" pitchFamily="34" charset="-120"/>
+            </a:endParaRPr>
+          </a:p>
+          <a:p>
+            <a:endParaRPr lang="zh-TW" altLang="en-US" sz="3600" dirty="0">
+              <a:latin typeface="Noto Sans CJK TC Regular" pitchFamily="34" charset="-120"/>
+              <a:ea typeface="Noto Sans CJK TC Regular" pitchFamily="34" charset="-120"/>
+            </a:endParaRPr>
           </a:p>
         </p:txBody>
       </p:sp>
     </p:spTree>
     <p:extLst>
       <p:ext uri="{BB962C8B-B14F-4D97-AF65-F5344CB8AC3E}">
-        <p14:creationId xmlns:p14="http://schemas.microsoft.com/office/powerpoint/2010/main" val="1143689501"/>
+        <p14:creationId xmlns:p14="http://schemas.microsoft.com/office/powerpoint/2010/main" val="2935880158"/>
       </p:ext>
     </p:extLst>
   </p:cSld>
@@ -4328,14 +9224,23 @@
           <a:lstStyle/>
           <a:p>
             <a:r>
-              <a:rPr lang="zh-TW" altLang="en-US" dirty="0" smtClean="0"/>
-              <a:t>啟動</a:t>
-            </a:r>
-            <a:r>
-              <a:rPr lang="en-US" altLang="zh-TW" dirty="0" smtClean="0"/>
-              <a:t>Python</a:t>
-            </a:r>
-            <a:endParaRPr lang="zh-TW" altLang="en-US" dirty="0"/>
+              <a:rPr lang="zh-TW" altLang="en-US" dirty="0" smtClean="0">
+                <a:latin typeface="Noto Sans CJK TC Regular" pitchFamily="34" charset="-120"/>
+                <a:ea typeface="Noto Sans CJK TC Regular" pitchFamily="34" charset="-120"/>
+              </a:rPr>
+              <a:t>第三堂課程</a:t>
+            </a:r>
+            <a:r>
+              <a:rPr lang="zh-TW" altLang="en-US" dirty="0">
+                <a:latin typeface="Noto Sans CJK TC Regular" pitchFamily="34" charset="-120"/>
+                <a:ea typeface="Noto Sans CJK TC Regular" pitchFamily="34" charset="-120"/>
+              </a:rPr>
+              <a:t>內容</a:t>
+            </a:r>
+            <a:endParaRPr lang="zh-TW" altLang="en-US" dirty="0">
+              <a:latin typeface="Noto Sans CJK TC Regular" pitchFamily="34" charset="-120"/>
+              <a:ea typeface="Noto Sans CJK TC Regular" pitchFamily="34" charset="-120"/>
+            </a:endParaRPr>
           </a:p>
         </p:txBody>
       </p:sp>
@@ -4351,32 +9256,104 @@
         </p:nvSpPr>
         <p:spPr/>
         <p:txBody>
-          <a:bodyPr/>
+          <a:bodyPr>
+            <a:normAutofit/>
+          </a:bodyPr>
           <a:lstStyle/>
           <a:p>
             <a:r>
-              <a:rPr lang="zh-TW" altLang="en-US" dirty="0" smtClean="0"/>
-              <a:t>提示字元命令</a:t>
-            </a:r>
-            <a:endParaRPr lang="en-US" altLang="zh-TW" dirty="0" smtClean="0"/>
-          </a:p>
-          <a:p>
-            <a:r>
-              <a:rPr lang="zh-TW" altLang="en-US" dirty="0" smtClean="0"/>
-              <a:t>點開執行程</a:t>
-            </a:r>
-            <a:r>
-              <a:rPr lang="zh-TW" altLang="en-US" dirty="0"/>
+              <a:rPr lang="zh-TW" altLang="en-US" sz="3600" dirty="0">
+                <a:latin typeface="Noto Sans CJK TC Regular" pitchFamily="34" charset="-120"/>
+                <a:ea typeface="Noto Sans CJK TC Regular" pitchFamily="34" charset="-120"/>
+              </a:rPr>
+              <a:t>函式、模組、類別與套件</a:t>
+            </a:r>
+            <a:endParaRPr lang="en-US" altLang="zh-TW" sz="3600" dirty="0" smtClean="0">
+              <a:latin typeface="Noto Sans CJK TC Regular" pitchFamily="34" charset="-120"/>
+              <a:ea typeface="Noto Sans CJK TC Regular" pitchFamily="34" charset="-120"/>
+            </a:endParaRPr>
+          </a:p>
+          <a:p>
+            <a:pPr lvl="1">
+              <a:buFont typeface="Noto Sans CJK TC Regular" pitchFamily="34" charset="-120"/>
+              <a:buChar char="­"/>
+            </a:pPr>
+            <a:r>
+              <a:rPr lang="zh-TW" altLang="en-US" sz="3200" dirty="0">
+                <a:latin typeface="Noto Sans CJK TC Regular" pitchFamily="34" charset="-120"/>
+                <a:ea typeface="Noto Sans CJK TC Regular" pitchFamily="34" charset="-120"/>
+              </a:rPr>
+              <a:t>函</a:t>
+            </a:r>
+            <a:r>
+              <a:rPr lang="zh-TW" altLang="en-US" sz="3200" dirty="0" smtClean="0">
+                <a:latin typeface="Noto Sans CJK TC Regular" pitchFamily="34" charset="-120"/>
+                <a:ea typeface="Noto Sans CJK TC Regular" pitchFamily="34" charset="-120"/>
+              </a:rPr>
               <a:t>式</a:t>
             </a:r>
-            <a:endParaRPr lang="en-US" altLang="zh-TW" dirty="0"/>
+            <a:endParaRPr lang="en-US" altLang="zh-TW" sz="3200" dirty="0" smtClean="0">
+              <a:latin typeface="Noto Sans CJK TC Regular" pitchFamily="34" charset="-120"/>
+              <a:ea typeface="Noto Sans CJK TC Regular" pitchFamily="34" charset="-120"/>
+            </a:endParaRPr>
+          </a:p>
+          <a:p>
+            <a:pPr lvl="1">
+              <a:buFont typeface="Noto Sans CJK TC Regular" pitchFamily="34" charset="-120"/>
+              <a:buChar char="­"/>
+            </a:pPr>
+            <a:r>
+              <a:rPr lang="zh-TW" altLang="en-US" sz="3200" dirty="0" smtClean="0">
+                <a:latin typeface="Noto Sans CJK TC Regular" pitchFamily="34" charset="-120"/>
+                <a:ea typeface="Noto Sans CJK TC Regular" pitchFamily="34" charset="-120"/>
+              </a:rPr>
+              <a:t>模組</a:t>
+            </a:r>
+            <a:endParaRPr lang="en-US" altLang="zh-TW" sz="3200" dirty="0" smtClean="0">
+              <a:latin typeface="Noto Sans CJK TC Regular" pitchFamily="34" charset="-120"/>
+              <a:ea typeface="Noto Sans CJK TC Regular" pitchFamily="34" charset="-120"/>
+            </a:endParaRPr>
+          </a:p>
+          <a:p>
+            <a:pPr lvl="1">
+              <a:buFont typeface="Noto Sans CJK TC Regular" pitchFamily="34" charset="-120"/>
+              <a:buChar char="­"/>
+            </a:pPr>
+            <a:r>
+              <a:rPr lang="zh-TW" altLang="en-US" sz="3200" dirty="0" smtClean="0">
+                <a:latin typeface="Noto Sans CJK TC Regular" pitchFamily="34" charset="-120"/>
+                <a:ea typeface="Noto Sans CJK TC Regular" pitchFamily="34" charset="-120"/>
+              </a:rPr>
+              <a:t>類別</a:t>
+            </a:r>
+            <a:endParaRPr lang="en-US" altLang="zh-TW" sz="3200" dirty="0" smtClean="0">
+              <a:latin typeface="Noto Sans CJK TC Regular" pitchFamily="34" charset="-120"/>
+              <a:ea typeface="Noto Sans CJK TC Regular" pitchFamily="34" charset="-120"/>
+            </a:endParaRPr>
+          </a:p>
+          <a:p>
+            <a:pPr lvl="1">
+              <a:buFont typeface="Noto Sans CJK TC Regular" pitchFamily="34" charset="-120"/>
+              <a:buChar char="­"/>
+            </a:pPr>
+            <a:r>
+              <a:rPr lang="zh-TW" altLang="en-US" sz="3200" dirty="0">
+                <a:latin typeface="Noto Sans CJK TC Regular" pitchFamily="34" charset="-120"/>
+                <a:ea typeface="Noto Sans CJK TC Regular" pitchFamily="34" charset="-120"/>
+              </a:rPr>
+              <a:t>套件</a:t>
+            </a:r>
+            <a:endParaRPr lang="zh-TW" altLang="en-US" sz="3600" dirty="0">
+              <a:latin typeface="Noto Sans CJK TC Regular" pitchFamily="34" charset="-120"/>
+              <a:ea typeface="Noto Sans CJK TC Regular" pitchFamily="34" charset="-120"/>
+            </a:endParaRPr>
           </a:p>
         </p:txBody>
       </p:sp>
     </p:spTree>
     <p:extLst>
       <p:ext uri="{BB962C8B-B14F-4D97-AF65-F5344CB8AC3E}">
-        <p14:creationId xmlns:p14="http://schemas.microsoft.com/office/powerpoint/2010/main" val="2297050989"/>
+        <p14:creationId xmlns:p14="http://schemas.microsoft.com/office/powerpoint/2010/main" val="1271539339"/>
       </p:ext>
     </p:extLst>
   </p:cSld>
@@ -4412,7 +9389,7 @@
       </p:grpSpPr>
       <p:sp>
         <p:nvSpPr>
-          <p:cNvPr id="2" name="標題 1"/>
+          <p:cNvPr id="4" name="標題 3"/>
           <p:cNvSpPr>
             <a:spLocks noGrp="1"/>
           </p:cNvSpPr>
@@ -4426,21 +9403,22 @@
           <a:lstStyle/>
           <a:p>
             <a:r>
-              <a:rPr lang="zh-TW" altLang="en-US" dirty="0" smtClean="0"/>
-              <a:t>離開方式</a:t>
-            </a:r>
-            <a:endParaRPr lang="zh-TW" altLang="en-US" dirty="0"/>
-          </a:p>
-        </p:txBody>
-      </p:sp>
-      <p:sp>
-        <p:nvSpPr>
-          <p:cNvPr id="3" name="內容版面配置區 2"/>
-          <p:cNvSpPr>
-            <a:spLocks noGrp="1"/>
-          </p:cNvSpPr>
-          <p:nvPr>
-            <p:ph idx="1"/>
+              <a:rPr lang="zh-TW" altLang="en-US" dirty="0">
+                <a:ea typeface="Noto Sans CJK TC Regular"/>
+              </a:rPr>
+              <a:t>第一堂課</a:t>
+            </a:r>
+          </a:p>
+        </p:txBody>
+      </p:sp>
+      <p:sp>
+        <p:nvSpPr>
+          <p:cNvPr id="5" name="文字版面配置區 4"/>
+          <p:cNvSpPr>
+            <a:spLocks noGrp="1"/>
+          </p:cNvSpPr>
+          <p:nvPr>
+            <p:ph type="body" idx="1"/>
           </p:nvPr>
         </p:nvSpPr>
         <p:spPr/>
@@ -4448,37 +9426,22 @@
           <a:bodyPr/>
           <a:lstStyle/>
           <a:p>
-            <a:r>
-              <a:rPr lang="en-US" altLang="zh-TW" dirty="0" smtClean="0"/>
-              <a:t>exit()</a:t>
-            </a:r>
-          </a:p>
-          <a:p>
-            <a:r>
-              <a:rPr lang="en-US" altLang="zh-TW" dirty="0" err="1" smtClean="0"/>
-              <a:t>Ctrl+Z</a:t>
-            </a:r>
-            <a:endParaRPr lang="zh-TW" altLang="en-US" dirty="0"/>
+            <a:endParaRPr lang="zh-TW" altLang="en-US">
+              <a:ea typeface="Noto Sans CJK TC Regular"/>
+            </a:endParaRPr>
           </a:p>
         </p:txBody>
       </p:sp>
     </p:spTree>
     <p:extLst>
       <p:ext uri="{BB962C8B-B14F-4D97-AF65-F5344CB8AC3E}">
-        <p14:creationId xmlns:p14="http://schemas.microsoft.com/office/powerpoint/2010/main" val="775387016"/>
+        <p14:creationId xmlns:p14="http://schemas.microsoft.com/office/powerpoint/2010/main" val="2885369979"/>
       </p:ext>
     </p:extLst>
   </p:cSld>
   <p:clrMapOvr>
     <a:masterClrMapping/>
   </p:clrMapOvr>
-  <p:timing>
-    <p:tnLst>
-      <p:par>
-        <p:cTn id="1" dur="indefinite" restart="never" nodeType="tmRoot"/>
-      </p:par>
-    </p:tnLst>
-  </p:timing>
 </p:sld>
 </file>
 
@@ -4515,9 +9478,30 @@
           <a:lstStyle/>
           <a:p>
             <a:r>
-              <a:rPr lang="zh-TW" altLang="en-US" dirty="0"/>
-              <a:t>註解</a:t>
-            </a:r>
+              <a:rPr lang="zh-TW" altLang="en-US" dirty="0" smtClean="0">
+                <a:latin typeface="Noto Sans CJK TC Regular" pitchFamily="34" charset="-120"/>
+                <a:ea typeface="Noto Sans CJK TC Regular" pitchFamily="34" charset="-120"/>
+              </a:rPr>
+              <a:t>環境建置</a:t>
+            </a:r>
+            <a:r>
+              <a:rPr lang="en-US" altLang="zh-TW" dirty="0" smtClean="0">
+                <a:latin typeface="Noto Sans CJK TC Regular" pitchFamily="34" charset="-120"/>
+                <a:ea typeface="Noto Sans CJK TC Regular" pitchFamily="34" charset="-120"/>
+              </a:rPr>
+              <a:t>-</a:t>
+            </a:r>
+            <a:r>
+              <a:rPr lang="zh-TW" altLang="en-US" dirty="0" smtClean="0">
+                <a:latin typeface="Noto Sans CJK TC Regular" pitchFamily="34" charset="-120"/>
+                <a:ea typeface="Noto Sans CJK TC Regular" pitchFamily="34" charset="-120"/>
+              </a:rPr>
+              <a:t>使用的版本</a:t>
+            </a:r>
+            <a:endParaRPr lang="zh-TW" altLang="en-US" dirty="0">
+              <a:latin typeface="Noto Sans CJK TC Regular" pitchFamily="34" charset="-120"/>
+              <a:ea typeface="Noto Sans CJK TC Regular" pitchFamily="34" charset="-120"/>
+            </a:endParaRPr>
           </a:p>
         </p:txBody>
       </p:sp>
@@ -4533,35 +9517,112 @@
         </p:nvSpPr>
         <p:spPr/>
         <p:txBody>
-          <a:bodyPr/>
+          <a:bodyPr>
+            <a:normAutofit/>
+          </a:bodyPr>
           <a:lstStyle/>
           <a:p>
             <a:r>
-              <a:rPr lang="en-US" altLang="zh-TW" dirty="0" smtClean="0"/>
-              <a:t>#</a:t>
-            </a:r>
-          </a:p>
-          <a:p>
-            <a:r>
-              <a:rPr lang="en-US" altLang="zh-TW" dirty="0" smtClean="0"/>
-              <a:t>‘’’</a:t>
-            </a:r>
-            <a:r>
-              <a:rPr lang="zh-TW" altLang="en-US" dirty="0" smtClean="0"/>
-              <a:t> </a:t>
-            </a:r>
-            <a:r>
-              <a:rPr lang="en-US" altLang="zh-TW" smtClean="0"/>
-              <a:t>‘’’</a:t>
-            </a:r>
-            <a:endParaRPr lang="zh-TW" altLang="en-US"/>
+              <a:rPr lang="en-US" altLang="zh-TW" sz="3600" dirty="0" smtClean="0">
+                <a:latin typeface="Noto Sans CJK TC Regular" pitchFamily="34" charset="-120"/>
+                <a:ea typeface="Noto Sans CJK TC Regular" pitchFamily="34" charset="-120"/>
+              </a:rPr>
+              <a:t>Python</a:t>
+            </a:r>
+          </a:p>
+          <a:p>
+            <a:pPr lvl="1">
+              <a:buFont typeface="Noto Sans CJK TC Regular" pitchFamily="34" charset="-120"/>
+              <a:buChar char="­"/>
+            </a:pPr>
+            <a:r>
+              <a:rPr lang="en-US" altLang="zh-TW" sz="3200" dirty="0">
+                <a:latin typeface="Noto Sans CJK TC Regular" pitchFamily="34" charset="-120"/>
+                <a:ea typeface="Noto Sans CJK TC Regular" pitchFamily="34" charset="-120"/>
+              </a:rPr>
+              <a:t>2.7</a:t>
+            </a:r>
+          </a:p>
+          <a:p>
+            <a:pPr lvl="1">
+              <a:buFont typeface="Noto Sans CJK TC Regular" pitchFamily="34" charset="-120"/>
+              <a:buChar char="­"/>
+            </a:pPr>
+            <a:r>
+              <a:rPr lang="en-US" altLang="zh-TW" sz="3200" dirty="0" smtClean="0">
+                <a:latin typeface="Noto Sans CJK TC Regular" pitchFamily="34" charset="-120"/>
+                <a:ea typeface="Noto Sans CJK TC Regular" pitchFamily="34" charset="-120"/>
+              </a:rPr>
+              <a:t>3.6</a:t>
+            </a:r>
+          </a:p>
+          <a:p>
+            <a:pPr lvl="1">
+              <a:buFont typeface="Noto Sans CJK TC Regular" pitchFamily="34" charset="-120"/>
+              <a:buChar char="­"/>
+            </a:pPr>
+            <a:r>
+              <a:rPr lang="en-US" altLang="zh-TW" sz="3200" dirty="0" smtClean="0">
+                <a:latin typeface="Noto Sans CJK TC Regular" pitchFamily="34" charset="-120"/>
+                <a:ea typeface="Noto Sans CJK TC Regular" pitchFamily="34" charset="-120"/>
+              </a:rPr>
+              <a:t>VCForPython27.msi</a:t>
+            </a:r>
+            <a:endParaRPr lang="en-US" altLang="zh-TW" sz="3200" dirty="0">
+              <a:latin typeface="Noto Sans CJK TC Regular" pitchFamily="34" charset="-120"/>
+              <a:ea typeface="Noto Sans CJK TC Regular" pitchFamily="34" charset="-120"/>
+            </a:endParaRPr>
+          </a:p>
+          <a:p>
+            <a:pPr marL="228600" lvl="1">
+              <a:spcBef>
+                <a:spcPts val="1000"/>
+              </a:spcBef>
+            </a:pPr>
+            <a:r>
+              <a:rPr lang="en-US" altLang="zh-TW" sz="3600" dirty="0" smtClean="0">
+                <a:latin typeface="Noto Sans CJK TC Regular" pitchFamily="34" charset="-120"/>
+                <a:ea typeface="Noto Sans CJK TC Regular" pitchFamily="34" charset="-120"/>
+              </a:rPr>
+              <a:t>Anaconda</a:t>
+            </a:r>
+          </a:p>
+          <a:p>
+            <a:pPr lvl="1">
+              <a:buFont typeface="Noto Sans CJK TC Regular" pitchFamily="34" charset="-120"/>
+              <a:buChar char="­"/>
+            </a:pPr>
+            <a:r>
+              <a:rPr lang="en-US" altLang="zh-TW" sz="3200" dirty="0">
+                <a:latin typeface="Noto Sans CJK TC Regular" pitchFamily="34" charset="-120"/>
+                <a:ea typeface="Noto Sans CJK TC Regular" pitchFamily="34" charset="-120"/>
+              </a:rPr>
+              <a:t>2-5.0.1</a:t>
+            </a:r>
+          </a:p>
+          <a:p>
+            <a:pPr lvl="1">
+              <a:buFont typeface="Noto Sans CJK TC Regular" pitchFamily="34" charset="-120"/>
+              <a:buChar char="­"/>
+            </a:pPr>
+            <a:r>
+              <a:rPr lang="en-US" altLang="zh-TW" sz="3200" dirty="0">
+                <a:latin typeface="Noto Sans CJK TC Regular" pitchFamily="34" charset="-120"/>
+                <a:ea typeface="Noto Sans CJK TC Regular" pitchFamily="34" charset="-120"/>
+              </a:rPr>
+              <a:t>3-5.0.1</a:t>
+            </a:r>
+            <a:endParaRPr lang="en-US" altLang="zh-TW" sz="3200" dirty="0">
+              <a:latin typeface="Noto Sans CJK TC Regular" pitchFamily="34" charset="-120"/>
+              <a:ea typeface="Noto Sans CJK TC Regular" pitchFamily="34" charset="-120"/>
+            </a:endParaRPr>
           </a:p>
         </p:txBody>
       </p:sp>
     </p:spTree>
     <p:extLst>
       <p:ext uri="{BB962C8B-B14F-4D97-AF65-F5344CB8AC3E}">
-        <p14:creationId xmlns:p14="http://schemas.microsoft.com/office/powerpoint/2010/main" val="2670538834"/>
+        <p14:creationId xmlns:p14="http://schemas.microsoft.com/office/powerpoint/2010/main" val="370363659"/>
       </p:ext>
     </p:extLst>
   </p:cSld>
@@ -4833,7 +9894,7 @@
   <a:extraClrSchemeLst/>
   <a:extLst>
     <a:ext uri="{05A4C25C-085E-4340-85A3-A5531E510DB2}">
-      <thm15:themeFamily xmlns:thm15="http://schemas.microsoft.com/office/thememl/2012/main" name="Office Theme" id="{62F939B6-93AF-4DB8-9C6B-D6C7DFDC589F}" vid="{4A3C46E8-61CC-4603-A589-7422A47A8E4A}"/>
+      <thm15:themeFamily xmlns:thm15="http://schemas.microsoft.com/office/thememl/2012/main" xmlns="" name="Office Theme" id="{62F939B6-93AF-4DB8-9C6B-D6C7DFDC589F}" vid="{4A3C46E8-61CC-4603-A589-7422A47A8E4A}"/>
     </a:ext>
   </a:extLst>
 </a:theme>
